--- a/Лопатин007в2_Презетнация.pptx
+++ b/Лопатин007в2_Презетнация.pptx
@@ -3,20 +3,27 @@
 <p:presentation xmlns:a="http://schemas.openxmlformats.org/drawingml/2006/main" xmlns:r="http://schemas.openxmlformats.org/officeDocument/2006/relationships" xmlns:p="http://schemas.openxmlformats.org/presentationml/2006/main" saveSubsetFonts="1" autoCompressPictures="0">
   <p:sldMasterIdLst>
     <p:sldMasterId id="2147483648" r:id="rId1"/>
+    <p:sldMasterId id="2147483696" r:id="rId2"/>
   </p:sldMasterIdLst>
+  <p:notesMasterIdLst>
+    <p:notesMasterId r:id="rId18"/>
+  </p:notesMasterIdLst>
   <p:sldIdLst>
-    <p:sldId id="256" r:id="rId2"/>
-    <p:sldId id="257" r:id="rId3"/>
-    <p:sldId id="258" r:id="rId4"/>
-    <p:sldId id="260" r:id="rId5"/>
-    <p:sldId id="259" r:id="rId6"/>
-    <p:sldId id="261" r:id="rId7"/>
+    <p:sldId id="256" r:id="rId3"/>
+    <p:sldId id="257" r:id="rId4"/>
+    <p:sldId id="259" r:id="rId5"/>
+    <p:sldId id="261" r:id="rId6"/>
+    <p:sldId id="263" r:id="rId7"/>
     <p:sldId id="262" r:id="rId8"/>
-    <p:sldId id="263" r:id="rId9"/>
-    <p:sldId id="264" r:id="rId10"/>
+    <p:sldId id="272" r:id="rId9"/>
+    <p:sldId id="273" r:id="rId10"/>
     <p:sldId id="265" r:id="rId11"/>
-    <p:sldId id="266" r:id="rId12"/>
-    <p:sldId id="267" r:id="rId13"/>
+    <p:sldId id="268" r:id="rId12"/>
+    <p:sldId id="269" r:id="rId13"/>
+    <p:sldId id="264" r:id="rId14"/>
+    <p:sldId id="270" r:id="rId15"/>
+    <p:sldId id="271" r:id="rId16"/>
+    <p:sldId id="267" r:id="rId17"/>
   </p:sldIdLst>
   <p:sldSz cx="12192000" cy="6858000"/>
   <p:notesSz cx="6858000" cy="9144000"/>
@@ -115,7 +122,362 @@
       </a:defRPr>
     </a:lvl9pPr>
   </p:defaultTextStyle>
+  <p:extLst>
+    <p:ext uri="{EFAFB233-063F-42B5-8137-9DF3F51BA10A}">
+      <p15:sldGuideLst xmlns:p15="http://schemas.microsoft.com/office/powerpoint/2012/main"/>
+    </p:ext>
+  </p:extLst>
 </p:presentation>
+</file>
+
+<file path=ppt/notesMasters/notesMaster1.xml><?xml version="1.0" encoding="utf-8"?>
+<p:notesMaster xmlns:a="http://schemas.openxmlformats.org/drawingml/2006/main" xmlns:r="http://schemas.openxmlformats.org/officeDocument/2006/relationships" xmlns:p="http://schemas.openxmlformats.org/presentationml/2006/main">
+  <p:cSld>
+    <p:bg>
+      <p:bgRef idx="1001">
+        <a:schemeClr val="bg1"/>
+      </p:bgRef>
+    </p:bg>
+    <p:spTree>
+      <p:nvGrpSpPr>
+        <p:cNvPr id="1" name=""/>
+        <p:cNvGrpSpPr/>
+        <p:nvPr/>
+      </p:nvGrpSpPr>
+      <p:grpSpPr>
+        <a:xfrm>
+          <a:off x="0" y="0"/>
+          <a:ext cx="0" cy="0"/>
+          <a:chOff x="0" y="0"/>
+          <a:chExt cx="0" cy="0"/>
+        </a:xfrm>
+      </p:grpSpPr>
+      <p:sp>
+        <p:nvSpPr>
+          <p:cNvPr id="2" name="Верхний колонтитул 1"/>
+          <p:cNvSpPr>
+            <a:spLocks noGrp="1"/>
+          </p:cNvSpPr>
+          <p:nvPr>
+            <p:ph type="hdr" sz="quarter"/>
+          </p:nvPr>
+        </p:nvSpPr>
+        <p:spPr>
+          <a:xfrm>
+            <a:off x="0" y="0"/>
+            <a:ext cx="2971800" cy="458788"/>
+          </a:xfrm>
+          <a:prstGeom prst="rect">
+            <a:avLst/>
+          </a:prstGeom>
+        </p:spPr>
+        <p:txBody>
+          <a:bodyPr vert="horz" lIns="91440" tIns="45720" rIns="91440" bIns="45720" rtlCol="0"/>
+          <a:lstStyle>
+            <a:lvl1pPr algn="l">
+              <a:defRPr sz="1200"/>
+            </a:lvl1pPr>
+          </a:lstStyle>
+          <a:p>
+            <a:endParaRPr lang="ru-US"/>
+          </a:p>
+        </p:txBody>
+      </p:sp>
+      <p:sp>
+        <p:nvSpPr>
+          <p:cNvPr id="3" name="Дата 2"/>
+          <p:cNvSpPr>
+            <a:spLocks noGrp="1"/>
+          </p:cNvSpPr>
+          <p:nvPr>
+            <p:ph type="dt" idx="1"/>
+          </p:nvPr>
+        </p:nvSpPr>
+        <p:spPr>
+          <a:xfrm>
+            <a:off x="3884613" y="0"/>
+            <a:ext cx="2971800" cy="458788"/>
+          </a:xfrm>
+          <a:prstGeom prst="rect">
+            <a:avLst/>
+          </a:prstGeom>
+        </p:spPr>
+        <p:txBody>
+          <a:bodyPr vert="horz" lIns="91440" tIns="45720" rIns="91440" bIns="45720" rtlCol="0"/>
+          <a:lstStyle>
+            <a:lvl1pPr algn="r">
+              <a:defRPr sz="1200"/>
+            </a:lvl1pPr>
+          </a:lstStyle>
+          <a:p>
+            <a:fld id="{008D8E4D-B77B-3247-8ACD-7168AFA34EEC}" type="datetimeFigureOut">
+              <a:rPr lang="ru-US" smtClean="0"/>
+              <a:t>6/17/24</a:t>
+            </a:fld>
+            <a:endParaRPr lang="ru-US"/>
+          </a:p>
+        </p:txBody>
+      </p:sp>
+      <p:sp>
+        <p:nvSpPr>
+          <p:cNvPr id="4" name="Образ слайда 3"/>
+          <p:cNvSpPr>
+            <a:spLocks noGrp="1" noRot="1" noChangeAspect="1"/>
+          </p:cNvSpPr>
+          <p:nvPr>
+            <p:ph type="sldImg" idx="2"/>
+          </p:nvPr>
+        </p:nvSpPr>
+        <p:spPr>
+          <a:xfrm>
+            <a:off x="685800" y="1143000"/>
+            <a:ext cx="5486400" cy="3086100"/>
+          </a:xfrm>
+          <a:prstGeom prst="rect">
+            <a:avLst/>
+          </a:prstGeom>
+          <a:noFill/>
+          <a:ln w="12700">
+            <a:solidFill>
+              <a:prstClr val="black"/>
+            </a:solidFill>
+          </a:ln>
+        </p:spPr>
+        <p:txBody>
+          <a:bodyPr vert="horz" lIns="91440" tIns="45720" rIns="91440" bIns="45720" rtlCol="0" anchor="ctr"/>
+          <a:lstStyle/>
+          <a:p>
+            <a:endParaRPr lang="ru-US"/>
+          </a:p>
+        </p:txBody>
+      </p:sp>
+      <p:sp>
+        <p:nvSpPr>
+          <p:cNvPr id="5" name="Заметки 4"/>
+          <p:cNvSpPr>
+            <a:spLocks noGrp="1"/>
+          </p:cNvSpPr>
+          <p:nvPr>
+            <p:ph type="body" sz="quarter" idx="3"/>
+          </p:nvPr>
+        </p:nvSpPr>
+        <p:spPr>
+          <a:xfrm>
+            <a:off x="685800" y="4400550"/>
+            <a:ext cx="5486400" cy="3600450"/>
+          </a:xfrm>
+          <a:prstGeom prst="rect">
+            <a:avLst/>
+          </a:prstGeom>
+        </p:spPr>
+        <p:txBody>
+          <a:bodyPr vert="horz" lIns="91440" tIns="45720" rIns="91440" bIns="45720" rtlCol="0"/>
+          <a:lstStyle/>
+          <a:p>
+            <a:pPr lvl="0"/>
+            <a:r>
+              <a:rPr lang="ru-RU"/>
+              <a:t>Образец текста</a:t>
+            </a:r>
+          </a:p>
+          <a:p>
+            <a:pPr lvl="1"/>
+            <a:r>
+              <a:rPr lang="ru-RU"/>
+              <a:t>Второй уровень</a:t>
+            </a:r>
+          </a:p>
+          <a:p>
+            <a:pPr lvl="2"/>
+            <a:r>
+              <a:rPr lang="ru-RU"/>
+              <a:t>Третий уровень</a:t>
+            </a:r>
+          </a:p>
+          <a:p>
+            <a:pPr lvl="3"/>
+            <a:r>
+              <a:rPr lang="ru-RU"/>
+              <a:t>Четвертый уровень</a:t>
+            </a:r>
+          </a:p>
+          <a:p>
+            <a:pPr lvl="4"/>
+            <a:r>
+              <a:rPr lang="ru-RU"/>
+              <a:t>Пятый уровень</a:t>
+            </a:r>
+            <a:endParaRPr lang="ru-US"/>
+          </a:p>
+        </p:txBody>
+      </p:sp>
+      <p:sp>
+        <p:nvSpPr>
+          <p:cNvPr id="6" name="Нижний колонтитул 5"/>
+          <p:cNvSpPr>
+            <a:spLocks noGrp="1"/>
+          </p:cNvSpPr>
+          <p:nvPr>
+            <p:ph type="ftr" sz="quarter" idx="4"/>
+          </p:nvPr>
+        </p:nvSpPr>
+        <p:spPr>
+          <a:xfrm>
+            <a:off x="0" y="8685213"/>
+            <a:ext cx="2971800" cy="458787"/>
+          </a:xfrm>
+          <a:prstGeom prst="rect">
+            <a:avLst/>
+          </a:prstGeom>
+        </p:spPr>
+        <p:txBody>
+          <a:bodyPr vert="horz" lIns="91440" tIns="45720" rIns="91440" bIns="45720" rtlCol="0" anchor="b"/>
+          <a:lstStyle>
+            <a:lvl1pPr algn="l">
+              <a:defRPr sz="1200"/>
+            </a:lvl1pPr>
+          </a:lstStyle>
+          <a:p>
+            <a:endParaRPr lang="ru-US"/>
+          </a:p>
+        </p:txBody>
+      </p:sp>
+      <p:sp>
+        <p:nvSpPr>
+          <p:cNvPr id="7" name="Номер слайда 6"/>
+          <p:cNvSpPr>
+            <a:spLocks noGrp="1"/>
+          </p:cNvSpPr>
+          <p:nvPr>
+            <p:ph type="sldNum" sz="quarter" idx="5"/>
+          </p:nvPr>
+        </p:nvSpPr>
+        <p:spPr>
+          <a:xfrm>
+            <a:off x="3884613" y="8685213"/>
+            <a:ext cx="2971800" cy="458787"/>
+          </a:xfrm>
+          <a:prstGeom prst="rect">
+            <a:avLst/>
+          </a:prstGeom>
+        </p:spPr>
+        <p:txBody>
+          <a:bodyPr vert="horz" lIns="91440" tIns="45720" rIns="91440" bIns="45720" rtlCol="0" anchor="b"/>
+          <a:lstStyle>
+            <a:lvl1pPr algn="r">
+              <a:defRPr sz="1200"/>
+            </a:lvl1pPr>
+          </a:lstStyle>
+          <a:p>
+            <a:fld id="{9709B742-6BE9-074D-AE2F-35D7E042AE01}" type="slidenum">
+              <a:rPr lang="ru-US" smtClean="0"/>
+              <a:t>‹#›</a:t>
+            </a:fld>
+            <a:endParaRPr lang="ru-US"/>
+          </a:p>
+        </p:txBody>
+      </p:sp>
+    </p:spTree>
+    <p:extLst>
+      <p:ext uri="{BB962C8B-B14F-4D97-AF65-F5344CB8AC3E}">
+        <p14:creationId xmlns:p14="http://schemas.microsoft.com/office/powerpoint/2010/main" val="3907790440"/>
+      </p:ext>
+    </p:extLst>
+  </p:cSld>
+  <p:clrMap bg1="lt1" tx1="dk1" bg2="lt2" tx2="dk2" accent1="accent1" accent2="accent2" accent3="accent3" accent4="accent4" accent5="accent5" accent6="accent6" hlink="hlink" folHlink="folHlink"/>
+  <p:notesStyle>
+    <a:lvl1pPr marL="0" algn="l" defTabSz="914400" rtl="0" eaLnBrk="1" latinLnBrk="0" hangingPunct="1">
+      <a:defRPr sz="1200" kern="1200">
+        <a:solidFill>
+          <a:schemeClr val="tx1"/>
+        </a:solidFill>
+        <a:latin typeface="+mn-lt"/>
+        <a:ea typeface="+mn-ea"/>
+        <a:cs typeface="+mn-cs"/>
+      </a:defRPr>
+    </a:lvl1pPr>
+    <a:lvl2pPr marL="457200" algn="l" defTabSz="914400" rtl="0" eaLnBrk="1" latinLnBrk="0" hangingPunct="1">
+      <a:defRPr sz="1200" kern="1200">
+        <a:solidFill>
+          <a:schemeClr val="tx1"/>
+        </a:solidFill>
+        <a:latin typeface="+mn-lt"/>
+        <a:ea typeface="+mn-ea"/>
+        <a:cs typeface="+mn-cs"/>
+      </a:defRPr>
+    </a:lvl2pPr>
+    <a:lvl3pPr marL="914400" algn="l" defTabSz="914400" rtl="0" eaLnBrk="1" latinLnBrk="0" hangingPunct="1">
+      <a:defRPr sz="1200" kern="1200">
+        <a:solidFill>
+          <a:schemeClr val="tx1"/>
+        </a:solidFill>
+        <a:latin typeface="+mn-lt"/>
+        <a:ea typeface="+mn-ea"/>
+        <a:cs typeface="+mn-cs"/>
+      </a:defRPr>
+    </a:lvl3pPr>
+    <a:lvl4pPr marL="1371600" algn="l" defTabSz="914400" rtl="0" eaLnBrk="1" latinLnBrk="0" hangingPunct="1">
+      <a:defRPr sz="1200" kern="1200">
+        <a:solidFill>
+          <a:schemeClr val="tx1"/>
+        </a:solidFill>
+        <a:latin typeface="+mn-lt"/>
+        <a:ea typeface="+mn-ea"/>
+        <a:cs typeface="+mn-cs"/>
+      </a:defRPr>
+    </a:lvl4pPr>
+    <a:lvl5pPr marL="1828800" algn="l" defTabSz="914400" rtl="0" eaLnBrk="1" latinLnBrk="0" hangingPunct="1">
+      <a:defRPr sz="1200" kern="1200">
+        <a:solidFill>
+          <a:schemeClr val="tx1"/>
+        </a:solidFill>
+        <a:latin typeface="+mn-lt"/>
+        <a:ea typeface="+mn-ea"/>
+        <a:cs typeface="+mn-cs"/>
+      </a:defRPr>
+    </a:lvl5pPr>
+    <a:lvl6pPr marL="2286000" algn="l" defTabSz="914400" rtl="0" eaLnBrk="1" latinLnBrk="0" hangingPunct="1">
+      <a:defRPr sz="1200" kern="1200">
+        <a:solidFill>
+          <a:schemeClr val="tx1"/>
+        </a:solidFill>
+        <a:latin typeface="+mn-lt"/>
+        <a:ea typeface="+mn-ea"/>
+        <a:cs typeface="+mn-cs"/>
+      </a:defRPr>
+    </a:lvl6pPr>
+    <a:lvl7pPr marL="2743200" algn="l" defTabSz="914400" rtl="0" eaLnBrk="1" latinLnBrk="0" hangingPunct="1">
+      <a:defRPr sz="1200" kern="1200">
+        <a:solidFill>
+          <a:schemeClr val="tx1"/>
+        </a:solidFill>
+        <a:latin typeface="+mn-lt"/>
+        <a:ea typeface="+mn-ea"/>
+        <a:cs typeface="+mn-cs"/>
+      </a:defRPr>
+    </a:lvl7pPr>
+    <a:lvl8pPr marL="3200400" algn="l" defTabSz="914400" rtl="0" eaLnBrk="1" latinLnBrk="0" hangingPunct="1">
+      <a:defRPr sz="1200" kern="1200">
+        <a:solidFill>
+          <a:schemeClr val="tx1"/>
+        </a:solidFill>
+        <a:latin typeface="+mn-lt"/>
+        <a:ea typeface="+mn-ea"/>
+        <a:cs typeface="+mn-cs"/>
+      </a:defRPr>
+    </a:lvl8pPr>
+    <a:lvl9pPr marL="3657600" algn="l" defTabSz="914400" rtl="0" eaLnBrk="1" latinLnBrk="0" hangingPunct="1">
+      <a:defRPr sz="1200" kern="1200">
+        <a:solidFill>
+          <a:schemeClr val="tx1"/>
+        </a:solidFill>
+        <a:latin typeface="+mn-lt"/>
+        <a:ea typeface="+mn-ea"/>
+        <a:cs typeface="+mn-cs"/>
+      </a:defRPr>
+    </a:lvl9pPr>
+  </p:notesStyle>
+</p:notesMaster>
 </file>
 
 <file path=ppt/slideLayouts/slideLayout1.xml><?xml version="1.0" encoding="utf-8"?>
@@ -267,7 +629,7 @@
           <a:p>
             <a:fld id="{18EC5347-3A92-D24B-B878-CD09744C0D9D}" type="datetimeFigureOut">
               <a:rPr lang="ru-US" smtClean="0"/>
-              <a:t>2/1/24</a:t>
+              <a:t>6/17/24</a:t>
             </a:fld>
             <a:endParaRPr lang="ru-US"/>
           </a:p>
@@ -323,7 +685,7 @@
               <a:rPr lang="ru-US" smtClean="0"/>
               <a:t>‹#›</a:t>
             </a:fld>
-            <a:endParaRPr lang="ru-US"/>
+            <a:endParaRPr lang="ru-US" dirty="0"/>
           </a:p>
         </p:txBody>
       </p:sp>
@@ -467,7 +829,7 @@
           <a:p>
             <a:fld id="{18EC5347-3A92-D24B-B878-CD09744C0D9D}" type="datetimeFigureOut">
               <a:rPr lang="ru-US" smtClean="0"/>
-              <a:t>2/1/24</a:t>
+              <a:t>6/17/24</a:t>
             </a:fld>
             <a:endParaRPr lang="ru-US"/>
           </a:p>
@@ -677,7 +1039,7 @@
           <a:p>
             <a:fld id="{18EC5347-3A92-D24B-B878-CD09744C0D9D}" type="datetimeFigureOut">
               <a:rPr lang="ru-US" smtClean="0"/>
-              <a:t>2/1/24</a:t>
+              <a:t>6/17/24</a:t>
             </a:fld>
             <a:endParaRPr lang="ru-US"/>
           </a:p>
@@ -741,6 +1103,1880 @@
     <p:extLst>
       <p:ext uri="{BB962C8B-B14F-4D97-AF65-F5344CB8AC3E}">
         <p14:creationId xmlns:p14="http://schemas.microsoft.com/office/powerpoint/2010/main" val="1478955638"/>
+      </p:ext>
+    </p:extLst>
+  </p:cSld>
+  <p:clrMapOvr>
+    <a:masterClrMapping/>
+  </p:clrMapOvr>
+</p:sldLayout>
+</file>
+
+<file path=ppt/slideLayouts/slideLayout12.xml><?xml version="1.0" encoding="utf-8"?>
+<p:sldLayout xmlns:a="http://schemas.openxmlformats.org/drawingml/2006/main" xmlns:r="http://schemas.openxmlformats.org/officeDocument/2006/relationships" xmlns:p="http://schemas.openxmlformats.org/presentationml/2006/main" type="title" preserve="1">
+  <p:cSld name="Титульный слайд">
+    <p:bg>
+      <p:bgPr>
+        <a:solidFill>
+          <a:schemeClr val="accent2"/>
+        </a:solidFill>
+        <a:effectLst/>
+      </p:bgPr>
+    </p:bg>
+    <p:spTree>
+      <p:nvGrpSpPr>
+        <p:cNvPr id="1" name=""/>
+        <p:cNvGrpSpPr/>
+        <p:nvPr/>
+      </p:nvGrpSpPr>
+      <p:grpSpPr>
+        <a:xfrm>
+          <a:off x="0" y="0"/>
+          <a:ext cx="0" cy="0"/>
+          <a:chOff x="0" y="0"/>
+          <a:chExt cx="0" cy="0"/>
+        </a:xfrm>
+      </p:grpSpPr>
+      <p:sp>
+        <p:nvSpPr>
+          <p:cNvPr id="2" name="Title 1"/>
+          <p:cNvSpPr>
+            <a:spLocks noGrp="1"/>
+          </p:cNvSpPr>
+          <p:nvPr>
+            <p:ph type="ctrTitle"/>
+          </p:nvPr>
+        </p:nvSpPr>
+        <p:spPr bwMode="blackWhite">
+          <a:xfrm>
+            <a:off x="1600200" y="2386744"/>
+            <a:ext cx="8991600" cy="1645920"/>
+          </a:xfrm>
+          <a:solidFill>
+            <a:srgbClr val="FFFFFF"/>
+          </a:solidFill>
+          <a:ln w="38100">
+            <a:solidFill>
+              <a:srgbClr val="404040"/>
+            </a:solidFill>
+          </a:ln>
+        </p:spPr>
+        <p:txBody>
+          <a:bodyPr lIns="274320" rIns="274320" anchor="ctr" anchorCtr="1">
+            <a:normAutofit/>
+          </a:bodyPr>
+          <a:lstStyle>
+            <a:lvl1pPr algn="ctr">
+              <a:defRPr sz="3800">
+                <a:solidFill>
+                  <a:srgbClr val="262626"/>
+                </a:solidFill>
+              </a:defRPr>
+            </a:lvl1pPr>
+          </a:lstStyle>
+          <a:p>
+            <a:r>
+              <a:rPr lang="ru-RU"/>
+              <a:t>Образец заголовка</a:t>
+            </a:r>
+            <a:endParaRPr lang="en-US" dirty="0"/>
+          </a:p>
+        </p:txBody>
+      </p:sp>
+      <p:sp>
+        <p:nvSpPr>
+          <p:cNvPr id="3" name="Subtitle 2"/>
+          <p:cNvSpPr>
+            <a:spLocks noGrp="1"/>
+          </p:cNvSpPr>
+          <p:nvPr>
+            <p:ph type="subTitle" idx="1"/>
+          </p:nvPr>
+        </p:nvSpPr>
+        <p:spPr>
+          <a:xfrm>
+            <a:off x="2695194" y="4352544"/>
+            <a:ext cx="6801612" cy="1239894"/>
+          </a:xfrm>
+          <a:noFill/>
+        </p:spPr>
+        <p:txBody>
+          <a:bodyPr>
+            <a:normAutofit/>
+          </a:bodyPr>
+          <a:lstStyle>
+            <a:lvl1pPr marL="0" indent="0" algn="ctr">
+              <a:buNone/>
+              <a:defRPr sz="2000">
+                <a:solidFill>
+                  <a:schemeClr val="tx1">
+                    <a:lumMod val="75000"/>
+                    <a:lumOff val="25000"/>
+                  </a:schemeClr>
+                </a:solidFill>
+              </a:defRPr>
+            </a:lvl1pPr>
+            <a:lvl2pPr marL="457200" indent="0" algn="ctr">
+              <a:buNone/>
+              <a:defRPr sz="2000"/>
+            </a:lvl2pPr>
+            <a:lvl3pPr marL="914400" indent="0" algn="ctr">
+              <a:buNone/>
+              <a:defRPr sz="1800"/>
+            </a:lvl3pPr>
+            <a:lvl4pPr marL="1371600" indent="0" algn="ctr">
+              <a:buNone/>
+              <a:defRPr sz="1600"/>
+            </a:lvl4pPr>
+            <a:lvl5pPr marL="1828800" indent="0" algn="ctr">
+              <a:buNone/>
+              <a:defRPr sz="1600"/>
+            </a:lvl5pPr>
+            <a:lvl6pPr marL="2286000" indent="0" algn="ctr">
+              <a:buNone/>
+              <a:defRPr sz="1600"/>
+            </a:lvl6pPr>
+            <a:lvl7pPr marL="2743200" indent="0" algn="ctr">
+              <a:buNone/>
+              <a:defRPr sz="1600"/>
+            </a:lvl7pPr>
+            <a:lvl8pPr marL="3200400" indent="0" algn="ctr">
+              <a:buNone/>
+              <a:defRPr sz="1600"/>
+            </a:lvl8pPr>
+            <a:lvl9pPr marL="3657600" indent="0" algn="ctr">
+              <a:buNone/>
+              <a:defRPr sz="1600"/>
+            </a:lvl9pPr>
+          </a:lstStyle>
+          <a:p>
+            <a:r>
+              <a:rPr lang="ru-RU"/>
+              <a:t>Образец подзаголовка</a:t>
+            </a:r>
+            <a:endParaRPr lang="en-US" dirty="0"/>
+          </a:p>
+        </p:txBody>
+      </p:sp>
+      <p:sp>
+        <p:nvSpPr>
+          <p:cNvPr id="7" name="Date Placeholder 6"/>
+          <p:cNvSpPr>
+            <a:spLocks noGrp="1"/>
+          </p:cNvSpPr>
+          <p:nvPr>
+            <p:ph type="dt" sz="half" idx="10"/>
+          </p:nvPr>
+        </p:nvSpPr>
+        <p:spPr/>
+        <p:txBody>
+          <a:bodyPr/>
+          <a:lstStyle/>
+          <a:p>
+            <a:fld id="{18EC5347-3A92-D24B-B878-CD09744C0D9D}" type="datetimeFigureOut">
+              <a:rPr lang="ru-US" smtClean="0"/>
+              <a:t>6/17/24</a:t>
+            </a:fld>
+            <a:endParaRPr lang="ru-US"/>
+          </a:p>
+        </p:txBody>
+      </p:sp>
+      <p:sp>
+        <p:nvSpPr>
+          <p:cNvPr id="8" name="Footer Placeholder 7"/>
+          <p:cNvSpPr>
+            <a:spLocks noGrp="1"/>
+          </p:cNvSpPr>
+          <p:nvPr>
+            <p:ph type="ftr" sz="quarter" idx="11"/>
+          </p:nvPr>
+        </p:nvSpPr>
+        <p:spPr/>
+        <p:txBody>
+          <a:bodyPr/>
+          <a:lstStyle/>
+          <a:p>
+            <a:endParaRPr lang="ru-US"/>
+          </a:p>
+        </p:txBody>
+      </p:sp>
+      <p:sp>
+        <p:nvSpPr>
+          <p:cNvPr id="9" name="Slide Number Placeholder 8"/>
+          <p:cNvSpPr>
+            <a:spLocks noGrp="1"/>
+          </p:cNvSpPr>
+          <p:nvPr>
+            <p:ph type="sldNum" sz="quarter" idx="12"/>
+          </p:nvPr>
+        </p:nvSpPr>
+        <p:spPr/>
+        <p:txBody>
+          <a:bodyPr/>
+          <a:lstStyle/>
+          <a:p>
+            <a:fld id="{AFAF6365-899A-754A-8142-24B17376DE51}" type="slidenum">
+              <a:rPr lang="ru-US" smtClean="0"/>
+              <a:t>‹#›</a:t>
+            </a:fld>
+            <a:endParaRPr lang="ru-US"/>
+          </a:p>
+        </p:txBody>
+      </p:sp>
+    </p:spTree>
+    <p:extLst>
+      <p:ext uri="{BB962C8B-B14F-4D97-AF65-F5344CB8AC3E}">
+        <p14:creationId xmlns:p14="http://schemas.microsoft.com/office/powerpoint/2010/main" val="726317381"/>
+      </p:ext>
+    </p:extLst>
+  </p:cSld>
+  <p:clrMapOvr>
+    <a:overrideClrMapping bg1="dk1" tx1="lt1" bg2="dk2" tx2="lt2" accent1="accent1" accent2="accent2" accent3="accent3" accent4="accent4" accent5="accent5" accent6="accent6" hlink="hlink" folHlink="folHlink"/>
+  </p:clrMapOvr>
+</p:sldLayout>
+</file>
+
+<file path=ppt/slideLayouts/slideLayout13.xml><?xml version="1.0" encoding="utf-8"?>
+<p:sldLayout xmlns:a="http://schemas.openxmlformats.org/drawingml/2006/main" xmlns:r="http://schemas.openxmlformats.org/officeDocument/2006/relationships" xmlns:p="http://schemas.openxmlformats.org/presentationml/2006/main" type="obj" preserve="1">
+  <p:cSld name="Заголовок и объект">
+    <p:spTree>
+      <p:nvGrpSpPr>
+        <p:cNvPr id="1" name=""/>
+        <p:cNvGrpSpPr/>
+        <p:nvPr/>
+      </p:nvGrpSpPr>
+      <p:grpSpPr>
+        <a:xfrm>
+          <a:off x="0" y="0"/>
+          <a:ext cx="0" cy="0"/>
+          <a:chOff x="0" y="0"/>
+          <a:chExt cx="0" cy="0"/>
+        </a:xfrm>
+      </p:grpSpPr>
+      <p:sp>
+        <p:nvSpPr>
+          <p:cNvPr id="2" name="Title 1"/>
+          <p:cNvSpPr>
+            <a:spLocks noGrp="1"/>
+          </p:cNvSpPr>
+          <p:nvPr>
+            <p:ph type="title"/>
+          </p:nvPr>
+        </p:nvSpPr>
+        <p:spPr/>
+        <p:txBody>
+          <a:bodyPr/>
+          <a:lstStyle/>
+          <a:p>
+            <a:r>
+              <a:rPr lang="ru-RU" dirty="0"/>
+              <a:t>Образец заголовка</a:t>
+            </a:r>
+            <a:endParaRPr lang="en-US" dirty="0"/>
+          </a:p>
+        </p:txBody>
+      </p:sp>
+      <p:sp>
+        <p:nvSpPr>
+          <p:cNvPr id="3" name="Content Placeholder 2"/>
+          <p:cNvSpPr>
+            <a:spLocks noGrp="1"/>
+          </p:cNvSpPr>
+          <p:nvPr>
+            <p:ph idx="1"/>
+          </p:nvPr>
+        </p:nvSpPr>
+        <p:spPr/>
+        <p:txBody>
+          <a:bodyPr/>
+          <a:lstStyle/>
+          <a:p>
+            <a:pPr lvl="0"/>
+            <a:r>
+              <a:rPr lang="ru-RU" dirty="0"/>
+              <a:t>Образец текста</a:t>
+            </a:r>
+          </a:p>
+          <a:p>
+            <a:pPr lvl="1"/>
+            <a:r>
+              <a:rPr lang="ru-RU" dirty="0"/>
+              <a:t>Второй уровень</a:t>
+            </a:r>
+          </a:p>
+          <a:p>
+            <a:pPr lvl="2"/>
+            <a:r>
+              <a:rPr lang="ru-RU" dirty="0"/>
+              <a:t>Третий уровень</a:t>
+            </a:r>
+          </a:p>
+          <a:p>
+            <a:pPr lvl="3"/>
+            <a:r>
+              <a:rPr lang="ru-RU" dirty="0"/>
+              <a:t>Четвертый уровень</a:t>
+            </a:r>
+          </a:p>
+          <a:p>
+            <a:pPr lvl="4"/>
+            <a:r>
+              <a:rPr lang="ru-RU" dirty="0"/>
+              <a:t>Пятый уровень</a:t>
+            </a:r>
+            <a:endParaRPr lang="en-US" dirty="0"/>
+          </a:p>
+        </p:txBody>
+      </p:sp>
+      <p:sp>
+        <p:nvSpPr>
+          <p:cNvPr id="7" name="Date Placeholder 6"/>
+          <p:cNvSpPr>
+            <a:spLocks noGrp="1"/>
+          </p:cNvSpPr>
+          <p:nvPr>
+            <p:ph type="dt" sz="half" idx="10"/>
+          </p:nvPr>
+        </p:nvSpPr>
+        <p:spPr/>
+        <p:txBody>
+          <a:bodyPr/>
+          <a:lstStyle/>
+          <a:p>
+            <a:fld id="{18EC5347-3A92-D24B-B878-CD09744C0D9D}" type="datetimeFigureOut">
+              <a:rPr lang="ru-US" smtClean="0"/>
+              <a:t>6/17/24</a:t>
+            </a:fld>
+            <a:endParaRPr lang="ru-US"/>
+          </a:p>
+        </p:txBody>
+      </p:sp>
+      <p:sp>
+        <p:nvSpPr>
+          <p:cNvPr id="8" name="Footer Placeholder 7"/>
+          <p:cNvSpPr>
+            <a:spLocks noGrp="1"/>
+          </p:cNvSpPr>
+          <p:nvPr>
+            <p:ph type="ftr" sz="quarter" idx="11"/>
+          </p:nvPr>
+        </p:nvSpPr>
+        <p:spPr/>
+        <p:txBody>
+          <a:bodyPr/>
+          <a:lstStyle/>
+          <a:p>
+            <a:endParaRPr lang="ru-US"/>
+          </a:p>
+        </p:txBody>
+      </p:sp>
+      <p:sp>
+        <p:nvSpPr>
+          <p:cNvPr id="9" name="Slide Number Placeholder 8"/>
+          <p:cNvSpPr>
+            <a:spLocks noGrp="1"/>
+          </p:cNvSpPr>
+          <p:nvPr>
+            <p:ph type="sldNum" sz="quarter" idx="12"/>
+          </p:nvPr>
+        </p:nvSpPr>
+        <p:spPr>
+          <a:xfrm>
+            <a:off x="10758921" y="6217919"/>
+            <a:ext cx="1150857" cy="498969"/>
+          </a:xfrm>
+        </p:spPr>
+        <p:txBody>
+          <a:bodyPr/>
+          <a:lstStyle>
+            <a:lvl1pPr>
+              <a:defRPr sz="1400" baseline="0"/>
+            </a:lvl1pPr>
+          </a:lstStyle>
+          <a:p>
+            <a:fld id="{AFAF6365-899A-754A-8142-24B17376DE51}" type="slidenum">
+              <a:rPr lang="ru-US" smtClean="0"/>
+              <a:pPr/>
+              <a:t>‹#›</a:t>
+            </a:fld>
+            <a:r>
+              <a:rPr lang="ru-US" dirty="0"/>
+              <a:t> из 15</a:t>
+            </a:r>
+          </a:p>
+        </p:txBody>
+      </p:sp>
+    </p:spTree>
+    <p:extLst>
+      <p:ext uri="{BB962C8B-B14F-4D97-AF65-F5344CB8AC3E}">
+        <p14:creationId xmlns:p14="http://schemas.microsoft.com/office/powerpoint/2010/main" val="3487440016"/>
+      </p:ext>
+    </p:extLst>
+  </p:cSld>
+  <p:clrMapOvr>
+    <a:masterClrMapping/>
+  </p:clrMapOvr>
+</p:sldLayout>
+</file>
+
+<file path=ppt/slideLayouts/slideLayout14.xml><?xml version="1.0" encoding="utf-8"?>
+<p:sldLayout xmlns:a="http://schemas.openxmlformats.org/drawingml/2006/main" xmlns:r="http://schemas.openxmlformats.org/officeDocument/2006/relationships" xmlns:p="http://schemas.openxmlformats.org/presentationml/2006/main" type="secHead" preserve="1">
+  <p:cSld name="Заголовок раздела">
+    <p:bg>
+      <p:bgPr>
+        <a:solidFill>
+          <a:schemeClr val="accent1"/>
+        </a:solidFill>
+        <a:effectLst/>
+      </p:bgPr>
+    </p:bg>
+    <p:spTree>
+      <p:nvGrpSpPr>
+        <p:cNvPr id="1" name=""/>
+        <p:cNvGrpSpPr/>
+        <p:nvPr/>
+      </p:nvGrpSpPr>
+      <p:grpSpPr>
+        <a:xfrm>
+          <a:off x="0" y="0"/>
+          <a:ext cx="0" cy="0"/>
+          <a:chOff x="0" y="0"/>
+          <a:chExt cx="0" cy="0"/>
+        </a:xfrm>
+      </p:grpSpPr>
+      <p:sp>
+        <p:nvSpPr>
+          <p:cNvPr id="2" name="Title 1"/>
+          <p:cNvSpPr>
+            <a:spLocks noGrp="1"/>
+          </p:cNvSpPr>
+          <p:nvPr>
+            <p:ph type="title"/>
+          </p:nvPr>
+        </p:nvSpPr>
+        <p:spPr bwMode="blackWhite">
+          <a:xfrm>
+            <a:off x="1600200" y="2386744"/>
+            <a:ext cx="8991600" cy="1645920"/>
+          </a:xfrm>
+          <a:solidFill>
+            <a:srgbClr val="FFFFFF"/>
+          </a:solidFill>
+          <a:ln w="38100">
+            <a:solidFill>
+              <a:srgbClr val="404040"/>
+            </a:solidFill>
+          </a:ln>
+        </p:spPr>
+        <p:txBody>
+          <a:bodyPr lIns="274320" rIns="274320" anchor="ctr" anchorCtr="1">
+            <a:normAutofit/>
+          </a:bodyPr>
+          <a:lstStyle>
+            <a:lvl1pPr>
+              <a:defRPr sz="3800">
+                <a:solidFill>
+                  <a:srgbClr val="262626"/>
+                </a:solidFill>
+              </a:defRPr>
+            </a:lvl1pPr>
+          </a:lstStyle>
+          <a:p>
+            <a:r>
+              <a:rPr lang="ru-RU"/>
+              <a:t>Образец заголовка</a:t>
+            </a:r>
+            <a:endParaRPr lang="en-US" dirty="0"/>
+          </a:p>
+        </p:txBody>
+      </p:sp>
+      <p:sp>
+        <p:nvSpPr>
+          <p:cNvPr id="3" name="Text Placeholder 2"/>
+          <p:cNvSpPr>
+            <a:spLocks noGrp="1"/>
+          </p:cNvSpPr>
+          <p:nvPr>
+            <p:ph type="body" idx="1"/>
+          </p:nvPr>
+        </p:nvSpPr>
+        <p:spPr>
+          <a:xfrm>
+            <a:off x="2695194" y="4352465"/>
+            <a:ext cx="6801612" cy="1265082"/>
+          </a:xfrm>
+        </p:spPr>
+        <p:txBody>
+          <a:bodyPr anchor="t" anchorCtr="1">
+            <a:normAutofit/>
+          </a:bodyPr>
+          <a:lstStyle>
+            <a:lvl1pPr marL="0" indent="0">
+              <a:buNone/>
+              <a:defRPr sz="2000">
+                <a:solidFill>
+                  <a:schemeClr val="tx1"/>
+                </a:solidFill>
+              </a:defRPr>
+            </a:lvl1pPr>
+            <a:lvl2pPr marL="457200" indent="0">
+              <a:buNone/>
+              <a:defRPr sz="2000">
+                <a:solidFill>
+                  <a:schemeClr val="tx1">
+                    <a:tint val="75000"/>
+                  </a:schemeClr>
+                </a:solidFill>
+              </a:defRPr>
+            </a:lvl2pPr>
+            <a:lvl3pPr marL="914400" indent="0">
+              <a:buNone/>
+              <a:defRPr sz="1800">
+                <a:solidFill>
+                  <a:schemeClr val="tx1">
+                    <a:tint val="75000"/>
+                  </a:schemeClr>
+                </a:solidFill>
+              </a:defRPr>
+            </a:lvl3pPr>
+            <a:lvl4pPr marL="1371600" indent="0">
+              <a:buNone/>
+              <a:defRPr sz="1600">
+                <a:solidFill>
+                  <a:schemeClr val="tx1">
+                    <a:tint val="75000"/>
+                  </a:schemeClr>
+                </a:solidFill>
+              </a:defRPr>
+            </a:lvl4pPr>
+            <a:lvl5pPr marL="1828800" indent="0">
+              <a:buNone/>
+              <a:defRPr sz="1600">
+                <a:solidFill>
+                  <a:schemeClr val="tx1">
+                    <a:tint val="75000"/>
+                  </a:schemeClr>
+                </a:solidFill>
+              </a:defRPr>
+            </a:lvl5pPr>
+            <a:lvl6pPr marL="2286000" indent="0">
+              <a:buNone/>
+              <a:defRPr sz="1600">
+                <a:solidFill>
+                  <a:schemeClr val="tx1">
+                    <a:tint val="75000"/>
+                  </a:schemeClr>
+                </a:solidFill>
+              </a:defRPr>
+            </a:lvl6pPr>
+            <a:lvl7pPr marL="2743200" indent="0">
+              <a:buNone/>
+              <a:defRPr sz="1600">
+                <a:solidFill>
+                  <a:schemeClr val="tx1">
+                    <a:tint val="75000"/>
+                  </a:schemeClr>
+                </a:solidFill>
+              </a:defRPr>
+            </a:lvl7pPr>
+            <a:lvl8pPr marL="3200400" indent="0">
+              <a:buNone/>
+              <a:defRPr sz="1600">
+                <a:solidFill>
+                  <a:schemeClr val="tx1">
+                    <a:tint val="75000"/>
+                  </a:schemeClr>
+                </a:solidFill>
+              </a:defRPr>
+            </a:lvl8pPr>
+            <a:lvl9pPr marL="3657600" indent="0">
+              <a:buNone/>
+              <a:defRPr sz="1600">
+                <a:solidFill>
+                  <a:schemeClr val="tx1">
+                    <a:tint val="75000"/>
+                  </a:schemeClr>
+                </a:solidFill>
+              </a:defRPr>
+            </a:lvl9pPr>
+          </a:lstStyle>
+          <a:p>
+            <a:pPr lvl="0"/>
+            <a:r>
+              <a:rPr lang="ru-RU"/>
+              <a:t>Образец текста</a:t>
+            </a:r>
+          </a:p>
+        </p:txBody>
+      </p:sp>
+      <p:sp>
+        <p:nvSpPr>
+          <p:cNvPr id="7" name="Date Placeholder 6"/>
+          <p:cNvSpPr>
+            <a:spLocks noGrp="1"/>
+          </p:cNvSpPr>
+          <p:nvPr>
+            <p:ph type="dt" sz="half" idx="10"/>
+          </p:nvPr>
+        </p:nvSpPr>
+        <p:spPr/>
+        <p:txBody>
+          <a:bodyPr/>
+          <a:lstStyle/>
+          <a:p>
+            <a:fld id="{18EC5347-3A92-D24B-B878-CD09744C0D9D}" type="datetimeFigureOut">
+              <a:rPr lang="ru-US" smtClean="0"/>
+              <a:t>6/17/24</a:t>
+            </a:fld>
+            <a:endParaRPr lang="ru-US"/>
+          </a:p>
+        </p:txBody>
+      </p:sp>
+      <p:sp>
+        <p:nvSpPr>
+          <p:cNvPr id="8" name="Footer Placeholder 7"/>
+          <p:cNvSpPr>
+            <a:spLocks noGrp="1"/>
+          </p:cNvSpPr>
+          <p:nvPr>
+            <p:ph type="ftr" sz="quarter" idx="11"/>
+          </p:nvPr>
+        </p:nvSpPr>
+        <p:spPr/>
+        <p:txBody>
+          <a:bodyPr/>
+          <a:lstStyle/>
+          <a:p>
+            <a:endParaRPr lang="ru-US"/>
+          </a:p>
+        </p:txBody>
+      </p:sp>
+      <p:sp>
+        <p:nvSpPr>
+          <p:cNvPr id="9" name="Slide Number Placeholder 8"/>
+          <p:cNvSpPr>
+            <a:spLocks noGrp="1"/>
+          </p:cNvSpPr>
+          <p:nvPr>
+            <p:ph type="sldNum" sz="quarter" idx="12"/>
+          </p:nvPr>
+        </p:nvSpPr>
+        <p:spPr/>
+        <p:txBody>
+          <a:bodyPr/>
+          <a:lstStyle/>
+          <a:p>
+            <a:fld id="{AFAF6365-899A-754A-8142-24B17376DE51}" type="slidenum">
+              <a:rPr lang="ru-US" smtClean="0"/>
+              <a:t>‹#›</a:t>
+            </a:fld>
+            <a:endParaRPr lang="ru-US"/>
+          </a:p>
+        </p:txBody>
+      </p:sp>
+    </p:spTree>
+    <p:extLst>
+      <p:ext uri="{BB962C8B-B14F-4D97-AF65-F5344CB8AC3E}">
+        <p14:creationId xmlns:p14="http://schemas.microsoft.com/office/powerpoint/2010/main" val="658746341"/>
+      </p:ext>
+    </p:extLst>
+  </p:cSld>
+  <p:clrMapOvr>
+    <a:overrideClrMapping bg1="dk1" tx1="lt1" bg2="dk2" tx2="lt2" accent1="accent1" accent2="accent2" accent3="accent3" accent4="accent4" accent5="accent5" accent6="accent6" hlink="hlink" folHlink="folHlink"/>
+  </p:clrMapOvr>
+</p:sldLayout>
+</file>
+
+<file path=ppt/slideLayouts/slideLayout15.xml><?xml version="1.0" encoding="utf-8"?>
+<p:sldLayout xmlns:a="http://schemas.openxmlformats.org/drawingml/2006/main" xmlns:r="http://schemas.openxmlformats.org/officeDocument/2006/relationships" xmlns:p="http://schemas.openxmlformats.org/presentationml/2006/main" type="twoObj" preserve="1">
+  <p:cSld name="Два объекта">
+    <p:spTree>
+      <p:nvGrpSpPr>
+        <p:cNvPr id="1" name=""/>
+        <p:cNvGrpSpPr/>
+        <p:nvPr/>
+      </p:nvGrpSpPr>
+      <p:grpSpPr>
+        <a:xfrm>
+          <a:off x="0" y="0"/>
+          <a:ext cx="0" cy="0"/>
+          <a:chOff x="0" y="0"/>
+          <a:chExt cx="0" cy="0"/>
+        </a:xfrm>
+      </p:grpSpPr>
+      <p:sp>
+        <p:nvSpPr>
+          <p:cNvPr id="2" name="Title 1"/>
+          <p:cNvSpPr>
+            <a:spLocks noGrp="1"/>
+          </p:cNvSpPr>
+          <p:nvPr>
+            <p:ph type="title"/>
+          </p:nvPr>
+        </p:nvSpPr>
+        <p:spPr/>
+        <p:txBody>
+          <a:bodyPr/>
+          <a:lstStyle/>
+          <a:p>
+            <a:r>
+              <a:rPr lang="ru-RU"/>
+              <a:t>Образец заголовка</a:t>
+            </a:r>
+            <a:endParaRPr lang="en-US" dirty="0"/>
+          </a:p>
+        </p:txBody>
+      </p:sp>
+      <p:sp>
+        <p:nvSpPr>
+          <p:cNvPr id="3" name="Content Placeholder 2"/>
+          <p:cNvSpPr>
+            <a:spLocks noGrp="1"/>
+          </p:cNvSpPr>
+          <p:nvPr>
+            <p:ph sz="half" idx="1"/>
+          </p:nvPr>
+        </p:nvSpPr>
+        <p:spPr>
+          <a:xfrm>
+            <a:off x="1581912" y="2638044"/>
+            <a:ext cx="4271771" cy="3101982"/>
+          </a:xfrm>
+        </p:spPr>
+        <p:txBody>
+          <a:bodyPr/>
+          <a:lstStyle/>
+          <a:p>
+            <a:pPr lvl="0"/>
+            <a:r>
+              <a:rPr lang="ru-RU"/>
+              <a:t>Образец текста</a:t>
+            </a:r>
+          </a:p>
+          <a:p>
+            <a:pPr lvl="1"/>
+            <a:r>
+              <a:rPr lang="ru-RU"/>
+              <a:t>Второй уровень</a:t>
+            </a:r>
+          </a:p>
+          <a:p>
+            <a:pPr lvl="2"/>
+            <a:r>
+              <a:rPr lang="ru-RU"/>
+              <a:t>Третий уровень</a:t>
+            </a:r>
+          </a:p>
+          <a:p>
+            <a:pPr lvl="3"/>
+            <a:r>
+              <a:rPr lang="ru-RU"/>
+              <a:t>Четвертый уровень</a:t>
+            </a:r>
+          </a:p>
+          <a:p>
+            <a:pPr lvl="4"/>
+            <a:r>
+              <a:rPr lang="ru-RU"/>
+              <a:t>Пятый уровень</a:t>
+            </a:r>
+            <a:endParaRPr lang="en-US" dirty="0"/>
+          </a:p>
+        </p:txBody>
+      </p:sp>
+      <p:sp>
+        <p:nvSpPr>
+          <p:cNvPr id="4" name="Content Placeholder 3"/>
+          <p:cNvSpPr>
+            <a:spLocks noGrp="1"/>
+          </p:cNvSpPr>
+          <p:nvPr>
+            <p:ph sz="half" idx="2"/>
+          </p:nvPr>
+        </p:nvSpPr>
+        <p:spPr>
+          <a:xfrm>
+            <a:off x="6338315" y="2638044"/>
+            <a:ext cx="4270247" cy="3101982"/>
+          </a:xfrm>
+        </p:spPr>
+        <p:txBody>
+          <a:bodyPr/>
+          <a:lstStyle/>
+          <a:p>
+            <a:pPr lvl="0"/>
+            <a:r>
+              <a:rPr lang="ru-RU"/>
+              <a:t>Образец текста</a:t>
+            </a:r>
+          </a:p>
+          <a:p>
+            <a:pPr lvl="1"/>
+            <a:r>
+              <a:rPr lang="ru-RU"/>
+              <a:t>Второй уровень</a:t>
+            </a:r>
+          </a:p>
+          <a:p>
+            <a:pPr lvl="2"/>
+            <a:r>
+              <a:rPr lang="ru-RU"/>
+              <a:t>Третий уровень</a:t>
+            </a:r>
+          </a:p>
+          <a:p>
+            <a:pPr lvl="3"/>
+            <a:r>
+              <a:rPr lang="ru-RU"/>
+              <a:t>Четвертый уровень</a:t>
+            </a:r>
+          </a:p>
+          <a:p>
+            <a:pPr lvl="4"/>
+            <a:r>
+              <a:rPr lang="ru-RU"/>
+              <a:t>Пятый уровень</a:t>
+            </a:r>
+            <a:endParaRPr lang="en-US" dirty="0"/>
+          </a:p>
+        </p:txBody>
+      </p:sp>
+      <p:sp>
+        <p:nvSpPr>
+          <p:cNvPr id="8" name="Date Placeholder 7"/>
+          <p:cNvSpPr>
+            <a:spLocks noGrp="1"/>
+          </p:cNvSpPr>
+          <p:nvPr>
+            <p:ph type="dt" sz="half" idx="10"/>
+          </p:nvPr>
+        </p:nvSpPr>
+        <p:spPr/>
+        <p:txBody>
+          <a:bodyPr/>
+          <a:lstStyle/>
+          <a:p>
+            <a:fld id="{18EC5347-3A92-D24B-B878-CD09744C0D9D}" type="datetimeFigureOut">
+              <a:rPr lang="ru-US" smtClean="0"/>
+              <a:t>6/17/24</a:t>
+            </a:fld>
+            <a:endParaRPr lang="ru-US"/>
+          </a:p>
+        </p:txBody>
+      </p:sp>
+      <p:sp>
+        <p:nvSpPr>
+          <p:cNvPr id="9" name="Footer Placeholder 8"/>
+          <p:cNvSpPr>
+            <a:spLocks noGrp="1"/>
+          </p:cNvSpPr>
+          <p:nvPr>
+            <p:ph type="ftr" sz="quarter" idx="11"/>
+          </p:nvPr>
+        </p:nvSpPr>
+        <p:spPr/>
+        <p:txBody>
+          <a:bodyPr/>
+          <a:lstStyle/>
+          <a:p>
+            <a:endParaRPr lang="ru-US"/>
+          </a:p>
+        </p:txBody>
+      </p:sp>
+      <p:sp>
+        <p:nvSpPr>
+          <p:cNvPr id="10" name="Slide Number Placeholder 9"/>
+          <p:cNvSpPr>
+            <a:spLocks noGrp="1"/>
+          </p:cNvSpPr>
+          <p:nvPr>
+            <p:ph type="sldNum" sz="quarter" idx="12"/>
+          </p:nvPr>
+        </p:nvSpPr>
+        <p:spPr/>
+        <p:txBody>
+          <a:bodyPr/>
+          <a:lstStyle/>
+          <a:p>
+            <a:fld id="{AFAF6365-899A-754A-8142-24B17376DE51}" type="slidenum">
+              <a:rPr lang="ru-US" smtClean="0"/>
+              <a:t>‹#›</a:t>
+            </a:fld>
+            <a:endParaRPr lang="ru-US"/>
+          </a:p>
+        </p:txBody>
+      </p:sp>
+    </p:spTree>
+    <p:extLst>
+      <p:ext uri="{BB962C8B-B14F-4D97-AF65-F5344CB8AC3E}">
+        <p14:creationId xmlns:p14="http://schemas.microsoft.com/office/powerpoint/2010/main" val="1221886632"/>
+      </p:ext>
+    </p:extLst>
+  </p:cSld>
+  <p:clrMapOvr>
+    <a:masterClrMapping/>
+  </p:clrMapOvr>
+</p:sldLayout>
+</file>
+
+<file path=ppt/slideLayouts/slideLayout16.xml><?xml version="1.0" encoding="utf-8"?>
+<p:sldLayout xmlns:a="http://schemas.openxmlformats.org/drawingml/2006/main" xmlns:r="http://schemas.openxmlformats.org/officeDocument/2006/relationships" xmlns:p="http://schemas.openxmlformats.org/presentationml/2006/main" type="twoTxTwoObj" preserve="1">
+  <p:cSld name="Сравнение">
+    <p:spTree>
+      <p:nvGrpSpPr>
+        <p:cNvPr id="1" name=""/>
+        <p:cNvGrpSpPr/>
+        <p:nvPr/>
+      </p:nvGrpSpPr>
+      <p:grpSpPr>
+        <a:xfrm>
+          <a:off x="0" y="0"/>
+          <a:ext cx="0" cy="0"/>
+          <a:chOff x="0" y="0"/>
+          <a:chExt cx="0" cy="0"/>
+        </a:xfrm>
+      </p:grpSpPr>
+      <p:sp>
+        <p:nvSpPr>
+          <p:cNvPr id="3" name="Text Placeholder 2"/>
+          <p:cNvSpPr>
+            <a:spLocks noGrp="1"/>
+          </p:cNvSpPr>
+          <p:nvPr>
+            <p:ph type="body" idx="1"/>
+          </p:nvPr>
+        </p:nvSpPr>
+        <p:spPr>
+          <a:xfrm>
+            <a:off x="1583436" y="2313433"/>
+            <a:ext cx="4270248" cy="704087"/>
+          </a:xfrm>
+        </p:spPr>
+        <p:txBody>
+          <a:bodyPr anchor="b" anchorCtr="1">
+            <a:normAutofit/>
+          </a:bodyPr>
+          <a:lstStyle>
+            <a:lvl1pPr marL="0" indent="0" algn="ctr">
+              <a:buNone/>
+              <a:defRPr sz="1900" b="0" cap="all" spc="100" baseline="0">
+                <a:solidFill>
+                  <a:schemeClr val="accent2">
+                    <a:lumMod val="75000"/>
+                  </a:schemeClr>
+                </a:solidFill>
+              </a:defRPr>
+            </a:lvl1pPr>
+            <a:lvl2pPr marL="457200" indent="0">
+              <a:buNone/>
+              <a:defRPr sz="1900" b="1"/>
+            </a:lvl2pPr>
+            <a:lvl3pPr marL="914400" indent="0">
+              <a:buNone/>
+              <a:defRPr sz="1800" b="1"/>
+            </a:lvl3pPr>
+            <a:lvl4pPr marL="1371600" indent="0">
+              <a:buNone/>
+              <a:defRPr sz="1600" b="1"/>
+            </a:lvl4pPr>
+            <a:lvl5pPr marL="1828800" indent="0">
+              <a:buNone/>
+              <a:defRPr sz="1600" b="1"/>
+            </a:lvl5pPr>
+            <a:lvl6pPr marL="2286000" indent="0">
+              <a:buNone/>
+              <a:defRPr sz="1600" b="1"/>
+            </a:lvl6pPr>
+            <a:lvl7pPr marL="2743200" indent="0">
+              <a:buNone/>
+              <a:defRPr sz="1600" b="1"/>
+            </a:lvl7pPr>
+            <a:lvl8pPr marL="3200400" indent="0">
+              <a:buNone/>
+              <a:defRPr sz="1600" b="1"/>
+            </a:lvl8pPr>
+            <a:lvl9pPr marL="3657600" indent="0">
+              <a:buNone/>
+              <a:defRPr sz="1600" b="1"/>
+            </a:lvl9pPr>
+          </a:lstStyle>
+          <a:p>
+            <a:pPr lvl="0"/>
+            <a:r>
+              <a:rPr lang="ru-RU"/>
+              <a:t>Образец текста</a:t>
+            </a:r>
+          </a:p>
+        </p:txBody>
+      </p:sp>
+      <p:sp>
+        <p:nvSpPr>
+          <p:cNvPr id="4" name="Content Placeholder 3"/>
+          <p:cNvSpPr>
+            <a:spLocks noGrp="1"/>
+          </p:cNvSpPr>
+          <p:nvPr>
+            <p:ph sz="half" idx="2"/>
+          </p:nvPr>
+        </p:nvSpPr>
+        <p:spPr>
+          <a:xfrm>
+            <a:off x="1583436" y="3143250"/>
+            <a:ext cx="4270248" cy="2596776"/>
+          </a:xfrm>
+        </p:spPr>
+        <p:txBody>
+          <a:bodyPr/>
+          <a:lstStyle/>
+          <a:p>
+            <a:pPr lvl="0"/>
+            <a:r>
+              <a:rPr lang="ru-RU"/>
+              <a:t>Образец текста</a:t>
+            </a:r>
+          </a:p>
+          <a:p>
+            <a:pPr lvl="1"/>
+            <a:r>
+              <a:rPr lang="ru-RU"/>
+              <a:t>Второй уровень</a:t>
+            </a:r>
+          </a:p>
+          <a:p>
+            <a:pPr lvl="2"/>
+            <a:r>
+              <a:rPr lang="ru-RU"/>
+              <a:t>Третий уровень</a:t>
+            </a:r>
+          </a:p>
+          <a:p>
+            <a:pPr lvl="3"/>
+            <a:r>
+              <a:rPr lang="ru-RU"/>
+              <a:t>Четвертый уровень</a:t>
+            </a:r>
+          </a:p>
+          <a:p>
+            <a:pPr lvl="4"/>
+            <a:r>
+              <a:rPr lang="ru-RU"/>
+              <a:t>Пятый уровень</a:t>
+            </a:r>
+            <a:endParaRPr lang="en-US" dirty="0"/>
+          </a:p>
+        </p:txBody>
+      </p:sp>
+      <p:sp>
+        <p:nvSpPr>
+          <p:cNvPr id="6" name="Content Placeholder 5"/>
+          <p:cNvSpPr>
+            <a:spLocks noGrp="1"/>
+          </p:cNvSpPr>
+          <p:nvPr>
+            <p:ph sz="quarter" idx="4"/>
+          </p:nvPr>
+        </p:nvSpPr>
+        <p:spPr>
+          <a:xfrm>
+            <a:off x="6338316" y="3143250"/>
+            <a:ext cx="4253484" cy="2596776"/>
+          </a:xfrm>
+        </p:spPr>
+        <p:txBody>
+          <a:bodyPr/>
+          <a:lstStyle>
+            <a:lvl5pPr>
+              <a:defRPr/>
+            </a:lvl5pPr>
+          </a:lstStyle>
+          <a:p>
+            <a:pPr lvl="0"/>
+            <a:r>
+              <a:rPr lang="ru-RU"/>
+              <a:t>Образец текста</a:t>
+            </a:r>
+          </a:p>
+          <a:p>
+            <a:pPr lvl="1"/>
+            <a:r>
+              <a:rPr lang="ru-RU"/>
+              <a:t>Второй уровень</a:t>
+            </a:r>
+          </a:p>
+          <a:p>
+            <a:pPr lvl="2"/>
+            <a:r>
+              <a:rPr lang="ru-RU"/>
+              <a:t>Третий уровень</a:t>
+            </a:r>
+          </a:p>
+          <a:p>
+            <a:pPr lvl="3"/>
+            <a:r>
+              <a:rPr lang="ru-RU"/>
+              <a:t>Четвертый уровень</a:t>
+            </a:r>
+          </a:p>
+          <a:p>
+            <a:pPr lvl="4"/>
+            <a:r>
+              <a:rPr lang="ru-RU"/>
+              <a:t>Пятый уровень</a:t>
+            </a:r>
+            <a:endParaRPr lang="en-US" dirty="0"/>
+          </a:p>
+        </p:txBody>
+      </p:sp>
+      <p:sp>
+        <p:nvSpPr>
+          <p:cNvPr id="11" name="Text Placeholder 4"/>
+          <p:cNvSpPr>
+            <a:spLocks noGrp="1"/>
+          </p:cNvSpPr>
+          <p:nvPr>
+            <p:ph type="body" sz="quarter" idx="13"/>
+          </p:nvPr>
+        </p:nvSpPr>
+        <p:spPr>
+          <a:xfrm>
+            <a:off x="6338316" y="2313433"/>
+            <a:ext cx="4270248" cy="704087"/>
+          </a:xfrm>
+        </p:spPr>
+        <p:txBody>
+          <a:bodyPr anchor="b" anchorCtr="1">
+            <a:normAutofit/>
+          </a:bodyPr>
+          <a:lstStyle>
+            <a:lvl1pPr marL="0" indent="0" algn="ctr">
+              <a:buNone/>
+              <a:defRPr sz="1900" b="0" cap="all" spc="100" baseline="0">
+                <a:solidFill>
+                  <a:schemeClr val="accent2">
+                    <a:lumMod val="75000"/>
+                  </a:schemeClr>
+                </a:solidFill>
+              </a:defRPr>
+            </a:lvl1pPr>
+            <a:lvl2pPr marL="457200" indent="0">
+              <a:buNone/>
+              <a:defRPr sz="1900" b="1"/>
+            </a:lvl2pPr>
+            <a:lvl3pPr marL="914400" indent="0">
+              <a:buNone/>
+              <a:defRPr sz="1800" b="1"/>
+            </a:lvl3pPr>
+            <a:lvl4pPr marL="1371600" indent="0">
+              <a:buNone/>
+              <a:defRPr sz="1600" b="1"/>
+            </a:lvl4pPr>
+            <a:lvl5pPr marL="1828800" indent="0">
+              <a:buNone/>
+              <a:defRPr sz="1600" b="1"/>
+            </a:lvl5pPr>
+            <a:lvl6pPr marL="2286000" indent="0">
+              <a:buNone/>
+              <a:defRPr sz="1600" b="1"/>
+            </a:lvl6pPr>
+            <a:lvl7pPr marL="2743200" indent="0">
+              <a:buNone/>
+              <a:defRPr sz="1600" b="1"/>
+            </a:lvl7pPr>
+            <a:lvl8pPr marL="3200400" indent="0">
+              <a:buNone/>
+              <a:defRPr sz="1600" b="1"/>
+            </a:lvl8pPr>
+            <a:lvl9pPr marL="3657600" indent="0">
+              <a:buNone/>
+              <a:defRPr sz="1600" b="1"/>
+            </a:lvl9pPr>
+          </a:lstStyle>
+          <a:p>
+            <a:pPr lvl="0"/>
+            <a:r>
+              <a:rPr lang="ru-RU"/>
+              <a:t>Образец текста</a:t>
+            </a:r>
+          </a:p>
+        </p:txBody>
+      </p:sp>
+      <p:sp>
+        <p:nvSpPr>
+          <p:cNvPr id="7" name="Date Placeholder 6"/>
+          <p:cNvSpPr>
+            <a:spLocks noGrp="1"/>
+          </p:cNvSpPr>
+          <p:nvPr>
+            <p:ph type="dt" sz="half" idx="10"/>
+          </p:nvPr>
+        </p:nvSpPr>
+        <p:spPr/>
+        <p:txBody>
+          <a:bodyPr/>
+          <a:lstStyle/>
+          <a:p>
+            <a:fld id="{18EC5347-3A92-D24B-B878-CD09744C0D9D}" type="datetimeFigureOut">
+              <a:rPr lang="ru-US" smtClean="0"/>
+              <a:t>6/17/24</a:t>
+            </a:fld>
+            <a:endParaRPr lang="ru-US"/>
+          </a:p>
+        </p:txBody>
+      </p:sp>
+      <p:sp>
+        <p:nvSpPr>
+          <p:cNvPr id="8" name="Footer Placeholder 7"/>
+          <p:cNvSpPr>
+            <a:spLocks noGrp="1"/>
+          </p:cNvSpPr>
+          <p:nvPr>
+            <p:ph type="ftr" sz="quarter" idx="11"/>
+          </p:nvPr>
+        </p:nvSpPr>
+        <p:spPr/>
+        <p:txBody>
+          <a:bodyPr/>
+          <a:lstStyle/>
+          <a:p>
+            <a:endParaRPr lang="ru-US"/>
+          </a:p>
+        </p:txBody>
+      </p:sp>
+      <p:sp>
+        <p:nvSpPr>
+          <p:cNvPr id="9" name="Slide Number Placeholder 8"/>
+          <p:cNvSpPr>
+            <a:spLocks noGrp="1"/>
+          </p:cNvSpPr>
+          <p:nvPr>
+            <p:ph type="sldNum" sz="quarter" idx="12"/>
+          </p:nvPr>
+        </p:nvSpPr>
+        <p:spPr/>
+        <p:txBody>
+          <a:bodyPr/>
+          <a:lstStyle/>
+          <a:p>
+            <a:fld id="{AFAF6365-899A-754A-8142-24B17376DE51}" type="slidenum">
+              <a:rPr lang="ru-US" smtClean="0"/>
+              <a:t>‹#›</a:t>
+            </a:fld>
+            <a:endParaRPr lang="ru-US"/>
+          </a:p>
+        </p:txBody>
+      </p:sp>
+      <p:sp>
+        <p:nvSpPr>
+          <p:cNvPr id="10" name="Title 9"/>
+          <p:cNvSpPr>
+            <a:spLocks noGrp="1"/>
+          </p:cNvSpPr>
+          <p:nvPr>
+            <p:ph type="title"/>
+          </p:nvPr>
+        </p:nvSpPr>
+        <p:spPr/>
+        <p:txBody>
+          <a:bodyPr/>
+          <a:lstStyle/>
+          <a:p>
+            <a:r>
+              <a:rPr lang="ru-RU"/>
+              <a:t>Образец заголовка</a:t>
+            </a:r>
+            <a:endParaRPr lang="en-US" dirty="0"/>
+          </a:p>
+        </p:txBody>
+      </p:sp>
+    </p:spTree>
+    <p:extLst>
+      <p:ext uri="{BB962C8B-B14F-4D97-AF65-F5344CB8AC3E}">
+        <p14:creationId xmlns:p14="http://schemas.microsoft.com/office/powerpoint/2010/main" val="3094375776"/>
+      </p:ext>
+    </p:extLst>
+  </p:cSld>
+  <p:clrMapOvr>
+    <a:masterClrMapping/>
+  </p:clrMapOvr>
+</p:sldLayout>
+</file>
+
+<file path=ppt/slideLayouts/slideLayout17.xml><?xml version="1.0" encoding="utf-8"?>
+<p:sldLayout xmlns:a="http://schemas.openxmlformats.org/drawingml/2006/main" xmlns:r="http://schemas.openxmlformats.org/officeDocument/2006/relationships" xmlns:p="http://schemas.openxmlformats.org/presentationml/2006/main" type="titleOnly" preserve="1">
+  <p:cSld name="Только заголовок">
+    <p:spTree>
+      <p:nvGrpSpPr>
+        <p:cNvPr id="1" name=""/>
+        <p:cNvGrpSpPr/>
+        <p:nvPr/>
+      </p:nvGrpSpPr>
+      <p:grpSpPr>
+        <a:xfrm>
+          <a:off x="0" y="0"/>
+          <a:ext cx="0" cy="0"/>
+          <a:chOff x="0" y="0"/>
+          <a:chExt cx="0" cy="0"/>
+        </a:xfrm>
+      </p:grpSpPr>
+      <p:sp>
+        <p:nvSpPr>
+          <p:cNvPr id="2" name="Title 1"/>
+          <p:cNvSpPr>
+            <a:spLocks noGrp="1"/>
+          </p:cNvSpPr>
+          <p:nvPr>
+            <p:ph type="title"/>
+          </p:nvPr>
+        </p:nvSpPr>
+        <p:spPr/>
+        <p:txBody>
+          <a:bodyPr/>
+          <a:lstStyle/>
+          <a:p>
+            <a:r>
+              <a:rPr lang="ru-RU"/>
+              <a:t>Образец заголовка</a:t>
+            </a:r>
+            <a:endParaRPr lang="en-US" dirty="0"/>
+          </a:p>
+        </p:txBody>
+      </p:sp>
+      <p:sp>
+        <p:nvSpPr>
+          <p:cNvPr id="3" name="Date Placeholder 2"/>
+          <p:cNvSpPr>
+            <a:spLocks noGrp="1"/>
+          </p:cNvSpPr>
+          <p:nvPr>
+            <p:ph type="dt" sz="half" idx="10"/>
+          </p:nvPr>
+        </p:nvSpPr>
+        <p:spPr/>
+        <p:txBody>
+          <a:bodyPr/>
+          <a:lstStyle/>
+          <a:p>
+            <a:fld id="{18EC5347-3A92-D24B-B878-CD09744C0D9D}" type="datetimeFigureOut">
+              <a:rPr lang="ru-US" smtClean="0"/>
+              <a:t>6/17/24</a:t>
+            </a:fld>
+            <a:endParaRPr lang="ru-US"/>
+          </a:p>
+        </p:txBody>
+      </p:sp>
+      <p:sp>
+        <p:nvSpPr>
+          <p:cNvPr id="4" name="Footer Placeholder 3"/>
+          <p:cNvSpPr>
+            <a:spLocks noGrp="1"/>
+          </p:cNvSpPr>
+          <p:nvPr>
+            <p:ph type="ftr" sz="quarter" idx="11"/>
+          </p:nvPr>
+        </p:nvSpPr>
+        <p:spPr/>
+        <p:txBody>
+          <a:bodyPr/>
+          <a:lstStyle/>
+          <a:p>
+            <a:endParaRPr lang="ru-US"/>
+          </a:p>
+        </p:txBody>
+      </p:sp>
+      <p:sp>
+        <p:nvSpPr>
+          <p:cNvPr id="5" name="Slide Number Placeholder 4"/>
+          <p:cNvSpPr>
+            <a:spLocks noGrp="1"/>
+          </p:cNvSpPr>
+          <p:nvPr>
+            <p:ph type="sldNum" sz="quarter" idx="12"/>
+          </p:nvPr>
+        </p:nvSpPr>
+        <p:spPr/>
+        <p:txBody>
+          <a:bodyPr/>
+          <a:lstStyle/>
+          <a:p>
+            <a:fld id="{AFAF6365-899A-754A-8142-24B17376DE51}" type="slidenum">
+              <a:rPr lang="ru-US" smtClean="0"/>
+              <a:t>‹#›</a:t>
+            </a:fld>
+            <a:endParaRPr lang="ru-US"/>
+          </a:p>
+        </p:txBody>
+      </p:sp>
+    </p:spTree>
+    <p:extLst>
+      <p:ext uri="{BB962C8B-B14F-4D97-AF65-F5344CB8AC3E}">
+        <p14:creationId xmlns:p14="http://schemas.microsoft.com/office/powerpoint/2010/main" val="345472181"/>
+      </p:ext>
+    </p:extLst>
+  </p:cSld>
+  <p:clrMapOvr>
+    <a:masterClrMapping/>
+  </p:clrMapOvr>
+</p:sldLayout>
+</file>
+
+<file path=ppt/slideLayouts/slideLayout18.xml><?xml version="1.0" encoding="utf-8"?>
+<p:sldLayout xmlns:a="http://schemas.openxmlformats.org/drawingml/2006/main" xmlns:r="http://schemas.openxmlformats.org/officeDocument/2006/relationships" xmlns:p="http://schemas.openxmlformats.org/presentationml/2006/main" type="blank" preserve="1">
+  <p:cSld name="Пустой слайд">
+    <p:spTree>
+      <p:nvGrpSpPr>
+        <p:cNvPr id="1" name=""/>
+        <p:cNvGrpSpPr/>
+        <p:nvPr/>
+      </p:nvGrpSpPr>
+      <p:grpSpPr>
+        <a:xfrm>
+          <a:off x="0" y="0"/>
+          <a:ext cx="0" cy="0"/>
+          <a:chOff x="0" y="0"/>
+          <a:chExt cx="0" cy="0"/>
+        </a:xfrm>
+      </p:grpSpPr>
+      <p:sp>
+        <p:nvSpPr>
+          <p:cNvPr id="2" name="Date Placeholder 1"/>
+          <p:cNvSpPr>
+            <a:spLocks noGrp="1"/>
+          </p:cNvSpPr>
+          <p:nvPr>
+            <p:ph type="dt" sz="half" idx="10"/>
+          </p:nvPr>
+        </p:nvSpPr>
+        <p:spPr/>
+        <p:txBody>
+          <a:bodyPr/>
+          <a:lstStyle/>
+          <a:p>
+            <a:fld id="{18EC5347-3A92-D24B-B878-CD09744C0D9D}" type="datetimeFigureOut">
+              <a:rPr lang="ru-US" smtClean="0"/>
+              <a:t>6/17/24</a:t>
+            </a:fld>
+            <a:endParaRPr lang="ru-US"/>
+          </a:p>
+        </p:txBody>
+      </p:sp>
+      <p:sp>
+        <p:nvSpPr>
+          <p:cNvPr id="3" name="Footer Placeholder 2"/>
+          <p:cNvSpPr>
+            <a:spLocks noGrp="1"/>
+          </p:cNvSpPr>
+          <p:nvPr>
+            <p:ph type="ftr" sz="quarter" idx="11"/>
+          </p:nvPr>
+        </p:nvSpPr>
+        <p:spPr/>
+        <p:txBody>
+          <a:bodyPr/>
+          <a:lstStyle/>
+          <a:p>
+            <a:endParaRPr lang="ru-US"/>
+          </a:p>
+        </p:txBody>
+      </p:sp>
+      <p:sp>
+        <p:nvSpPr>
+          <p:cNvPr id="4" name="Slide Number Placeholder 3"/>
+          <p:cNvSpPr>
+            <a:spLocks noGrp="1"/>
+          </p:cNvSpPr>
+          <p:nvPr>
+            <p:ph type="sldNum" sz="quarter" idx="12"/>
+          </p:nvPr>
+        </p:nvSpPr>
+        <p:spPr/>
+        <p:txBody>
+          <a:bodyPr/>
+          <a:lstStyle/>
+          <a:p>
+            <a:fld id="{AFAF6365-899A-754A-8142-24B17376DE51}" type="slidenum">
+              <a:rPr lang="ru-US" smtClean="0"/>
+              <a:t>‹#›</a:t>
+            </a:fld>
+            <a:endParaRPr lang="ru-US"/>
+          </a:p>
+        </p:txBody>
+      </p:sp>
+    </p:spTree>
+    <p:extLst>
+      <p:ext uri="{BB962C8B-B14F-4D97-AF65-F5344CB8AC3E}">
+        <p14:creationId xmlns:p14="http://schemas.microsoft.com/office/powerpoint/2010/main" val="761576829"/>
+      </p:ext>
+    </p:extLst>
+  </p:cSld>
+  <p:clrMapOvr>
+    <a:masterClrMapping/>
+  </p:clrMapOvr>
+</p:sldLayout>
+</file>
+
+<file path=ppt/slideLayouts/slideLayout19.xml><?xml version="1.0" encoding="utf-8"?>
+<p:sldLayout xmlns:a="http://schemas.openxmlformats.org/drawingml/2006/main" xmlns:r="http://schemas.openxmlformats.org/officeDocument/2006/relationships" xmlns:p="http://schemas.openxmlformats.org/presentationml/2006/main" type="objTx" preserve="1">
+  <p:cSld name="Объект с подписью">
+    <p:spTree>
+      <p:nvGrpSpPr>
+        <p:cNvPr id="1" name=""/>
+        <p:cNvGrpSpPr/>
+        <p:nvPr/>
+      </p:nvGrpSpPr>
+      <p:grpSpPr>
+        <a:xfrm>
+          <a:off x="0" y="0"/>
+          <a:ext cx="0" cy="0"/>
+          <a:chOff x="0" y="0"/>
+          <a:chExt cx="0" cy="0"/>
+        </a:xfrm>
+      </p:grpSpPr>
+      <p:sp>
+        <p:nvSpPr>
+          <p:cNvPr id="26" name="Rectangle 25"/>
+          <p:cNvSpPr/>
+          <p:nvPr/>
+        </p:nvSpPr>
+        <p:spPr>
+          <a:xfrm>
+            <a:off x="0" y="0"/>
+            <a:ext cx="6096000" cy="6858000"/>
+          </a:xfrm>
+          <a:prstGeom prst="rect">
+            <a:avLst/>
+          </a:prstGeom>
+          <a:solidFill>
+            <a:schemeClr val="accent2"/>
+          </a:solidFill>
+          <a:ln>
+            <a:noFill/>
+          </a:ln>
+        </p:spPr>
+        <p:style>
+          <a:lnRef idx="2">
+            <a:schemeClr val="accent1">
+              <a:shade val="50000"/>
+            </a:schemeClr>
+          </a:lnRef>
+          <a:fillRef idx="1">
+            <a:schemeClr val="accent1"/>
+          </a:fillRef>
+          <a:effectRef idx="0">
+            <a:schemeClr val="accent1"/>
+          </a:effectRef>
+          <a:fontRef idx="minor">
+            <a:schemeClr val="lt1"/>
+          </a:fontRef>
+        </p:style>
+      </p:sp>
+      <p:sp>
+        <p:nvSpPr>
+          <p:cNvPr id="2" name="Title 1"/>
+          <p:cNvSpPr>
+            <a:spLocks noGrp="1"/>
+          </p:cNvSpPr>
+          <p:nvPr>
+            <p:ph type="title"/>
+          </p:nvPr>
+        </p:nvSpPr>
+        <p:spPr bwMode="blackWhite">
+          <a:xfrm>
+            <a:off x="804672" y="2243828"/>
+            <a:ext cx="4486656" cy="1141497"/>
+          </a:xfrm>
+          <a:solidFill>
+            <a:srgbClr val="FFFFFF"/>
+          </a:solidFill>
+          <a:ln>
+            <a:solidFill>
+              <a:srgbClr val="404040"/>
+            </a:solidFill>
+          </a:ln>
+        </p:spPr>
+        <p:txBody>
+          <a:bodyPr anchor="ctr" anchorCtr="1">
+            <a:normAutofit/>
+          </a:bodyPr>
+          <a:lstStyle>
+            <a:lvl1pPr>
+              <a:defRPr sz="2200">
+                <a:solidFill>
+                  <a:srgbClr val="262626"/>
+                </a:solidFill>
+              </a:defRPr>
+            </a:lvl1pPr>
+          </a:lstStyle>
+          <a:p>
+            <a:r>
+              <a:rPr lang="ru-RU"/>
+              <a:t>Образец заголовка</a:t>
+            </a:r>
+            <a:endParaRPr lang="en-US" dirty="0"/>
+          </a:p>
+        </p:txBody>
+      </p:sp>
+      <p:sp>
+        <p:nvSpPr>
+          <p:cNvPr id="3" name="Content Placeholder 2"/>
+          <p:cNvSpPr>
+            <a:spLocks noGrp="1"/>
+          </p:cNvSpPr>
+          <p:nvPr>
+            <p:ph idx="1"/>
+          </p:nvPr>
+        </p:nvSpPr>
+        <p:spPr>
+          <a:xfrm>
+            <a:off x="6736080" y="804672"/>
+            <a:ext cx="4815840" cy="5248656"/>
+          </a:xfrm>
+        </p:spPr>
+        <p:txBody>
+          <a:bodyPr>
+            <a:normAutofit/>
+          </a:bodyPr>
+          <a:lstStyle>
+            <a:lvl1pPr>
+              <a:defRPr sz="1900">
+                <a:solidFill>
+                  <a:schemeClr val="tx1"/>
+                </a:solidFill>
+              </a:defRPr>
+            </a:lvl1pPr>
+            <a:lvl2pPr>
+              <a:defRPr sz="1600">
+                <a:solidFill>
+                  <a:schemeClr val="tx1"/>
+                </a:solidFill>
+              </a:defRPr>
+            </a:lvl2pPr>
+            <a:lvl3pPr>
+              <a:defRPr sz="1600">
+                <a:solidFill>
+                  <a:schemeClr val="tx1"/>
+                </a:solidFill>
+              </a:defRPr>
+            </a:lvl3pPr>
+            <a:lvl4pPr>
+              <a:defRPr sz="1600">
+                <a:solidFill>
+                  <a:schemeClr val="tx1"/>
+                </a:solidFill>
+              </a:defRPr>
+            </a:lvl4pPr>
+            <a:lvl5pPr>
+              <a:defRPr sz="1600">
+                <a:solidFill>
+                  <a:schemeClr val="tx1"/>
+                </a:solidFill>
+              </a:defRPr>
+            </a:lvl5pPr>
+            <a:lvl6pPr>
+              <a:defRPr sz="1600"/>
+            </a:lvl6pPr>
+            <a:lvl7pPr>
+              <a:defRPr sz="1600"/>
+            </a:lvl7pPr>
+            <a:lvl8pPr>
+              <a:defRPr sz="1600"/>
+            </a:lvl8pPr>
+            <a:lvl9pPr>
+              <a:defRPr sz="1600"/>
+            </a:lvl9pPr>
+          </a:lstStyle>
+          <a:p>
+            <a:pPr lvl="0"/>
+            <a:r>
+              <a:rPr lang="ru-RU"/>
+              <a:t>Образец текста</a:t>
+            </a:r>
+          </a:p>
+          <a:p>
+            <a:pPr lvl="1"/>
+            <a:r>
+              <a:rPr lang="ru-RU"/>
+              <a:t>Второй уровень</a:t>
+            </a:r>
+          </a:p>
+          <a:p>
+            <a:pPr lvl="2"/>
+            <a:r>
+              <a:rPr lang="ru-RU"/>
+              <a:t>Третий уровень</a:t>
+            </a:r>
+          </a:p>
+          <a:p>
+            <a:pPr lvl="3"/>
+            <a:r>
+              <a:rPr lang="ru-RU"/>
+              <a:t>Четвертый уровень</a:t>
+            </a:r>
+          </a:p>
+          <a:p>
+            <a:pPr lvl="4"/>
+            <a:r>
+              <a:rPr lang="ru-RU"/>
+              <a:t>Пятый уровень</a:t>
+            </a:r>
+            <a:endParaRPr lang="en-US" dirty="0"/>
+          </a:p>
+        </p:txBody>
+      </p:sp>
+      <p:sp>
+        <p:nvSpPr>
+          <p:cNvPr id="4" name="Text Placeholder 3"/>
+          <p:cNvSpPr>
+            <a:spLocks noGrp="1"/>
+          </p:cNvSpPr>
+          <p:nvPr>
+            <p:ph type="body" sz="half" idx="2"/>
+          </p:nvPr>
+        </p:nvSpPr>
+        <p:spPr>
+          <a:xfrm>
+            <a:off x="1115568" y="3549918"/>
+            <a:ext cx="3794760" cy="2194036"/>
+          </a:xfrm>
+        </p:spPr>
+        <p:txBody>
+          <a:bodyPr anchor="t" anchorCtr="1">
+            <a:normAutofit/>
+          </a:bodyPr>
+          <a:lstStyle>
+            <a:lvl1pPr marL="0" indent="0" algn="ctr">
+              <a:buNone/>
+              <a:defRPr sz="1500">
+                <a:solidFill>
+                  <a:srgbClr val="FFFFFF"/>
+                </a:solidFill>
+              </a:defRPr>
+            </a:lvl1pPr>
+            <a:lvl2pPr marL="457200" indent="0">
+              <a:buNone/>
+              <a:defRPr sz="1400"/>
+            </a:lvl2pPr>
+            <a:lvl3pPr marL="914400" indent="0">
+              <a:buNone/>
+              <a:defRPr sz="1200"/>
+            </a:lvl3pPr>
+            <a:lvl4pPr marL="1371600" indent="0">
+              <a:buNone/>
+              <a:defRPr sz="1000"/>
+            </a:lvl4pPr>
+            <a:lvl5pPr marL="1828800" indent="0">
+              <a:buNone/>
+              <a:defRPr sz="1000"/>
+            </a:lvl5pPr>
+            <a:lvl6pPr marL="2286000" indent="0">
+              <a:buNone/>
+              <a:defRPr sz="1000"/>
+            </a:lvl6pPr>
+            <a:lvl7pPr marL="2743200" indent="0">
+              <a:buNone/>
+              <a:defRPr sz="1000"/>
+            </a:lvl7pPr>
+            <a:lvl8pPr marL="3200400" indent="0">
+              <a:buNone/>
+              <a:defRPr sz="1000"/>
+            </a:lvl8pPr>
+            <a:lvl9pPr marL="3657600" indent="0">
+              <a:buNone/>
+              <a:defRPr sz="1000"/>
+            </a:lvl9pPr>
+          </a:lstStyle>
+          <a:p>
+            <a:pPr lvl="0"/>
+            <a:r>
+              <a:rPr lang="ru-RU"/>
+              <a:t>Образец текста</a:t>
+            </a:r>
+          </a:p>
+        </p:txBody>
+      </p:sp>
+      <p:sp>
+        <p:nvSpPr>
+          <p:cNvPr id="9" name="Date Placeholder 8"/>
+          <p:cNvSpPr>
+            <a:spLocks noGrp="1"/>
+          </p:cNvSpPr>
+          <p:nvPr>
+            <p:ph type="dt" sz="half" idx="10"/>
+          </p:nvPr>
+        </p:nvSpPr>
+        <p:spPr/>
+        <p:txBody>
+          <a:bodyPr/>
+          <a:lstStyle/>
+          <a:p>
+            <a:fld id="{18EC5347-3A92-D24B-B878-CD09744C0D9D}" type="datetimeFigureOut">
+              <a:rPr lang="ru-US" smtClean="0"/>
+              <a:t>6/17/24</a:t>
+            </a:fld>
+            <a:endParaRPr lang="ru-US"/>
+          </a:p>
+        </p:txBody>
+      </p:sp>
+      <p:sp>
+        <p:nvSpPr>
+          <p:cNvPr id="10" name="Footer Placeholder 9"/>
+          <p:cNvSpPr>
+            <a:spLocks noGrp="1"/>
+          </p:cNvSpPr>
+          <p:nvPr>
+            <p:ph type="ftr" sz="quarter" idx="11"/>
+          </p:nvPr>
+        </p:nvSpPr>
+        <p:spPr>
+          <a:xfrm>
+            <a:off x="804672" y="6236208"/>
+            <a:ext cx="5124797" cy="320040"/>
+          </a:xfrm>
+        </p:spPr>
+        <p:txBody>
+          <a:bodyPr/>
+          <a:lstStyle>
+            <a:lvl1pPr>
+              <a:defRPr>
+                <a:solidFill>
+                  <a:srgbClr val="FFFFFF">
+                    <a:alpha val="70000"/>
+                  </a:srgbClr>
+                </a:solidFill>
+              </a:defRPr>
+            </a:lvl1pPr>
+          </a:lstStyle>
+          <a:p>
+            <a:endParaRPr lang="ru-US"/>
+          </a:p>
+        </p:txBody>
+      </p:sp>
+      <p:sp>
+        <p:nvSpPr>
+          <p:cNvPr id="11" name="Slide Number Placeholder 10"/>
+          <p:cNvSpPr>
+            <a:spLocks noGrp="1"/>
+          </p:cNvSpPr>
+          <p:nvPr>
+            <p:ph type="sldNum" sz="quarter" idx="12"/>
+          </p:nvPr>
+        </p:nvSpPr>
+        <p:spPr/>
+        <p:txBody>
+          <a:bodyPr/>
+          <a:lstStyle/>
+          <a:p>
+            <a:fld id="{AFAF6365-899A-754A-8142-24B17376DE51}" type="slidenum">
+              <a:rPr lang="ru-US" smtClean="0"/>
+              <a:t>‹#›</a:t>
+            </a:fld>
+            <a:endParaRPr lang="ru-US"/>
+          </a:p>
+        </p:txBody>
+      </p:sp>
+    </p:spTree>
+    <p:extLst>
+      <p:ext uri="{BB962C8B-B14F-4D97-AF65-F5344CB8AC3E}">
+        <p14:creationId xmlns:p14="http://schemas.microsoft.com/office/powerpoint/2010/main" val="463125626"/>
       </p:ext>
     </p:extLst>
   </p:cSld>
@@ -877,7 +3113,7 @@
           <a:p>
             <a:fld id="{18EC5347-3A92-D24B-B878-CD09744C0D9D}" type="datetimeFigureOut">
               <a:rPr lang="ru-US" smtClean="0"/>
-              <a:t>2/1/24</a:t>
+              <a:t>6/17/24</a:t>
             </a:fld>
             <a:endParaRPr lang="ru-US"/>
           </a:p>
@@ -941,6 +3177,713 @@
     <p:extLst>
       <p:ext uri="{BB962C8B-B14F-4D97-AF65-F5344CB8AC3E}">
         <p14:creationId xmlns:p14="http://schemas.microsoft.com/office/powerpoint/2010/main" val="3125447652"/>
+      </p:ext>
+    </p:extLst>
+  </p:cSld>
+  <p:clrMapOvr>
+    <a:masterClrMapping/>
+  </p:clrMapOvr>
+</p:sldLayout>
+</file>
+
+<file path=ppt/slideLayouts/slideLayout20.xml><?xml version="1.0" encoding="utf-8"?>
+<p:sldLayout xmlns:a="http://schemas.openxmlformats.org/drawingml/2006/main" xmlns:r="http://schemas.openxmlformats.org/officeDocument/2006/relationships" xmlns:p="http://schemas.openxmlformats.org/presentationml/2006/main" type="picTx" preserve="1">
+  <p:cSld name="Рисунок с подписью">
+    <p:spTree>
+      <p:nvGrpSpPr>
+        <p:cNvPr id="1" name=""/>
+        <p:cNvGrpSpPr/>
+        <p:nvPr/>
+      </p:nvGrpSpPr>
+      <p:grpSpPr>
+        <a:xfrm>
+          <a:off x="0" y="0"/>
+          <a:ext cx="0" cy="0"/>
+          <a:chOff x="0" y="0"/>
+          <a:chExt cx="0" cy="0"/>
+        </a:xfrm>
+      </p:grpSpPr>
+      <p:sp>
+        <p:nvSpPr>
+          <p:cNvPr id="18" name="Rectangle 17"/>
+          <p:cNvSpPr/>
+          <p:nvPr/>
+        </p:nvSpPr>
+        <p:spPr>
+          <a:xfrm>
+            <a:off x="0" y="0"/>
+            <a:ext cx="6095999" cy="6858000"/>
+          </a:xfrm>
+          <a:prstGeom prst="rect">
+            <a:avLst/>
+          </a:prstGeom>
+          <a:solidFill>
+            <a:schemeClr val="accent2"/>
+          </a:solidFill>
+          <a:ln>
+            <a:noFill/>
+          </a:ln>
+        </p:spPr>
+        <p:style>
+          <a:lnRef idx="2">
+            <a:schemeClr val="accent1">
+              <a:shade val="50000"/>
+            </a:schemeClr>
+          </a:lnRef>
+          <a:fillRef idx="1">
+            <a:schemeClr val="accent1"/>
+          </a:fillRef>
+          <a:effectRef idx="0">
+            <a:schemeClr val="accent1"/>
+          </a:effectRef>
+          <a:fontRef idx="minor">
+            <a:schemeClr val="lt1"/>
+          </a:fontRef>
+        </p:style>
+      </p:sp>
+      <p:sp>
+        <p:nvSpPr>
+          <p:cNvPr id="2" name="Title 1"/>
+          <p:cNvSpPr>
+            <a:spLocks noGrp="1"/>
+          </p:cNvSpPr>
+          <p:nvPr>
+            <p:ph type="title"/>
+          </p:nvPr>
+        </p:nvSpPr>
+        <p:spPr bwMode="blackWhite">
+          <a:xfrm>
+            <a:off x="808523" y="2243828"/>
+            <a:ext cx="4494998" cy="1134640"/>
+          </a:xfrm>
+          <a:solidFill>
+            <a:srgbClr val="FFFFFF"/>
+          </a:solidFill>
+          <a:ln>
+            <a:solidFill>
+              <a:srgbClr val="404040"/>
+            </a:solidFill>
+          </a:ln>
+        </p:spPr>
+        <p:txBody>
+          <a:bodyPr anchor="ctr" anchorCtr="1">
+            <a:noAutofit/>
+          </a:bodyPr>
+          <a:lstStyle>
+            <a:lvl1pPr>
+              <a:defRPr sz="2200">
+                <a:solidFill>
+                  <a:srgbClr val="262626"/>
+                </a:solidFill>
+              </a:defRPr>
+            </a:lvl1pPr>
+          </a:lstStyle>
+          <a:p>
+            <a:r>
+              <a:rPr lang="ru-RU"/>
+              <a:t>Образец заголовка</a:t>
+            </a:r>
+            <a:endParaRPr lang="en-US" dirty="0"/>
+          </a:p>
+        </p:txBody>
+      </p:sp>
+      <p:sp>
+        <p:nvSpPr>
+          <p:cNvPr id="3" name="Picture Placeholder 2"/>
+          <p:cNvSpPr>
+            <a:spLocks noGrp="1" noChangeAspect="1"/>
+          </p:cNvSpPr>
+          <p:nvPr>
+            <p:ph type="pic" idx="1"/>
+          </p:nvPr>
+        </p:nvSpPr>
+        <p:spPr>
+          <a:xfrm>
+            <a:off x="6095999" y="0"/>
+            <a:ext cx="6102097" cy="6858000"/>
+          </a:xfrm>
+          <a:solidFill>
+            <a:schemeClr val="bg1">
+              <a:lumMod val="75000"/>
+            </a:schemeClr>
+          </a:solidFill>
+        </p:spPr>
+        <p:txBody>
+          <a:bodyPr anchor="t"/>
+          <a:lstStyle>
+            <a:lvl1pPr marL="0" indent="0">
+              <a:buNone/>
+              <a:defRPr sz="3200">
+                <a:solidFill>
+                  <a:schemeClr val="bg1">
+                    <a:lumMod val="85000"/>
+                    <a:lumOff val="15000"/>
+                  </a:schemeClr>
+                </a:solidFill>
+              </a:defRPr>
+            </a:lvl1pPr>
+            <a:lvl2pPr marL="457200" indent="0">
+              <a:buNone/>
+              <a:defRPr sz="2800"/>
+            </a:lvl2pPr>
+            <a:lvl3pPr marL="914400" indent="0">
+              <a:buNone/>
+              <a:defRPr sz="2400"/>
+            </a:lvl3pPr>
+            <a:lvl4pPr marL="1371600" indent="0">
+              <a:buNone/>
+              <a:defRPr sz="2000"/>
+            </a:lvl4pPr>
+            <a:lvl5pPr marL="1828800" indent="0">
+              <a:buNone/>
+              <a:defRPr sz="2000"/>
+            </a:lvl5pPr>
+            <a:lvl6pPr marL="2286000" indent="0">
+              <a:buNone/>
+              <a:defRPr sz="2000"/>
+            </a:lvl6pPr>
+            <a:lvl7pPr marL="2743200" indent="0">
+              <a:buNone/>
+              <a:defRPr sz="2000"/>
+            </a:lvl7pPr>
+            <a:lvl8pPr marL="3200400" indent="0">
+              <a:buNone/>
+              <a:defRPr sz="2000"/>
+            </a:lvl8pPr>
+            <a:lvl9pPr marL="3657600" indent="0">
+              <a:buNone/>
+              <a:defRPr sz="2000"/>
+            </a:lvl9pPr>
+          </a:lstStyle>
+          <a:p>
+            <a:r>
+              <a:rPr lang="ru-RU"/>
+              <a:t>Вставка рисунка</a:t>
+            </a:r>
+            <a:endParaRPr lang="en-US" dirty="0"/>
+          </a:p>
+        </p:txBody>
+      </p:sp>
+      <p:sp>
+        <p:nvSpPr>
+          <p:cNvPr id="4" name="Text Placeholder 3"/>
+          <p:cNvSpPr>
+            <a:spLocks noGrp="1"/>
+          </p:cNvSpPr>
+          <p:nvPr>
+            <p:ph type="body" sz="half" idx="2"/>
+          </p:nvPr>
+        </p:nvSpPr>
+        <p:spPr>
+          <a:xfrm>
+            <a:off x="1115568" y="3549918"/>
+            <a:ext cx="3794760" cy="2194037"/>
+          </a:xfrm>
+        </p:spPr>
+        <p:txBody>
+          <a:bodyPr anchor="t" anchorCtr="1">
+            <a:normAutofit/>
+          </a:bodyPr>
+          <a:lstStyle>
+            <a:lvl1pPr marL="0" indent="0" algn="ctr">
+              <a:buNone/>
+              <a:defRPr sz="1500">
+                <a:solidFill>
+                  <a:srgbClr val="FFFFFF"/>
+                </a:solidFill>
+              </a:defRPr>
+            </a:lvl1pPr>
+            <a:lvl2pPr marL="457200" indent="0">
+              <a:buNone/>
+              <a:defRPr sz="1400"/>
+            </a:lvl2pPr>
+            <a:lvl3pPr marL="914400" indent="0">
+              <a:buNone/>
+              <a:defRPr sz="1200"/>
+            </a:lvl3pPr>
+            <a:lvl4pPr marL="1371600" indent="0">
+              <a:buNone/>
+              <a:defRPr sz="1000"/>
+            </a:lvl4pPr>
+            <a:lvl5pPr marL="1828800" indent="0">
+              <a:buNone/>
+              <a:defRPr sz="1000"/>
+            </a:lvl5pPr>
+            <a:lvl6pPr marL="2286000" indent="0">
+              <a:buNone/>
+              <a:defRPr sz="1000"/>
+            </a:lvl6pPr>
+            <a:lvl7pPr marL="2743200" indent="0">
+              <a:buNone/>
+              <a:defRPr sz="1000"/>
+            </a:lvl7pPr>
+            <a:lvl8pPr marL="3200400" indent="0">
+              <a:buNone/>
+              <a:defRPr sz="1000"/>
+            </a:lvl8pPr>
+            <a:lvl9pPr marL="3657600" indent="0">
+              <a:buNone/>
+              <a:defRPr sz="1000"/>
+            </a:lvl9pPr>
+          </a:lstStyle>
+          <a:p>
+            <a:pPr lvl="0"/>
+            <a:r>
+              <a:rPr lang="ru-RU"/>
+              <a:t>Образец текста</a:t>
+            </a:r>
+          </a:p>
+        </p:txBody>
+      </p:sp>
+      <p:sp>
+        <p:nvSpPr>
+          <p:cNvPr id="8" name="Date Placeholder 7"/>
+          <p:cNvSpPr>
+            <a:spLocks noGrp="1"/>
+          </p:cNvSpPr>
+          <p:nvPr>
+            <p:ph type="dt" sz="half" idx="10"/>
+          </p:nvPr>
+        </p:nvSpPr>
+        <p:spPr/>
+        <p:txBody>
+          <a:bodyPr/>
+          <a:lstStyle>
+            <a:lvl1pPr>
+              <a:defRPr>
+                <a:solidFill>
+                  <a:srgbClr val="FFFFFF"/>
+                </a:solidFill>
+                <a:effectLst>
+                  <a:outerShdw blurRad="50800" dist="38100" dir="2700000" algn="tl" rotWithShape="0">
+                    <a:prstClr val="black">
+                      <a:alpha val="43000"/>
+                    </a:prstClr>
+                  </a:outerShdw>
+                </a:effectLst>
+              </a:defRPr>
+            </a:lvl1pPr>
+          </a:lstStyle>
+          <a:p>
+            <a:fld id="{18EC5347-3A92-D24B-B878-CD09744C0D9D}" type="datetimeFigureOut">
+              <a:rPr lang="ru-US" smtClean="0"/>
+              <a:t>6/17/24</a:t>
+            </a:fld>
+            <a:endParaRPr lang="ru-US"/>
+          </a:p>
+        </p:txBody>
+      </p:sp>
+      <p:sp>
+        <p:nvSpPr>
+          <p:cNvPr id="9" name="Footer Placeholder 8"/>
+          <p:cNvSpPr>
+            <a:spLocks noGrp="1"/>
+          </p:cNvSpPr>
+          <p:nvPr>
+            <p:ph type="ftr" sz="quarter" idx="11"/>
+          </p:nvPr>
+        </p:nvSpPr>
+        <p:spPr>
+          <a:xfrm>
+            <a:off x="804672" y="6236208"/>
+            <a:ext cx="5124797" cy="320040"/>
+          </a:xfrm>
+        </p:spPr>
+        <p:txBody>
+          <a:bodyPr/>
+          <a:lstStyle>
+            <a:lvl1pPr>
+              <a:defRPr>
+                <a:solidFill>
+                  <a:srgbClr val="FFFFFF">
+                    <a:alpha val="70000"/>
+                  </a:srgbClr>
+                </a:solidFill>
+              </a:defRPr>
+            </a:lvl1pPr>
+          </a:lstStyle>
+          <a:p>
+            <a:endParaRPr lang="ru-US"/>
+          </a:p>
+        </p:txBody>
+      </p:sp>
+      <p:sp>
+        <p:nvSpPr>
+          <p:cNvPr id="10" name="Slide Number Placeholder 9"/>
+          <p:cNvSpPr>
+            <a:spLocks noGrp="1"/>
+          </p:cNvSpPr>
+          <p:nvPr>
+            <p:ph type="sldNum" sz="quarter" idx="12"/>
+          </p:nvPr>
+        </p:nvSpPr>
+        <p:spPr/>
+        <p:txBody>
+          <a:bodyPr/>
+          <a:lstStyle/>
+          <a:p>
+            <a:fld id="{AFAF6365-899A-754A-8142-24B17376DE51}" type="slidenum">
+              <a:rPr lang="ru-US" smtClean="0"/>
+              <a:t>‹#›</a:t>
+            </a:fld>
+            <a:endParaRPr lang="ru-US"/>
+          </a:p>
+        </p:txBody>
+      </p:sp>
+    </p:spTree>
+    <p:extLst>
+      <p:ext uri="{BB962C8B-B14F-4D97-AF65-F5344CB8AC3E}">
+        <p14:creationId xmlns:p14="http://schemas.microsoft.com/office/powerpoint/2010/main" val="713696393"/>
+      </p:ext>
+    </p:extLst>
+  </p:cSld>
+  <p:clrMapOvr>
+    <a:masterClrMapping/>
+  </p:clrMapOvr>
+</p:sldLayout>
+</file>
+
+<file path=ppt/slideLayouts/slideLayout21.xml><?xml version="1.0" encoding="utf-8"?>
+<p:sldLayout xmlns:a="http://schemas.openxmlformats.org/drawingml/2006/main" xmlns:r="http://schemas.openxmlformats.org/officeDocument/2006/relationships" xmlns:p="http://schemas.openxmlformats.org/presentationml/2006/main" type="vertTx" preserve="1">
+  <p:cSld name="Заголовок и вертикальный текст">
+    <p:spTree>
+      <p:nvGrpSpPr>
+        <p:cNvPr id="1" name=""/>
+        <p:cNvGrpSpPr/>
+        <p:nvPr/>
+      </p:nvGrpSpPr>
+      <p:grpSpPr>
+        <a:xfrm>
+          <a:off x="0" y="0"/>
+          <a:ext cx="0" cy="0"/>
+          <a:chOff x="0" y="0"/>
+          <a:chExt cx="0" cy="0"/>
+        </a:xfrm>
+      </p:grpSpPr>
+      <p:sp>
+        <p:nvSpPr>
+          <p:cNvPr id="2" name="Title 1"/>
+          <p:cNvSpPr>
+            <a:spLocks noGrp="1"/>
+          </p:cNvSpPr>
+          <p:nvPr>
+            <p:ph type="title"/>
+          </p:nvPr>
+        </p:nvSpPr>
+        <p:spPr/>
+        <p:txBody>
+          <a:bodyPr/>
+          <a:lstStyle/>
+          <a:p>
+            <a:r>
+              <a:rPr lang="ru-RU"/>
+              <a:t>Образец заголовка</a:t>
+            </a:r>
+            <a:endParaRPr lang="en-US" dirty="0"/>
+          </a:p>
+        </p:txBody>
+      </p:sp>
+      <p:sp>
+        <p:nvSpPr>
+          <p:cNvPr id="3" name="Vertical Text Placeholder 2"/>
+          <p:cNvSpPr>
+            <a:spLocks noGrp="1"/>
+          </p:cNvSpPr>
+          <p:nvPr>
+            <p:ph type="body" orient="vert" idx="1"/>
+          </p:nvPr>
+        </p:nvSpPr>
+        <p:spPr/>
+        <p:txBody>
+          <a:bodyPr vert="eaVert"/>
+          <a:lstStyle/>
+          <a:p>
+            <a:pPr lvl="0"/>
+            <a:r>
+              <a:rPr lang="ru-RU"/>
+              <a:t>Образец текста</a:t>
+            </a:r>
+          </a:p>
+          <a:p>
+            <a:pPr lvl="1"/>
+            <a:r>
+              <a:rPr lang="ru-RU"/>
+              <a:t>Второй уровень</a:t>
+            </a:r>
+          </a:p>
+          <a:p>
+            <a:pPr lvl="2"/>
+            <a:r>
+              <a:rPr lang="ru-RU"/>
+              <a:t>Третий уровень</a:t>
+            </a:r>
+          </a:p>
+          <a:p>
+            <a:pPr lvl="3"/>
+            <a:r>
+              <a:rPr lang="ru-RU"/>
+              <a:t>Четвертый уровень</a:t>
+            </a:r>
+          </a:p>
+          <a:p>
+            <a:pPr lvl="4"/>
+            <a:r>
+              <a:rPr lang="ru-RU"/>
+              <a:t>Пятый уровень</a:t>
+            </a:r>
+            <a:endParaRPr lang="en-US" dirty="0"/>
+          </a:p>
+        </p:txBody>
+      </p:sp>
+      <p:sp>
+        <p:nvSpPr>
+          <p:cNvPr id="4" name="Date Placeholder 3"/>
+          <p:cNvSpPr>
+            <a:spLocks noGrp="1"/>
+          </p:cNvSpPr>
+          <p:nvPr>
+            <p:ph type="dt" sz="half" idx="10"/>
+          </p:nvPr>
+        </p:nvSpPr>
+        <p:spPr/>
+        <p:txBody>
+          <a:bodyPr/>
+          <a:lstStyle/>
+          <a:p>
+            <a:fld id="{18EC5347-3A92-D24B-B878-CD09744C0D9D}" type="datetimeFigureOut">
+              <a:rPr lang="ru-US" smtClean="0"/>
+              <a:t>6/17/24</a:t>
+            </a:fld>
+            <a:endParaRPr lang="ru-US"/>
+          </a:p>
+        </p:txBody>
+      </p:sp>
+      <p:sp>
+        <p:nvSpPr>
+          <p:cNvPr id="5" name="Footer Placeholder 4"/>
+          <p:cNvSpPr>
+            <a:spLocks noGrp="1"/>
+          </p:cNvSpPr>
+          <p:nvPr>
+            <p:ph type="ftr" sz="quarter" idx="11"/>
+          </p:nvPr>
+        </p:nvSpPr>
+        <p:spPr/>
+        <p:txBody>
+          <a:bodyPr/>
+          <a:lstStyle/>
+          <a:p>
+            <a:endParaRPr lang="ru-US"/>
+          </a:p>
+        </p:txBody>
+      </p:sp>
+      <p:sp>
+        <p:nvSpPr>
+          <p:cNvPr id="6" name="Slide Number Placeholder 5"/>
+          <p:cNvSpPr>
+            <a:spLocks noGrp="1"/>
+          </p:cNvSpPr>
+          <p:nvPr>
+            <p:ph type="sldNum" sz="quarter" idx="12"/>
+          </p:nvPr>
+        </p:nvSpPr>
+        <p:spPr/>
+        <p:txBody>
+          <a:bodyPr/>
+          <a:lstStyle/>
+          <a:p>
+            <a:fld id="{AFAF6365-899A-754A-8142-24B17376DE51}" type="slidenum">
+              <a:rPr lang="ru-US" smtClean="0"/>
+              <a:t>‹#›</a:t>
+            </a:fld>
+            <a:endParaRPr lang="ru-US"/>
+          </a:p>
+        </p:txBody>
+      </p:sp>
+    </p:spTree>
+    <p:extLst>
+      <p:ext uri="{BB962C8B-B14F-4D97-AF65-F5344CB8AC3E}">
+        <p14:creationId xmlns:p14="http://schemas.microsoft.com/office/powerpoint/2010/main" val="892225603"/>
+      </p:ext>
+    </p:extLst>
+  </p:cSld>
+  <p:clrMapOvr>
+    <a:masterClrMapping/>
+  </p:clrMapOvr>
+</p:sldLayout>
+</file>
+
+<file path=ppt/slideLayouts/slideLayout22.xml><?xml version="1.0" encoding="utf-8"?>
+<p:sldLayout xmlns:a="http://schemas.openxmlformats.org/drawingml/2006/main" xmlns:r="http://schemas.openxmlformats.org/officeDocument/2006/relationships" xmlns:p="http://schemas.openxmlformats.org/presentationml/2006/main" type="vertTitleAndTx" preserve="1">
+  <p:cSld name="Вертикальный заголовок и текст">
+    <p:spTree>
+      <p:nvGrpSpPr>
+        <p:cNvPr id="1" name=""/>
+        <p:cNvGrpSpPr/>
+        <p:nvPr/>
+      </p:nvGrpSpPr>
+      <p:grpSpPr>
+        <a:xfrm>
+          <a:off x="0" y="0"/>
+          <a:ext cx="0" cy="0"/>
+          <a:chOff x="0" y="0"/>
+          <a:chExt cx="0" cy="0"/>
+        </a:xfrm>
+      </p:grpSpPr>
+      <p:sp>
+        <p:nvSpPr>
+          <p:cNvPr id="2" name="Vertical Title 1"/>
+          <p:cNvSpPr>
+            <a:spLocks noGrp="1"/>
+          </p:cNvSpPr>
+          <p:nvPr>
+            <p:ph type="title" orient="vert"/>
+          </p:nvPr>
+        </p:nvSpPr>
+        <p:spPr>
+          <a:xfrm>
+            <a:off x="8653112" y="937260"/>
+            <a:ext cx="1298608" cy="4983480"/>
+          </a:xfrm>
+        </p:spPr>
+        <p:txBody>
+          <a:bodyPr vert="eaVert"/>
+          <a:lstStyle/>
+          <a:p>
+            <a:r>
+              <a:rPr lang="ru-RU"/>
+              <a:t>Образец заголовка</a:t>
+            </a:r>
+            <a:endParaRPr lang="en-US" dirty="0"/>
+          </a:p>
+        </p:txBody>
+      </p:sp>
+      <p:sp>
+        <p:nvSpPr>
+          <p:cNvPr id="3" name="Vertical Text Placeholder 2"/>
+          <p:cNvSpPr>
+            <a:spLocks noGrp="1"/>
+          </p:cNvSpPr>
+          <p:nvPr>
+            <p:ph type="body" orient="vert" idx="1"/>
+          </p:nvPr>
+        </p:nvSpPr>
+        <p:spPr>
+          <a:xfrm>
+            <a:off x="2231136" y="937260"/>
+            <a:ext cx="6198489" cy="4983480"/>
+          </a:xfrm>
+        </p:spPr>
+        <p:txBody>
+          <a:bodyPr vert="eaVert"/>
+          <a:lstStyle/>
+          <a:p>
+            <a:pPr lvl="0"/>
+            <a:r>
+              <a:rPr lang="ru-RU"/>
+              <a:t>Образец текста</a:t>
+            </a:r>
+          </a:p>
+          <a:p>
+            <a:pPr lvl="1"/>
+            <a:r>
+              <a:rPr lang="ru-RU"/>
+              <a:t>Второй уровень</a:t>
+            </a:r>
+          </a:p>
+          <a:p>
+            <a:pPr lvl="2"/>
+            <a:r>
+              <a:rPr lang="ru-RU"/>
+              <a:t>Третий уровень</a:t>
+            </a:r>
+          </a:p>
+          <a:p>
+            <a:pPr lvl="3"/>
+            <a:r>
+              <a:rPr lang="ru-RU"/>
+              <a:t>Четвертый уровень</a:t>
+            </a:r>
+          </a:p>
+          <a:p>
+            <a:pPr lvl="4"/>
+            <a:r>
+              <a:rPr lang="ru-RU"/>
+              <a:t>Пятый уровень</a:t>
+            </a:r>
+            <a:endParaRPr lang="en-US" dirty="0"/>
+          </a:p>
+        </p:txBody>
+      </p:sp>
+      <p:sp>
+        <p:nvSpPr>
+          <p:cNvPr id="4" name="Date Placeholder 3"/>
+          <p:cNvSpPr>
+            <a:spLocks noGrp="1"/>
+          </p:cNvSpPr>
+          <p:nvPr>
+            <p:ph type="dt" sz="half" idx="10"/>
+          </p:nvPr>
+        </p:nvSpPr>
+        <p:spPr/>
+        <p:txBody>
+          <a:bodyPr/>
+          <a:lstStyle/>
+          <a:p>
+            <a:fld id="{18EC5347-3A92-D24B-B878-CD09744C0D9D}" type="datetimeFigureOut">
+              <a:rPr lang="ru-US" smtClean="0"/>
+              <a:t>6/17/24</a:t>
+            </a:fld>
+            <a:endParaRPr lang="ru-US"/>
+          </a:p>
+        </p:txBody>
+      </p:sp>
+      <p:sp>
+        <p:nvSpPr>
+          <p:cNvPr id="5" name="Footer Placeholder 4"/>
+          <p:cNvSpPr>
+            <a:spLocks noGrp="1"/>
+          </p:cNvSpPr>
+          <p:nvPr>
+            <p:ph type="ftr" sz="quarter" idx="11"/>
+          </p:nvPr>
+        </p:nvSpPr>
+        <p:spPr/>
+        <p:txBody>
+          <a:bodyPr/>
+          <a:lstStyle/>
+          <a:p>
+            <a:endParaRPr lang="ru-US"/>
+          </a:p>
+        </p:txBody>
+      </p:sp>
+      <p:sp>
+        <p:nvSpPr>
+          <p:cNvPr id="6" name="Slide Number Placeholder 5"/>
+          <p:cNvSpPr>
+            <a:spLocks noGrp="1"/>
+          </p:cNvSpPr>
+          <p:nvPr>
+            <p:ph type="sldNum" sz="quarter" idx="12"/>
+          </p:nvPr>
+        </p:nvSpPr>
+        <p:spPr/>
+        <p:txBody>
+          <a:bodyPr/>
+          <a:lstStyle/>
+          <a:p>
+            <a:fld id="{AFAF6365-899A-754A-8142-24B17376DE51}" type="slidenum">
+              <a:rPr lang="ru-US" smtClean="0"/>
+              <a:t>‹#›</a:t>
+            </a:fld>
+            <a:endParaRPr lang="ru-US"/>
+          </a:p>
+        </p:txBody>
+      </p:sp>
+    </p:spTree>
+    <p:extLst>
+      <p:ext uri="{BB962C8B-B14F-4D97-AF65-F5344CB8AC3E}">
+        <p14:creationId xmlns:p14="http://schemas.microsoft.com/office/powerpoint/2010/main" val="1817401394"/>
       </p:ext>
     </p:extLst>
   </p:cSld>
@@ -1153,7 +4096,7 @@
           <a:p>
             <a:fld id="{18EC5347-3A92-D24B-B878-CD09744C0D9D}" type="datetimeFigureOut">
               <a:rPr lang="ru-US" smtClean="0"/>
-              <a:t>2/1/24</a:t>
+              <a:t>6/17/24</a:t>
             </a:fld>
             <a:endParaRPr lang="ru-US"/>
           </a:p>
@@ -1421,7 +4364,7 @@
           <a:p>
             <a:fld id="{18EC5347-3A92-D24B-B878-CD09744C0D9D}" type="datetimeFigureOut">
               <a:rPr lang="ru-US" smtClean="0"/>
-              <a:t>2/1/24</a:t>
+              <a:t>6/17/24</a:t>
             </a:fld>
             <a:endParaRPr lang="ru-US"/>
           </a:p>
@@ -1836,7 +4779,7 @@
           <a:p>
             <a:fld id="{18EC5347-3A92-D24B-B878-CD09744C0D9D}" type="datetimeFigureOut">
               <a:rPr lang="ru-US" smtClean="0"/>
-              <a:t>2/1/24</a:t>
+              <a:t>6/17/24</a:t>
             </a:fld>
             <a:endParaRPr lang="ru-US"/>
           </a:p>
@@ -1978,7 +4921,7 @@
           <a:p>
             <a:fld id="{18EC5347-3A92-D24B-B878-CD09744C0D9D}" type="datetimeFigureOut">
               <a:rPr lang="ru-US" smtClean="0"/>
-              <a:t>2/1/24</a:t>
+              <a:t>6/17/24</a:t>
             </a:fld>
             <a:endParaRPr lang="ru-US"/>
           </a:p>
@@ -2091,7 +5034,7 @@
           <a:p>
             <a:fld id="{18EC5347-3A92-D24B-B878-CD09744C0D9D}" type="datetimeFigureOut">
               <a:rPr lang="ru-US" smtClean="0"/>
-              <a:t>2/1/24</a:t>
+              <a:t>6/17/24</a:t>
             </a:fld>
             <a:endParaRPr lang="ru-US"/>
           </a:p>
@@ -2404,7 +5347,7 @@
           <a:p>
             <a:fld id="{18EC5347-3A92-D24B-B878-CD09744C0D9D}" type="datetimeFigureOut">
               <a:rPr lang="ru-US" smtClean="0"/>
-              <a:t>2/1/24</a:t>
+              <a:t>6/17/24</a:t>
             </a:fld>
             <a:endParaRPr lang="ru-US"/>
           </a:p>
@@ -2693,7 +5636,7 @@
           <a:p>
             <a:fld id="{18EC5347-3A92-D24B-B878-CD09744C0D9D}" type="datetimeFigureOut">
               <a:rPr lang="ru-US" smtClean="0"/>
-              <a:t>2/1/24</a:t>
+              <a:t>6/17/24</a:t>
             </a:fld>
             <a:endParaRPr lang="ru-US"/>
           </a:p>
@@ -2936,7 +5879,7 @@
           <a:p>
             <a:fld id="{18EC5347-3A92-D24B-B878-CD09744C0D9D}" type="datetimeFigureOut">
               <a:rPr lang="ru-US" smtClean="0"/>
-              <a:t>2/1/24</a:t>
+              <a:t>6/17/24</a:t>
             </a:fld>
             <a:endParaRPr lang="ru-US"/>
           </a:p>
@@ -3336,9 +6279,622 @@
 </p:sldMaster>
 </file>
 
+<file path=ppt/slideMasters/slideMaster2.xml><?xml version="1.0" encoding="utf-8"?>
+<p:sldMaster xmlns:a="http://schemas.openxmlformats.org/drawingml/2006/main" xmlns:r="http://schemas.openxmlformats.org/officeDocument/2006/relationships" xmlns:p="http://schemas.openxmlformats.org/presentationml/2006/main">
+  <p:cSld>
+    <p:bg>
+      <p:bgPr>
+        <a:solidFill>
+          <a:schemeClr val="bg1">
+            <a:lumMod val="95000"/>
+          </a:schemeClr>
+        </a:solidFill>
+        <a:effectLst/>
+      </p:bgPr>
+    </p:bg>
+    <p:spTree>
+      <p:nvGrpSpPr>
+        <p:cNvPr id="1" name=""/>
+        <p:cNvGrpSpPr/>
+        <p:nvPr/>
+      </p:nvGrpSpPr>
+      <p:grpSpPr>
+        <a:xfrm>
+          <a:off x="0" y="0"/>
+          <a:ext cx="0" cy="0"/>
+          <a:chOff x="0" y="0"/>
+          <a:chExt cx="0" cy="0"/>
+        </a:xfrm>
+      </p:grpSpPr>
+      <p:sp>
+        <p:nvSpPr>
+          <p:cNvPr id="2" name="Title Placeholder 1"/>
+          <p:cNvSpPr>
+            <a:spLocks noGrp="1"/>
+          </p:cNvSpPr>
+          <p:nvPr>
+            <p:ph type="title"/>
+          </p:nvPr>
+        </p:nvSpPr>
+        <p:spPr bwMode="black">
+          <a:xfrm>
+            <a:off x="2231136" y="964692"/>
+            <a:ext cx="7729728" cy="1188720"/>
+          </a:xfrm>
+          <a:prstGeom prst="rect">
+            <a:avLst/>
+          </a:prstGeom>
+          <a:solidFill>
+            <a:srgbClr val="FFFFFF"/>
+          </a:solidFill>
+          <a:ln w="31750" cap="sq">
+            <a:solidFill>
+              <a:srgbClr val="404040"/>
+            </a:solidFill>
+            <a:miter lim="800000"/>
+          </a:ln>
+        </p:spPr>
+        <p:txBody>
+          <a:bodyPr vert="horz" lIns="182880" tIns="182880" rIns="182880" bIns="182880" rtlCol="0" anchor="ctr">
+            <a:normAutofit/>
+          </a:bodyPr>
+          <a:lstStyle/>
+          <a:p>
+            <a:r>
+              <a:rPr lang="ru-RU"/>
+              <a:t>Образец заголовка</a:t>
+            </a:r>
+            <a:endParaRPr lang="en-US" dirty="0"/>
+          </a:p>
+        </p:txBody>
+      </p:sp>
+      <p:sp>
+        <p:nvSpPr>
+          <p:cNvPr id="3" name="Text Placeholder 2"/>
+          <p:cNvSpPr>
+            <a:spLocks noGrp="1"/>
+          </p:cNvSpPr>
+          <p:nvPr>
+            <p:ph type="body" idx="1"/>
+          </p:nvPr>
+        </p:nvSpPr>
+        <p:spPr>
+          <a:xfrm>
+            <a:off x="2231136" y="2638044"/>
+            <a:ext cx="7729728" cy="3101983"/>
+          </a:xfrm>
+          <a:prstGeom prst="rect">
+            <a:avLst/>
+          </a:prstGeom>
+        </p:spPr>
+        <p:txBody>
+          <a:bodyPr vert="horz" lIns="91440" tIns="45720" rIns="91440" bIns="45720" rtlCol="0">
+            <a:normAutofit/>
+          </a:bodyPr>
+          <a:lstStyle/>
+          <a:p>
+            <a:pPr lvl="0"/>
+            <a:r>
+              <a:rPr lang="ru-RU"/>
+              <a:t>Образец текста</a:t>
+            </a:r>
+          </a:p>
+          <a:p>
+            <a:pPr lvl="1"/>
+            <a:r>
+              <a:rPr lang="ru-RU"/>
+              <a:t>Второй уровень</a:t>
+            </a:r>
+          </a:p>
+          <a:p>
+            <a:pPr lvl="2"/>
+            <a:r>
+              <a:rPr lang="ru-RU"/>
+              <a:t>Третий уровень</a:t>
+            </a:r>
+          </a:p>
+          <a:p>
+            <a:pPr lvl="3"/>
+            <a:r>
+              <a:rPr lang="ru-RU"/>
+              <a:t>Четвертый уровень</a:t>
+            </a:r>
+          </a:p>
+          <a:p>
+            <a:pPr lvl="4"/>
+            <a:r>
+              <a:rPr lang="ru-RU"/>
+              <a:t>Пятый уровень</a:t>
+            </a:r>
+            <a:endParaRPr lang="en-US" dirty="0"/>
+          </a:p>
+        </p:txBody>
+      </p:sp>
+      <p:sp>
+        <p:nvSpPr>
+          <p:cNvPr id="4" name="Date Placeholder 3"/>
+          <p:cNvSpPr>
+            <a:spLocks noGrp="1"/>
+          </p:cNvSpPr>
+          <p:nvPr>
+            <p:ph type="dt" sz="half" idx="2"/>
+          </p:nvPr>
+        </p:nvSpPr>
+        <p:spPr>
+          <a:xfrm>
+            <a:off x="7821429" y="6238816"/>
+            <a:ext cx="2753746" cy="323968"/>
+          </a:xfrm>
+          <a:prstGeom prst="rect">
+            <a:avLst/>
+          </a:prstGeom>
+        </p:spPr>
+        <p:txBody>
+          <a:bodyPr vert="horz" lIns="91440" tIns="45720" rIns="91440" bIns="45720" rtlCol="0" anchor="ctr"/>
+          <a:lstStyle>
+            <a:lvl1pPr algn="r">
+              <a:defRPr sz="1050">
+                <a:solidFill>
+                  <a:schemeClr val="tx1">
+                    <a:alpha val="70000"/>
+                  </a:schemeClr>
+                </a:solidFill>
+              </a:defRPr>
+            </a:lvl1pPr>
+          </a:lstStyle>
+          <a:p>
+            <a:fld id="{18EC5347-3A92-D24B-B878-CD09744C0D9D}" type="datetimeFigureOut">
+              <a:rPr lang="ru-US" smtClean="0"/>
+              <a:t>6/17/24</a:t>
+            </a:fld>
+            <a:endParaRPr lang="ru-US"/>
+          </a:p>
+        </p:txBody>
+      </p:sp>
+      <p:sp>
+        <p:nvSpPr>
+          <p:cNvPr id="5" name="Footer Placeholder 4"/>
+          <p:cNvSpPr>
+            <a:spLocks noGrp="1"/>
+          </p:cNvSpPr>
+          <p:nvPr>
+            <p:ph type="ftr" sz="quarter" idx="3"/>
+          </p:nvPr>
+        </p:nvSpPr>
+        <p:spPr>
+          <a:xfrm>
+            <a:off x="1600200" y="6236208"/>
+            <a:ext cx="5901189" cy="320040"/>
+          </a:xfrm>
+          <a:prstGeom prst="rect">
+            <a:avLst/>
+          </a:prstGeom>
+        </p:spPr>
+        <p:txBody>
+          <a:bodyPr vert="horz" lIns="91440" tIns="45720" rIns="91440" bIns="45720" rtlCol="0" anchor="ctr"/>
+          <a:lstStyle>
+            <a:lvl1pPr algn="l">
+              <a:defRPr sz="1050">
+                <a:solidFill>
+                  <a:schemeClr val="tx1">
+                    <a:alpha val="70000"/>
+                  </a:schemeClr>
+                </a:solidFill>
+              </a:defRPr>
+            </a:lvl1pPr>
+          </a:lstStyle>
+          <a:p>
+            <a:endParaRPr lang="ru-US"/>
+          </a:p>
+        </p:txBody>
+      </p:sp>
+      <p:sp>
+        <p:nvSpPr>
+          <p:cNvPr id="6" name="Slide Number Placeholder 5"/>
+          <p:cNvSpPr>
+            <a:spLocks noGrp="1"/>
+          </p:cNvSpPr>
+          <p:nvPr>
+            <p:ph type="sldNum" sz="quarter" idx="4"/>
+          </p:nvPr>
+        </p:nvSpPr>
+        <p:spPr>
+          <a:xfrm>
+            <a:off x="10758922" y="6217920"/>
+            <a:ext cx="970234" cy="487680"/>
+          </a:xfrm>
+          <a:prstGeom prst="ellipse">
+            <a:avLst/>
+          </a:prstGeom>
+          <a:solidFill>
+            <a:srgbClr val="1D1D1D">
+              <a:alpha val="70000"/>
+            </a:srgbClr>
+          </a:solidFill>
+        </p:spPr>
+        <p:txBody>
+          <a:bodyPr vert="horz" lIns="18288" tIns="45720" rIns="18288" bIns="45720" rtlCol="0" anchor="ctr">
+            <a:noAutofit/>
+          </a:bodyPr>
+          <a:lstStyle>
+            <a:lvl1pPr algn="ctr">
+              <a:defRPr sz="1400" spc="0" baseline="0">
+                <a:solidFill>
+                  <a:srgbClr val="FFFFFF"/>
+                </a:solidFill>
+              </a:defRPr>
+            </a:lvl1pPr>
+          </a:lstStyle>
+          <a:p>
+            <a:fld id="{AFAF6365-899A-754A-8142-24B17376DE51}" type="slidenum">
+              <a:rPr lang="ru-US" smtClean="0"/>
+              <a:pPr/>
+              <a:t>‹#›</a:t>
+            </a:fld>
+            <a:r>
+              <a:rPr lang="ru-US" dirty="0"/>
+              <a:t>/15</a:t>
+            </a:r>
+          </a:p>
+        </p:txBody>
+      </p:sp>
+    </p:spTree>
+    <p:extLst>
+      <p:ext uri="{BB962C8B-B14F-4D97-AF65-F5344CB8AC3E}">
+        <p14:creationId xmlns:p14="http://schemas.microsoft.com/office/powerpoint/2010/main" val="3618871"/>
+      </p:ext>
+    </p:extLst>
+  </p:cSld>
+  <p:clrMap bg1="lt1" tx1="dk1" bg2="lt2" tx2="dk2" accent1="accent1" accent2="accent2" accent3="accent3" accent4="accent4" accent5="accent5" accent6="accent6" hlink="hlink" folHlink="folHlink"/>
+  <p:sldLayoutIdLst>
+    <p:sldLayoutId id="2147483697" r:id="rId1"/>
+    <p:sldLayoutId id="2147483698" r:id="rId2"/>
+    <p:sldLayoutId id="2147483699" r:id="rId3"/>
+    <p:sldLayoutId id="2147483700" r:id="rId4"/>
+    <p:sldLayoutId id="2147483701" r:id="rId5"/>
+    <p:sldLayoutId id="2147483702" r:id="rId6"/>
+    <p:sldLayoutId id="2147483703" r:id="rId7"/>
+    <p:sldLayoutId id="2147483704" r:id="rId8"/>
+    <p:sldLayoutId id="2147483705" r:id="rId9"/>
+    <p:sldLayoutId id="2147483706" r:id="rId10"/>
+    <p:sldLayoutId id="2147483707" r:id="rId11"/>
+  </p:sldLayoutIdLst>
+  <p:txStyles>
+    <p:titleStyle>
+      <a:lvl1pPr algn="ctr" defTabSz="914400" rtl="0" eaLnBrk="1" latinLnBrk="0" hangingPunct="1">
+        <a:lnSpc>
+          <a:spcPct val="90000"/>
+        </a:lnSpc>
+        <a:spcBef>
+          <a:spcPct val="0"/>
+        </a:spcBef>
+        <a:buNone/>
+        <a:defRPr sz="2800" kern="1200" cap="all" spc="200" baseline="0">
+          <a:solidFill>
+            <a:srgbClr val="262626"/>
+          </a:solidFill>
+          <a:latin typeface="+mj-lt"/>
+          <a:ea typeface="+mj-ea"/>
+          <a:cs typeface="+mj-cs"/>
+        </a:defRPr>
+      </a:lvl1pPr>
+    </p:titleStyle>
+    <p:bodyStyle>
+      <a:lvl1pPr marL="228600" indent="-228600" algn="l" defTabSz="914400" rtl="0" eaLnBrk="1" latinLnBrk="0" hangingPunct="1">
+        <a:lnSpc>
+          <a:spcPct val="100000"/>
+        </a:lnSpc>
+        <a:spcBef>
+          <a:spcPts val="1000"/>
+        </a:spcBef>
+        <a:buClr>
+          <a:schemeClr val="accent2"/>
+        </a:buClr>
+        <a:buFont typeface="Arial" panose="020B0604020202020204" pitchFamily="34" charset="0"/>
+        <a:buChar char="•"/>
+        <a:defRPr sz="1800" kern="1200">
+          <a:solidFill>
+            <a:schemeClr val="tx1">
+              <a:lumMod val="85000"/>
+              <a:lumOff val="15000"/>
+            </a:schemeClr>
+          </a:solidFill>
+          <a:latin typeface="+mn-lt"/>
+          <a:ea typeface="+mn-ea"/>
+          <a:cs typeface="+mn-cs"/>
+        </a:defRPr>
+      </a:lvl1pPr>
+      <a:lvl2pPr marL="457200" indent="-228600" algn="l" defTabSz="914400" rtl="0" eaLnBrk="1" latinLnBrk="0" hangingPunct="1">
+        <a:lnSpc>
+          <a:spcPct val="100000"/>
+        </a:lnSpc>
+        <a:spcBef>
+          <a:spcPts val="1000"/>
+        </a:spcBef>
+        <a:buClr>
+          <a:schemeClr val="accent2"/>
+        </a:buClr>
+        <a:buFont typeface="Arial" panose="020B0604020202020204" pitchFamily="34" charset="0"/>
+        <a:buChar char="•"/>
+        <a:defRPr sz="1600" kern="1200">
+          <a:solidFill>
+            <a:schemeClr val="tx1">
+              <a:lumMod val="85000"/>
+              <a:lumOff val="15000"/>
+            </a:schemeClr>
+          </a:solidFill>
+          <a:latin typeface="+mn-lt"/>
+          <a:ea typeface="+mn-ea"/>
+          <a:cs typeface="+mn-cs"/>
+        </a:defRPr>
+      </a:lvl2pPr>
+      <a:lvl3pPr marL="685800" indent="-228600" algn="l" defTabSz="914400" rtl="0" eaLnBrk="1" latinLnBrk="0" hangingPunct="1">
+        <a:lnSpc>
+          <a:spcPct val="100000"/>
+        </a:lnSpc>
+        <a:spcBef>
+          <a:spcPts val="1000"/>
+        </a:spcBef>
+        <a:buClr>
+          <a:schemeClr val="accent2"/>
+        </a:buClr>
+        <a:buFont typeface="Arial" panose="020B0604020202020204" pitchFamily="34" charset="0"/>
+        <a:buChar char="•"/>
+        <a:defRPr sz="1600" kern="1200">
+          <a:solidFill>
+            <a:schemeClr val="tx1">
+              <a:lumMod val="85000"/>
+              <a:lumOff val="15000"/>
+            </a:schemeClr>
+          </a:solidFill>
+          <a:latin typeface="+mn-lt"/>
+          <a:ea typeface="+mn-ea"/>
+          <a:cs typeface="+mn-cs"/>
+        </a:defRPr>
+      </a:lvl3pPr>
+      <a:lvl4pPr marL="914400" indent="-228600" algn="l" defTabSz="914400" rtl="0" eaLnBrk="1" latinLnBrk="0" hangingPunct="1">
+        <a:lnSpc>
+          <a:spcPct val="100000"/>
+        </a:lnSpc>
+        <a:spcBef>
+          <a:spcPts val="1000"/>
+        </a:spcBef>
+        <a:buClr>
+          <a:schemeClr val="accent2"/>
+        </a:buClr>
+        <a:buFont typeface="Arial" panose="020B0604020202020204" pitchFamily="34" charset="0"/>
+        <a:buChar char="•"/>
+        <a:defRPr sz="1600" kern="1200">
+          <a:solidFill>
+            <a:schemeClr val="tx1">
+              <a:lumMod val="85000"/>
+              <a:lumOff val="15000"/>
+            </a:schemeClr>
+          </a:solidFill>
+          <a:latin typeface="+mn-lt"/>
+          <a:ea typeface="+mn-ea"/>
+          <a:cs typeface="+mn-cs"/>
+        </a:defRPr>
+      </a:lvl4pPr>
+      <a:lvl5pPr marL="1143000" indent="-228600" algn="l" defTabSz="914400" rtl="0" eaLnBrk="1" latinLnBrk="0" hangingPunct="1">
+        <a:lnSpc>
+          <a:spcPct val="100000"/>
+        </a:lnSpc>
+        <a:spcBef>
+          <a:spcPts val="1000"/>
+        </a:spcBef>
+        <a:buClr>
+          <a:schemeClr val="accent2"/>
+        </a:buClr>
+        <a:buFont typeface="Arial" panose="020B0604020202020204" pitchFamily="34" charset="0"/>
+        <a:buChar char="•"/>
+        <a:defRPr sz="1600" kern="1200">
+          <a:solidFill>
+            <a:schemeClr val="tx1">
+              <a:lumMod val="85000"/>
+              <a:lumOff val="15000"/>
+            </a:schemeClr>
+          </a:solidFill>
+          <a:latin typeface="+mn-lt"/>
+          <a:ea typeface="+mn-ea"/>
+          <a:cs typeface="+mn-cs"/>
+        </a:defRPr>
+      </a:lvl5pPr>
+      <a:lvl6pPr marL="1312863" indent="-228600" algn="l" defTabSz="914400" rtl="0" eaLnBrk="1" latinLnBrk="0" hangingPunct="1">
+        <a:lnSpc>
+          <a:spcPct val="100000"/>
+        </a:lnSpc>
+        <a:spcBef>
+          <a:spcPts val="1000"/>
+        </a:spcBef>
+        <a:buClr>
+          <a:schemeClr val="accent2"/>
+        </a:buClr>
+        <a:buFont typeface="Arial" panose="020B0604020202020204" pitchFamily="34" charset="0"/>
+        <a:buChar char="•"/>
+        <a:defRPr sz="1600" kern="1200">
+          <a:solidFill>
+            <a:schemeClr val="tx1"/>
+          </a:solidFill>
+          <a:latin typeface="+mn-lt"/>
+          <a:ea typeface="+mn-ea"/>
+          <a:cs typeface="+mn-cs"/>
+        </a:defRPr>
+      </a:lvl6pPr>
+      <a:lvl7pPr marL="1484313" indent="-228600" algn="l" defTabSz="914400" rtl="0" eaLnBrk="1" latinLnBrk="0" hangingPunct="1">
+        <a:lnSpc>
+          <a:spcPct val="100000"/>
+        </a:lnSpc>
+        <a:spcBef>
+          <a:spcPts val="1000"/>
+        </a:spcBef>
+        <a:buClr>
+          <a:schemeClr val="accent2"/>
+        </a:buClr>
+        <a:buFont typeface="Arial" panose="020B0604020202020204" pitchFamily="34" charset="0"/>
+        <a:buChar char="•"/>
+        <a:defRPr sz="1600" kern="1200">
+          <a:solidFill>
+            <a:schemeClr val="tx1"/>
+          </a:solidFill>
+          <a:latin typeface="+mn-lt"/>
+          <a:ea typeface="+mn-ea"/>
+          <a:cs typeface="+mn-cs"/>
+        </a:defRPr>
+      </a:lvl7pPr>
+      <a:lvl8pPr marL="1657350" indent="-228600" algn="l" defTabSz="914400" rtl="0" eaLnBrk="1" latinLnBrk="0" hangingPunct="1">
+        <a:lnSpc>
+          <a:spcPct val="100000"/>
+        </a:lnSpc>
+        <a:spcBef>
+          <a:spcPts val="1000"/>
+        </a:spcBef>
+        <a:buClr>
+          <a:schemeClr val="accent2"/>
+        </a:buClr>
+        <a:buFont typeface="Arial" panose="020B0604020202020204" pitchFamily="34" charset="0"/>
+        <a:buChar char="•"/>
+        <a:defRPr sz="1600" kern="1200" baseline="0">
+          <a:solidFill>
+            <a:schemeClr val="tx1"/>
+          </a:solidFill>
+          <a:latin typeface="+mn-lt"/>
+          <a:ea typeface="+mn-ea"/>
+          <a:cs typeface="+mn-cs"/>
+        </a:defRPr>
+      </a:lvl8pPr>
+      <a:lvl9pPr marL="1882775" indent="-228600" algn="l" defTabSz="914400" rtl="0" eaLnBrk="1" latinLnBrk="0" hangingPunct="1">
+        <a:lnSpc>
+          <a:spcPct val="100000"/>
+        </a:lnSpc>
+        <a:spcBef>
+          <a:spcPts val="1000"/>
+        </a:spcBef>
+        <a:buClr>
+          <a:schemeClr val="accent2"/>
+        </a:buClr>
+        <a:buFont typeface="Arial" panose="020B0604020202020204" pitchFamily="34" charset="0"/>
+        <a:buChar char="•"/>
+        <a:defRPr sz="1600" kern="1200" baseline="0">
+          <a:solidFill>
+            <a:schemeClr val="tx1"/>
+          </a:solidFill>
+          <a:latin typeface="+mn-lt"/>
+          <a:ea typeface="+mn-ea"/>
+          <a:cs typeface="+mn-cs"/>
+        </a:defRPr>
+      </a:lvl9pPr>
+    </p:bodyStyle>
+    <p:otherStyle>
+      <a:defPPr>
+        <a:defRPr lang="en-US"/>
+      </a:defPPr>
+      <a:lvl1pPr marL="0" algn="l" defTabSz="914400" rtl="0" eaLnBrk="1" latinLnBrk="0" hangingPunct="1">
+        <a:defRPr sz="1800" kern="1200">
+          <a:solidFill>
+            <a:schemeClr val="tx1"/>
+          </a:solidFill>
+          <a:latin typeface="+mn-lt"/>
+          <a:ea typeface="+mn-ea"/>
+          <a:cs typeface="+mn-cs"/>
+        </a:defRPr>
+      </a:lvl1pPr>
+      <a:lvl2pPr marL="457200" algn="l" defTabSz="914400" rtl="0" eaLnBrk="1" latinLnBrk="0" hangingPunct="1">
+        <a:defRPr sz="1800" kern="1200">
+          <a:solidFill>
+            <a:schemeClr val="tx1"/>
+          </a:solidFill>
+          <a:latin typeface="+mn-lt"/>
+          <a:ea typeface="+mn-ea"/>
+          <a:cs typeface="+mn-cs"/>
+        </a:defRPr>
+      </a:lvl2pPr>
+      <a:lvl3pPr marL="914400" algn="l" defTabSz="914400" rtl="0" eaLnBrk="1" latinLnBrk="0" hangingPunct="1">
+        <a:defRPr sz="1800" kern="1200">
+          <a:solidFill>
+            <a:schemeClr val="tx1"/>
+          </a:solidFill>
+          <a:latin typeface="+mn-lt"/>
+          <a:ea typeface="+mn-ea"/>
+          <a:cs typeface="+mn-cs"/>
+        </a:defRPr>
+      </a:lvl3pPr>
+      <a:lvl4pPr marL="1371600" algn="l" defTabSz="914400" rtl="0" eaLnBrk="1" latinLnBrk="0" hangingPunct="1">
+        <a:defRPr sz="1800" kern="1200">
+          <a:solidFill>
+            <a:schemeClr val="tx1"/>
+          </a:solidFill>
+          <a:latin typeface="+mn-lt"/>
+          <a:ea typeface="+mn-ea"/>
+          <a:cs typeface="+mn-cs"/>
+        </a:defRPr>
+      </a:lvl4pPr>
+      <a:lvl5pPr marL="1828800" algn="l" defTabSz="914400" rtl="0" eaLnBrk="1" latinLnBrk="0" hangingPunct="1">
+        <a:defRPr sz="1800" kern="1200">
+          <a:solidFill>
+            <a:schemeClr val="tx1"/>
+          </a:solidFill>
+          <a:latin typeface="+mn-lt"/>
+          <a:ea typeface="+mn-ea"/>
+          <a:cs typeface="+mn-cs"/>
+        </a:defRPr>
+      </a:lvl5pPr>
+      <a:lvl6pPr marL="2286000" algn="l" defTabSz="914400" rtl="0" eaLnBrk="1" latinLnBrk="0" hangingPunct="1">
+        <a:defRPr sz="1800" kern="1200">
+          <a:solidFill>
+            <a:schemeClr val="tx1"/>
+          </a:solidFill>
+          <a:latin typeface="+mn-lt"/>
+          <a:ea typeface="+mn-ea"/>
+          <a:cs typeface="+mn-cs"/>
+        </a:defRPr>
+      </a:lvl6pPr>
+      <a:lvl7pPr marL="2743200" algn="l" defTabSz="914400" rtl="0" eaLnBrk="1" latinLnBrk="0" hangingPunct="1">
+        <a:defRPr sz="1800" kern="1200">
+          <a:solidFill>
+            <a:schemeClr val="tx1"/>
+          </a:solidFill>
+          <a:latin typeface="+mn-lt"/>
+          <a:ea typeface="+mn-ea"/>
+          <a:cs typeface="+mn-cs"/>
+        </a:defRPr>
+      </a:lvl7pPr>
+      <a:lvl8pPr marL="3200400" algn="l" defTabSz="914400" rtl="0" eaLnBrk="1" latinLnBrk="0" hangingPunct="1">
+        <a:defRPr sz="1800" kern="1200">
+          <a:solidFill>
+            <a:schemeClr val="tx1"/>
+          </a:solidFill>
+          <a:latin typeface="+mn-lt"/>
+          <a:ea typeface="+mn-ea"/>
+          <a:cs typeface="+mn-cs"/>
+        </a:defRPr>
+      </a:lvl8pPr>
+      <a:lvl9pPr marL="3657600" algn="l" defTabSz="914400" rtl="0" eaLnBrk="1" latinLnBrk="0" hangingPunct="1">
+        <a:defRPr sz="1800" kern="1200">
+          <a:solidFill>
+            <a:schemeClr val="tx1"/>
+          </a:solidFill>
+          <a:latin typeface="+mn-lt"/>
+          <a:ea typeface="+mn-ea"/>
+          <a:cs typeface="+mn-cs"/>
+        </a:defRPr>
+      </a:lvl9pPr>
+    </p:otherStyle>
+  </p:txStyles>
+</p:sldMaster>
+</file>
+
 <file path=ppt/slides/slide1.xml><?xml version="1.0" encoding="utf-8"?>
 <p:sld xmlns:a="http://schemas.openxmlformats.org/drawingml/2006/main" xmlns:r="http://schemas.openxmlformats.org/officeDocument/2006/relationships" xmlns:p="http://schemas.openxmlformats.org/presentationml/2006/main">
   <p:cSld>
+    <p:bg>
+      <p:bgPr>
+        <a:solidFill>
+          <a:srgbClr val="F2F2F2"/>
+        </a:solidFill>
+        <a:effectLst/>
+      </p:bgPr>
+    </p:bg>
     <p:spTree>
       <p:nvGrpSpPr>
         <p:cNvPr id="1" name=""/>
@@ -3699,51 +7255,141 @@
             <p:ph type="title"/>
           </p:nvPr>
         </p:nvSpPr>
-        <p:spPr/>
+        <p:spPr>
+          <a:xfrm>
+            <a:off x="1984147" y="355092"/>
+            <a:ext cx="7729728" cy="1188720"/>
+          </a:xfrm>
+        </p:spPr>
         <p:txBody>
           <a:bodyPr/>
           <a:lstStyle/>
           <a:p>
             <a:r>
               <a:rPr lang="ru-US" dirty="0"/>
-              <a:t>Диаграмма последовательностей</a:t>
+              <a:t>Диаграмма последовательностей 2</a:t>
             </a:r>
           </a:p>
         </p:txBody>
       </p:sp>
       <p:pic>
         <p:nvPicPr>
-          <p:cNvPr id="5" name="Объект 4">
-            <a:extLst>
-              <a:ext uri="{FF2B5EF4-FFF2-40B4-BE49-F238E27FC236}">
-                <a16:creationId xmlns:a16="http://schemas.microsoft.com/office/drawing/2014/main" id="{7A7D9996-7A0A-C59C-B409-9B26E03899DA}"/>
+          <p:cNvPr id="4104" name="Picture 8">
+            <a:extLst>
+              <a:ext uri="{FF2B5EF4-FFF2-40B4-BE49-F238E27FC236}">
+                <a16:creationId xmlns:a16="http://schemas.microsoft.com/office/drawing/2014/main" id="{067173FA-6E8D-6569-B7F0-19ED49EC0F56}"/>
               </a:ext>
             </a:extLst>
           </p:cNvPr>
           <p:cNvPicPr>
-            <a:picLocks noGrp="1" noChangeAspect="1"/>
+            <a:picLocks noGrp="1" noChangeAspect="1" noChangeArrowheads="1"/>
           </p:cNvPicPr>
           <p:nvPr>
             <p:ph idx="1"/>
           </p:nvPr>
         </p:nvPicPr>
-        <p:blipFill>
-          <a:blip r:embed="rId2"/>
-          <a:stretch>
-            <a:fillRect/>
-          </a:stretch>
+        <p:blipFill rotWithShape="1">
+          <a:blip r:embed="rId2">
+            <a:extLst>
+              <a:ext uri="{28A0092B-C50C-407E-A947-70E740481C1C}">
+                <a14:useLocalDpi xmlns:a14="http://schemas.microsoft.com/office/drawing/2010/main" val="0"/>
+              </a:ext>
+            </a:extLst>
+          </a:blip>
+          <a:srcRect b="9274"/>
+          <a:stretch/>
         </p:blipFill>
+        <p:spPr bwMode="auto">
+          <a:xfrm>
+            <a:off x="1256851" y="1698964"/>
+            <a:ext cx="9184321" cy="4441677"/>
+          </a:xfrm>
+          <a:prstGeom prst="rect">
+            <a:avLst/>
+          </a:prstGeom>
+          <a:noFill/>
+          <a:extLst>
+            <a:ext uri="{909E8E84-426E-40DD-AFC4-6F175D3DCCD1}">
+              <a14:hiddenFill xmlns:a14="http://schemas.microsoft.com/office/drawing/2010/main">
+                <a:solidFill>
+                  <a:srgbClr val="FFFFFF"/>
+                </a:solidFill>
+              </a14:hiddenFill>
+            </a:ext>
+          </a:extLst>
+        </p:spPr>
+      </p:pic>
+      <p:sp>
+        <p:nvSpPr>
+          <p:cNvPr id="3" name="TextBox 2">
+            <a:extLst>
+              <a:ext uri="{FF2B5EF4-FFF2-40B4-BE49-F238E27FC236}">
+                <a16:creationId xmlns:a16="http://schemas.microsoft.com/office/drawing/2014/main" id="{20957B5C-E534-60FE-D032-A5FEB1956554}"/>
+              </a:ext>
+            </a:extLst>
+          </p:cNvPr>
+          <p:cNvSpPr txBox="1"/>
+          <p:nvPr/>
+        </p:nvSpPr>
         <p:spPr>
           <a:xfrm>
-            <a:off x="2966484" y="1690688"/>
-            <a:ext cx="5872716" cy="4635639"/>
-          </a:xfrm>
-        </p:spPr>
-      </p:pic>
+            <a:off x="4536088" y="6318242"/>
+            <a:ext cx="2625847" cy="369332"/>
+          </a:xfrm>
+          <a:prstGeom prst="rect">
+            <a:avLst/>
+          </a:prstGeom>
+          <a:noFill/>
+        </p:spPr>
+        <p:txBody>
+          <a:bodyPr wrap="none" rtlCol="0">
+            <a:spAutoFit/>
+          </a:bodyPr>
+          <a:lstStyle/>
+          <a:p>
+            <a:r>
+              <a:rPr lang="ru-US" dirty="0"/>
+              <a:t>Удаление оборудования</a:t>
+            </a:r>
+          </a:p>
+        </p:txBody>
+      </p:sp>
+      <p:sp>
+        <p:nvSpPr>
+          <p:cNvPr id="6" name="Номер слайда 5">
+            <a:extLst>
+              <a:ext uri="{FF2B5EF4-FFF2-40B4-BE49-F238E27FC236}">
+                <a16:creationId xmlns:a16="http://schemas.microsoft.com/office/drawing/2014/main" id="{B2EB38FD-E528-1215-C94E-8CD8D0AFDEE4}"/>
+              </a:ext>
+            </a:extLst>
+          </p:cNvPr>
+          <p:cNvSpPr>
+            <a:spLocks noGrp="1"/>
+          </p:cNvSpPr>
+          <p:nvPr>
+            <p:ph type="sldNum" sz="quarter" idx="12"/>
+          </p:nvPr>
+        </p:nvSpPr>
+        <p:spPr/>
+        <p:txBody>
+          <a:bodyPr/>
+          <a:lstStyle/>
+          <a:p>
+            <a:fld id="{AFAF6365-899A-754A-8142-24B17376DE51}" type="slidenum">
+              <a:rPr lang="ru-US" smtClean="0"/>
+              <a:t>10</a:t>
+            </a:fld>
+            <a:r>
+              <a:rPr lang="ru-US" dirty="0"/>
+              <a:t>/15</a:t>
+            </a:r>
+          </a:p>
+        </p:txBody>
+      </p:sp>
     </p:spTree>
     <p:extLst>
       <p:ext uri="{BB962C8B-B14F-4D97-AF65-F5344CB8AC3E}">
-        <p14:creationId xmlns:p14="http://schemas.microsoft.com/office/powerpoint/2010/main" val="1667575543"/>
+        <p14:creationId xmlns:p14="http://schemas.microsoft.com/office/powerpoint/2010/main" val="330186945"/>
       </p:ext>
     </p:extLst>
   </p:cSld>
@@ -3775,7 +7421,7 @@
           <p:cNvPr id="2" name="Заголовок 1">
             <a:extLst>
               <a:ext uri="{FF2B5EF4-FFF2-40B4-BE49-F238E27FC236}">
-                <a16:creationId xmlns:a16="http://schemas.microsoft.com/office/drawing/2014/main" id="{9E1B4EC1-5D80-00D3-48A6-061DADB65D8C}"/>
+                <a16:creationId xmlns:a16="http://schemas.microsoft.com/office/drawing/2014/main" id="{F26864B6-3D97-0F10-878C-54D124B66B6F}"/>
               </a:ext>
             </a:extLst>
           </p:cNvPr>
@@ -3786,52 +7432,150 @@
             <p:ph type="title"/>
           </p:nvPr>
         </p:nvSpPr>
-        <p:spPr/>
-        <p:txBody>
-          <a:bodyPr/>
-          <a:lstStyle/>
-          <a:p>
-            <a:r>
-              <a:rPr lang="ru-RU" dirty="0"/>
-              <a:t>Архитектура</a:t>
-            </a:r>
-            <a:endParaRPr lang="ru-US" dirty="0"/>
+        <p:spPr>
+          <a:xfrm>
+            <a:off x="2231136" y="355092"/>
+            <a:ext cx="7729728" cy="1188720"/>
+          </a:xfrm>
+        </p:spPr>
+        <p:txBody>
+          <a:bodyPr/>
+          <a:lstStyle/>
+          <a:p>
+            <a:r>
+              <a:rPr lang="ru-US" dirty="0"/>
+              <a:t>Диаграмма последовательностей 3</a:t>
+            </a:r>
           </a:p>
         </p:txBody>
       </p:sp>
       <p:pic>
         <p:nvPicPr>
-          <p:cNvPr id="5" name="Объект 4">
-            <a:extLst>
-              <a:ext uri="{FF2B5EF4-FFF2-40B4-BE49-F238E27FC236}">
-                <a16:creationId xmlns:a16="http://schemas.microsoft.com/office/drawing/2014/main" id="{4DCF09F9-2616-C5EE-7DC4-D76363D48300}"/>
+          <p:cNvPr id="6146" name="Picture 2">
+            <a:extLst>
+              <a:ext uri="{FF2B5EF4-FFF2-40B4-BE49-F238E27FC236}">
+                <a16:creationId xmlns:a16="http://schemas.microsoft.com/office/drawing/2014/main" id="{32E0B67E-0E5B-F0BB-FE94-6AEDD3EDF26A}"/>
               </a:ext>
             </a:extLst>
           </p:cNvPr>
           <p:cNvPicPr>
-            <a:picLocks noGrp="1" noChangeAspect="1"/>
+            <a:picLocks noGrp="1" noChangeAspect="1" noChangeArrowheads="1"/>
           </p:cNvPicPr>
           <p:nvPr>
             <p:ph idx="1"/>
           </p:nvPr>
         </p:nvPicPr>
-        <p:blipFill>
-          <a:blip r:embed="rId2"/>
-          <a:stretch>
-            <a:fillRect/>
-          </a:stretch>
+        <p:blipFill rotWithShape="1">
+          <a:blip r:embed="rId2">
+            <a:extLst>
+              <a:ext uri="{28A0092B-C50C-407E-A947-70E740481C1C}">
+                <a14:useLocalDpi xmlns:a14="http://schemas.microsoft.com/office/drawing/2010/main" val="0"/>
+              </a:ext>
+            </a:extLst>
+          </a:blip>
+          <a:srcRect b="10838"/>
+          <a:stretch/>
         </p:blipFill>
+        <p:spPr bwMode="auto">
+          <a:xfrm>
+            <a:off x="1121366" y="1683922"/>
+            <a:ext cx="9949268" cy="4494210"/>
+          </a:xfrm>
+          <a:prstGeom prst="rect">
+            <a:avLst/>
+          </a:prstGeom>
+          <a:noFill/>
+          <a:extLst>
+            <a:ext uri="{909E8E84-426E-40DD-AFC4-6F175D3DCCD1}">
+              <a14:hiddenFill xmlns:a14="http://schemas.microsoft.com/office/drawing/2010/main">
+                <a:solidFill>
+                  <a:srgbClr val="FFFFFF"/>
+                </a:solidFill>
+              </a14:hiddenFill>
+            </a:ext>
+          </a:extLst>
+        </p:spPr>
+      </p:pic>
+      <p:sp>
+        <p:nvSpPr>
+          <p:cNvPr id="3" name="TextBox 2">
+            <a:extLst>
+              <a:ext uri="{FF2B5EF4-FFF2-40B4-BE49-F238E27FC236}">
+                <a16:creationId xmlns:a16="http://schemas.microsoft.com/office/drawing/2014/main" id="{BEBCCA66-A455-C315-17D3-6373F740D9AE}"/>
+              </a:ext>
+            </a:extLst>
+          </p:cNvPr>
+          <p:cNvSpPr txBox="1"/>
+          <p:nvPr/>
+        </p:nvSpPr>
         <p:spPr>
           <a:xfrm>
-            <a:off x="4593265" y="1690688"/>
-            <a:ext cx="2505001" cy="4740870"/>
-          </a:xfrm>
-        </p:spPr>
-      </p:pic>
+            <a:off x="5016538" y="6318242"/>
+            <a:ext cx="2158924" cy="369332"/>
+          </a:xfrm>
+          <a:prstGeom prst="rect">
+            <a:avLst/>
+          </a:prstGeom>
+          <a:noFill/>
+        </p:spPr>
+        <p:txBody>
+          <a:bodyPr wrap="none" rtlCol="0">
+            <a:spAutoFit/>
+          </a:bodyPr>
+          <a:lstStyle/>
+          <a:p>
+            <a:r>
+              <a:rPr lang="ru-US" dirty="0"/>
+              <a:t>Генерация </a:t>
+            </a:r>
+            <a:r>
+              <a:rPr lang="en-US" dirty="0"/>
+              <a:t>QR</a:t>
+            </a:r>
+            <a:r>
+              <a:rPr lang="ru-RU" dirty="0"/>
+              <a:t>-кода</a:t>
+            </a:r>
+            <a:endParaRPr lang="ru-US" dirty="0"/>
+          </a:p>
+        </p:txBody>
+      </p:sp>
+      <p:sp>
+        <p:nvSpPr>
+          <p:cNvPr id="6" name="Номер слайда 5">
+            <a:extLst>
+              <a:ext uri="{FF2B5EF4-FFF2-40B4-BE49-F238E27FC236}">
+                <a16:creationId xmlns:a16="http://schemas.microsoft.com/office/drawing/2014/main" id="{EA314D01-516F-14C5-D37C-ADACF4BB8630}"/>
+              </a:ext>
+            </a:extLst>
+          </p:cNvPr>
+          <p:cNvSpPr>
+            <a:spLocks noGrp="1"/>
+          </p:cNvSpPr>
+          <p:nvPr>
+            <p:ph type="sldNum" sz="quarter" idx="12"/>
+          </p:nvPr>
+        </p:nvSpPr>
+        <p:spPr/>
+        <p:txBody>
+          <a:bodyPr/>
+          <a:lstStyle/>
+          <a:p>
+            <a:fld id="{AFAF6365-899A-754A-8142-24B17376DE51}" type="slidenum">
+              <a:rPr lang="ru-US" smtClean="0"/>
+              <a:t>11</a:t>
+            </a:fld>
+            <a:r>
+              <a:rPr lang="ru-US" dirty="0"/>
+              <a:t>/15</a:t>
+            </a:r>
+          </a:p>
+        </p:txBody>
+      </p:sp>
     </p:spTree>
     <p:extLst>
       <p:ext uri="{BB962C8B-B14F-4D97-AF65-F5344CB8AC3E}">
-        <p14:creationId xmlns:p14="http://schemas.microsoft.com/office/powerpoint/2010/main" val="1491833786"/>
+        <p14:creationId xmlns:p14="http://schemas.microsoft.com/office/powerpoint/2010/main" val="3177022094"/>
       </p:ext>
     </p:extLst>
   </p:cSld>
@@ -3863,7 +7607,7 @@
           <p:cNvPr id="2" name="Заголовок 1">
             <a:extLst>
               <a:ext uri="{FF2B5EF4-FFF2-40B4-BE49-F238E27FC236}">
-                <a16:creationId xmlns:a16="http://schemas.microsoft.com/office/drawing/2014/main" id="{B25F285A-2F68-EFF9-F245-8A88D522D1E5}"/>
+                <a16:creationId xmlns:a16="http://schemas.microsoft.com/office/drawing/2014/main" id="{D90371FA-B1EB-79C8-5C0A-00924B304B01}"/>
               </a:ext>
             </a:extLst>
           </p:cNvPr>
@@ -3876,18 +7620,823 @@
         </p:nvSpPr>
         <p:spPr>
           <a:xfrm>
-            <a:off x="838200" y="2766218"/>
-            <a:ext cx="10515600" cy="1325563"/>
-          </a:xfrm>
-        </p:spPr>
-        <p:txBody>
-          <a:bodyPr/>
-          <a:lstStyle/>
-          <a:p>
-            <a:pPr algn="ctr"/>
+            <a:off x="2231135" y="355092"/>
+            <a:ext cx="7729728" cy="1188720"/>
+          </a:xfrm>
+        </p:spPr>
+        <p:txBody>
+          <a:bodyPr/>
+          <a:lstStyle/>
+          <a:p>
             <a:r>
               <a:rPr lang="ru-US" dirty="0"/>
-              <a:t>Спасибо за внимание</a:t>
+              <a:t>База данных</a:t>
+            </a:r>
+          </a:p>
+        </p:txBody>
+      </p:sp>
+      <p:pic>
+        <p:nvPicPr>
+          <p:cNvPr id="1026" name="Picture 2">
+            <a:extLst>
+              <a:ext uri="{FF2B5EF4-FFF2-40B4-BE49-F238E27FC236}">
+                <a16:creationId xmlns:a16="http://schemas.microsoft.com/office/drawing/2014/main" id="{A944A089-9CA5-967C-305A-5C7CF589036F}"/>
+              </a:ext>
+            </a:extLst>
+          </p:cNvPr>
+          <p:cNvPicPr>
+            <a:picLocks noGrp="1" noChangeAspect="1" noChangeArrowheads="1"/>
+          </p:cNvPicPr>
+          <p:nvPr>
+            <p:ph idx="1"/>
+          </p:nvPr>
+        </p:nvPicPr>
+        <p:blipFill>
+          <a:blip r:embed="rId2">
+            <a:extLst>
+              <a:ext uri="{28A0092B-C50C-407E-A947-70E740481C1C}">
+                <a14:useLocalDpi xmlns:a14="http://schemas.microsoft.com/office/drawing/2010/main" val="0"/>
+              </a:ext>
+            </a:extLst>
+          </a:blip>
+          <a:stretch>
+            <a:fillRect/>
+          </a:stretch>
+        </p:blipFill>
+        <p:spPr bwMode="auto">
+          <a:xfrm>
+            <a:off x="1992132" y="2017987"/>
+            <a:ext cx="8207735" cy="3817007"/>
+          </a:xfrm>
+          <a:prstGeom prst="rect">
+            <a:avLst/>
+          </a:prstGeom>
+          <a:noFill/>
+          <a:extLst>
+            <a:ext uri="{909E8E84-426E-40DD-AFC4-6F175D3DCCD1}">
+              <a14:hiddenFill xmlns:a14="http://schemas.microsoft.com/office/drawing/2010/main">
+                <a:solidFill>
+                  <a:srgbClr val="FFFFFF"/>
+                </a:solidFill>
+              </a14:hiddenFill>
+            </a:ext>
+          </a:extLst>
+        </p:spPr>
+      </p:pic>
+      <p:sp>
+        <p:nvSpPr>
+          <p:cNvPr id="5" name="Номер слайда 4">
+            <a:extLst>
+              <a:ext uri="{FF2B5EF4-FFF2-40B4-BE49-F238E27FC236}">
+                <a16:creationId xmlns:a16="http://schemas.microsoft.com/office/drawing/2014/main" id="{B4BBCA53-3797-9185-68EF-084E242DC6C0}"/>
+              </a:ext>
+            </a:extLst>
+          </p:cNvPr>
+          <p:cNvSpPr>
+            <a:spLocks noGrp="1"/>
+          </p:cNvSpPr>
+          <p:nvPr>
+            <p:ph type="sldNum" sz="quarter" idx="12"/>
+          </p:nvPr>
+        </p:nvSpPr>
+        <p:spPr/>
+        <p:txBody>
+          <a:bodyPr/>
+          <a:lstStyle/>
+          <a:p>
+            <a:fld id="{AFAF6365-899A-754A-8142-24B17376DE51}" type="slidenum">
+              <a:rPr lang="ru-US" smtClean="0"/>
+              <a:t>12</a:t>
+            </a:fld>
+            <a:r>
+              <a:rPr lang="ru-US" dirty="0"/>
+              <a:t>/15</a:t>
+            </a:r>
+          </a:p>
+        </p:txBody>
+      </p:sp>
+    </p:spTree>
+    <p:extLst>
+      <p:ext uri="{BB962C8B-B14F-4D97-AF65-F5344CB8AC3E}">
+        <p14:creationId xmlns:p14="http://schemas.microsoft.com/office/powerpoint/2010/main" val="1824271337"/>
+      </p:ext>
+    </p:extLst>
+  </p:cSld>
+  <p:clrMapOvr>
+    <a:masterClrMapping/>
+  </p:clrMapOvr>
+</p:sld>
+</file>
+
+<file path=ppt/slides/slide13.xml><?xml version="1.0" encoding="utf-8"?>
+<p:sld xmlns:a="http://schemas.openxmlformats.org/drawingml/2006/main" xmlns:r="http://schemas.openxmlformats.org/officeDocument/2006/relationships" xmlns:p="http://schemas.openxmlformats.org/presentationml/2006/main">
+  <p:cSld>
+    <p:spTree>
+      <p:nvGrpSpPr>
+        <p:cNvPr id="1" name=""/>
+        <p:cNvGrpSpPr/>
+        <p:nvPr/>
+      </p:nvGrpSpPr>
+      <p:grpSpPr>
+        <a:xfrm>
+          <a:off x="0" y="0"/>
+          <a:ext cx="0" cy="0"/>
+          <a:chOff x="0" y="0"/>
+          <a:chExt cx="0" cy="0"/>
+        </a:xfrm>
+      </p:grpSpPr>
+      <p:sp>
+        <p:nvSpPr>
+          <p:cNvPr id="2" name="Заголовок 1">
+            <a:extLst>
+              <a:ext uri="{FF2B5EF4-FFF2-40B4-BE49-F238E27FC236}">
+                <a16:creationId xmlns:a16="http://schemas.microsoft.com/office/drawing/2014/main" id="{DF93D6AB-EDB2-089A-35AC-A31DB8ECADCC}"/>
+              </a:ext>
+            </a:extLst>
+          </p:cNvPr>
+          <p:cNvSpPr>
+            <a:spLocks noGrp="1"/>
+          </p:cNvSpPr>
+          <p:nvPr>
+            <p:ph type="title"/>
+          </p:nvPr>
+        </p:nvSpPr>
+        <p:spPr>
+          <a:xfrm>
+            <a:off x="2231136" y="358636"/>
+            <a:ext cx="7729728" cy="1188720"/>
+          </a:xfrm>
+        </p:spPr>
+        <p:txBody>
+          <a:bodyPr/>
+          <a:lstStyle/>
+          <a:p>
+            <a:r>
+              <a:rPr lang="ru-US" dirty="0"/>
+              <a:t>Скриншоты</a:t>
+            </a:r>
+          </a:p>
+        </p:txBody>
+      </p:sp>
+      <p:pic>
+        <p:nvPicPr>
+          <p:cNvPr id="5" name="Объект 4">
+            <a:extLst>
+              <a:ext uri="{FF2B5EF4-FFF2-40B4-BE49-F238E27FC236}">
+                <a16:creationId xmlns:a16="http://schemas.microsoft.com/office/drawing/2014/main" id="{FB57B0AB-45EE-00C4-7767-A3F855259DD7}"/>
+              </a:ext>
+            </a:extLst>
+          </p:cNvPr>
+          <p:cNvPicPr>
+            <a:picLocks noGrp="1" noChangeAspect="1"/>
+          </p:cNvPicPr>
+          <p:nvPr>
+            <p:ph idx="1"/>
+          </p:nvPr>
+        </p:nvPicPr>
+        <p:blipFill>
+          <a:blip r:embed="rId2"/>
+          <a:stretch>
+            <a:fillRect/>
+          </a:stretch>
+        </p:blipFill>
+        <p:spPr>
+          <a:xfrm>
+            <a:off x="8355363" y="1811537"/>
+            <a:ext cx="1917035" cy="4260079"/>
+          </a:xfrm>
+        </p:spPr>
+      </p:pic>
+      <p:pic>
+        <p:nvPicPr>
+          <p:cNvPr id="13" name="Рисунок 12">
+            <a:extLst>
+              <a:ext uri="{FF2B5EF4-FFF2-40B4-BE49-F238E27FC236}">
+                <a16:creationId xmlns:a16="http://schemas.microsoft.com/office/drawing/2014/main" id="{618C661D-25E6-4737-F97C-EF06B1E0C4B4}"/>
+              </a:ext>
+            </a:extLst>
+          </p:cNvPr>
+          <p:cNvPicPr>
+            <a:picLocks noChangeAspect="1"/>
+          </p:cNvPicPr>
+          <p:nvPr/>
+        </p:nvPicPr>
+        <p:blipFill>
+          <a:blip r:embed="rId3"/>
+          <a:stretch>
+            <a:fillRect/>
+          </a:stretch>
+        </p:blipFill>
+        <p:spPr>
+          <a:xfrm>
+            <a:off x="5035540" y="1811540"/>
+            <a:ext cx="1917035" cy="4260076"/>
+          </a:xfrm>
+          <a:prstGeom prst="rect">
+            <a:avLst/>
+          </a:prstGeom>
+        </p:spPr>
+      </p:pic>
+      <p:pic>
+        <p:nvPicPr>
+          <p:cNvPr id="15" name="Рисунок 14">
+            <a:extLst>
+              <a:ext uri="{FF2B5EF4-FFF2-40B4-BE49-F238E27FC236}">
+                <a16:creationId xmlns:a16="http://schemas.microsoft.com/office/drawing/2014/main" id="{B20D2555-545A-7FD3-5512-9CA9B778F53F}"/>
+              </a:ext>
+            </a:extLst>
+          </p:cNvPr>
+          <p:cNvPicPr>
+            <a:picLocks noChangeAspect="1"/>
+          </p:cNvPicPr>
+          <p:nvPr/>
+        </p:nvPicPr>
+        <p:blipFill>
+          <a:blip r:embed="rId4"/>
+          <a:stretch>
+            <a:fillRect/>
+          </a:stretch>
+        </p:blipFill>
+        <p:spPr>
+          <a:xfrm>
+            <a:off x="1617387" y="1811537"/>
+            <a:ext cx="1917035" cy="4260078"/>
+          </a:xfrm>
+          <a:prstGeom prst="rect">
+            <a:avLst/>
+          </a:prstGeom>
+        </p:spPr>
+      </p:pic>
+      <p:sp>
+        <p:nvSpPr>
+          <p:cNvPr id="3" name="TextBox 2">
+            <a:extLst>
+              <a:ext uri="{FF2B5EF4-FFF2-40B4-BE49-F238E27FC236}">
+                <a16:creationId xmlns:a16="http://schemas.microsoft.com/office/drawing/2014/main" id="{AA989DA1-66AE-4125-1B4D-E4F87F11A4E5}"/>
+              </a:ext>
+            </a:extLst>
+          </p:cNvPr>
+          <p:cNvSpPr txBox="1"/>
+          <p:nvPr/>
+        </p:nvSpPr>
+        <p:spPr>
+          <a:xfrm>
+            <a:off x="1866929" y="6185654"/>
+            <a:ext cx="1417952" cy="369332"/>
+          </a:xfrm>
+          <a:prstGeom prst="rect">
+            <a:avLst/>
+          </a:prstGeom>
+          <a:noFill/>
+        </p:spPr>
+        <p:txBody>
+          <a:bodyPr wrap="none" rtlCol="0">
+            <a:spAutoFit/>
+          </a:bodyPr>
+          <a:lstStyle/>
+          <a:p>
+            <a:r>
+              <a:rPr lang="ru-RU" dirty="0"/>
+              <a:t>Экран входа</a:t>
+            </a:r>
+            <a:endParaRPr lang="ru-US" dirty="0"/>
+          </a:p>
+        </p:txBody>
+      </p:sp>
+      <p:sp>
+        <p:nvSpPr>
+          <p:cNvPr id="4" name="TextBox 3">
+            <a:extLst>
+              <a:ext uri="{FF2B5EF4-FFF2-40B4-BE49-F238E27FC236}">
+                <a16:creationId xmlns:a16="http://schemas.microsoft.com/office/drawing/2014/main" id="{2E8BA80C-34CB-2054-126E-F60A21C21B44}"/>
+              </a:ext>
+            </a:extLst>
+          </p:cNvPr>
+          <p:cNvSpPr txBox="1"/>
+          <p:nvPr/>
+        </p:nvSpPr>
+        <p:spPr>
+          <a:xfrm>
+            <a:off x="4938415" y="6185654"/>
+            <a:ext cx="2111284" cy="369332"/>
+          </a:xfrm>
+          <a:prstGeom prst="rect">
+            <a:avLst/>
+          </a:prstGeom>
+          <a:noFill/>
+        </p:spPr>
+        <p:txBody>
+          <a:bodyPr wrap="none" rtlCol="0">
+            <a:spAutoFit/>
+          </a:bodyPr>
+          <a:lstStyle/>
+          <a:p>
+            <a:r>
+              <a:rPr lang="ru-US" dirty="0"/>
+              <a:t>Экран регистрации</a:t>
+            </a:r>
+          </a:p>
+        </p:txBody>
+      </p:sp>
+      <p:sp>
+        <p:nvSpPr>
+          <p:cNvPr id="6" name="TextBox 5">
+            <a:extLst>
+              <a:ext uri="{FF2B5EF4-FFF2-40B4-BE49-F238E27FC236}">
+                <a16:creationId xmlns:a16="http://schemas.microsoft.com/office/drawing/2014/main" id="{2EF62A61-6F94-2E85-FAE0-A9D7E096D53B}"/>
+              </a:ext>
+            </a:extLst>
+          </p:cNvPr>
+          <p:cNvSpPr txBox="1"/>
+          <p:nvPr/>
+        </p:nvSpPr>
+        <p:spPr>
+          <a:xfrm>
+            <a:off x="8549087" y="6185654"/>
+            <a:ext cx="1529586" cy="369332"/>
+          </a:xfrm>
+          <a:prstGeom prst="rect">
+            <a:avLst/>
+          </a:prstGeom>
+          <a:noFill/>
+        </p:spPr>
+        <p:txBody>
+          <a:bodyPr wrap="none" rtlCol="0">
+            <a:spAutoFit/>
+          </a:bodyPr>
+          <a:lstStyle/>
+          <a:p>
+            <a:r>
+              <a:rPr lang="ru-US" dirty="0"/>
+              <a:t>Экран поиска</a:t>
+            </a:r>
+          </a:p>
+        </p:txBody>
+      </p:sp>
+      <p:sp>
+        <p:nvSpPr>
+          <p:cNvPr id="9" name="Номер слайда 8">
+            <a:extLst>
+              <a:ext uri="{FF2B5EF4-FFF2-40B4-BE49-F238E27FC236}">
+                <a16:creationId xmlns:a16="http://schemas.microsoft.com/office/drawing/2014/main" id="{FB9C16E1-03E1-AD55-21C3-146A316D6148}"/>
+              </a:ext>
+            </a:extLst>
+          </p:cNvPr>
+          <p:cNvSpPr>
+            <a:spLocks noGrp="1"/>
+          </p:cNvSpPr>
+          <p:nvPr>
+            <p:ph type="sldNum" sz="quarter" idx="12"/>
+          </p:nvPr>
+        </p:nvSpPr>
+        <p:spPr/>
+        <p:txBody>
+          <a:bodyPr/>
+          <a:lstStyle/>
+          <a:p>
+            <a:fld id="{AFAF6365-899A-754A-8142-24B17376DE51}" type="slidenum">
+              <a:rPr lang="ru-US" smtClean="0"/>
+              <a:t>13</a:t>
+            </a:fld>
+            <a:r>
+              <a:rPr lang="ru-US" dirty="0"/>
+              <a:t>/15</a:t>
+            </a:r>
+          </a:p>
+        </p:txBody>
+      </p:sp>
+    </p:spTree>
+    <p:extLst>
+      <p:ext uri="{BB962C8B-B14F-4D97-AF65-F5344CB8AC3E}">
+        <p14:creationId xmlns:p14="http://schemas.microsoft.com/office/powerpoint/2010/main" val="3546120318"/>
+      </p:ext>
+    </p:extLst>
+  </p:cSld>
+  <p:clrMapOvr>
+    <a:masterClrMapping/>
+  </p:clrMapOvr>
+</p:sld>
+</file>
+
+<file path=ppt/slides/slide14.xml><?xml version="1.0" encoding="utf-8"?>
+<p:sld xmlns:a="http://schemas.openxmlformats.org/drawingml/2006/main" xmlns:r="http://schemas.openxmlformats.org/officeDocument/2006/relationships" xmlns:p="http://schemas.openxmlformats.org/presentationml/2006/main">
+  <p:cSld>
+    <p:spTree>
+      <p:nvGrpSpPr>
+        <p:cNvPr id="1" name=""/>
+        <p:cNvGrpSpPr/>
+        <p:nvPr/>
+      </p:nvGrpSpPr>
+      <p:grpSpPr>
+        <a:xfrm>
+          <a:off x="0" y="0"/>
+          <a:ext cx="0" cy="0"/>
+          <a:chOff x="0" y="0"/>
+          <a:chExt cx="0" cy="0"/>
+        </a:xfrm>
+      </p:grpSpPr>
+      <p:sp>
+        <p:nvSpPr>
+          <p:cNvPr id="2" name="Заголовок 1">
+            <a:extLst>
+              <a:ext uri="{FF2B5EF4-FFF2-40B4-BE49-F238E27FC236}">
+                <a16:creationId xmlns:a16="http://schemas.microsoft.com/office/drawing/2014/main" id="{42AD9BC2-7DD3-AAB0-0120-5AEE3EA4C106}"/>
+              </a:ext>
+            </a:extLst>
+          </p:cNvPr>
+          <p:cNvSpPr>
+            <a:spLocks noGrp="1"/>
+          </p:cNvSpPr>
+          <p:nvPr>
+            <p:ph type="title"/>
+          </p:nvPr>
+        </p:nvSpPr>
+        <p:spPr>
+          <a:xfrm>
+            <a:off x="2231136" y="367284"/>
+            <a:ext cx="7729728" cy="1188720"/>
+          </a:xfrm>
+        </p:spPr>
+        <p:txBody>
+          <a:bodyPr/>
+          <a:lstStyle/>
+          <a:p>
+            <a:r>
+              <a:rPr lang="ru-US" dirty="0"/>
+              <a:t>Скриншоты 2</a:t>
+            </a:r>
+          </a:p>
+        </p:txBody>
+      </p:sp>
+      <p:pic>
+        <p:nvPicPr>
+          <p:cNvPr id="11" name="Объект 10">
+            <a:extLst>
+              <a:ext uri="{FF2B5EF4-FFF2-40B4-BE49-F238E27FC236}">
+                <a16:creationId xmlns:a16="http://schemas.microsoft.com/office/drawing/2014/main" id="{3E83D383-B076-0936-9280-CB99202AE8C9}"/>
+              </a:ext>
+            </a:extLst>
+          </p:cNvPr>
+          <p:cNvPicPr>
+            <a:picLocks noGrp="1" noChangeAspect="1"/>
+          </p:cNvPicPr>
+          <p:nvPr>
+            <p:ph idx="1"/>
+          </p:nvPr>
+        </p:nvPicPr>
+        <p:blipFill>
+          <a:blip r:embed="rId2"/>
+          <a:stretch>
+            <a:fillRect/>
+          </a:stretch>
+        </p:blipFill>
+        <p:spPr>
+          <a:xfrm>
+            <a:off x="7107937" y="1814575"/>
+            <a:ext cx="1901952" cy="4226562"/>
+          </a:xfrm>
+        </p:spPr>
+      </p:pic>
+      <p:pic>
+        <p:nvPicPr>
+          <p:cNvPr id="13" name="Рисунок 12">
+            <a:extLst>
+              <a:ext uri="{FF2B5EF4-FFF2-40B4-BE49-F238E27FC236}">
+                <a16:creationId xmlns:a16="http://schemas.microsoft.com/office/drawing/2014/main" id="{024F1044-84A0-C95D-4CE4-3AECAE1D3AB7}"/>
+              </a:ext>
+            </a:extLst>
+          </p:cNvPr>
+          <p:cNvPicPr>
+            <a:picLocks noChangeAspect="1"/>
+          </p:cNvPicPr>
+          <p:nvPr/>
+        </p:nvPicPr>
+        <p:blipFill>
+          <a:blip r:embed="rId3"/>
+          <a:stretch>
+            <a:fillRect/>
+          </a:stretch>
+        </p:blipFill>
+        <p:spPr>
+          <a:xfrm>
+            <a:off x="3182111" y="1814576"/>
+            <a:ext cx="1901952" cy="4226561"/>
+          </a:xfrm>
+          <a:prstGeom prst="rect">
+            <a:avLst/>
+          </a:prstGeom>
+        </p:spPr>
+      </p:pic>
+      <p:sp>
+        <p:nvSpPr>
+          <p:cNvPr id="3" name="TextBox 2">
+            <a:extLst>
+              <a:ext uri="{FF2B5EF4-FFF2-40B4-BE49-F238E27FC236}">
+                <a16:creationId xmlns:a16="http://schemas.microsoft.com/office/drawing/2014/main" id="{803D9266-A72B-4174-6F43-904EEE90B8BD}"/>
+              </a:ext>
+            </a:extLst>
+          </p:cNvPr>
+          <p:cNvSpPr txBox="1"/>
+          <p:nvPr/>
+        </p:nvSpPr>
+        <p:spPr>
+          <a:xfrm>
+            <a:off x="3494932" y="6316211"/>
+            <a:ext cx="1276311" cy="369332"/>
+          </a:xfrm>
+          <a:prstGeom prst="rect">
+            <a:avLst/>
+          </a:prstGeom>
+          <a:noFill/>
+        </p:spPr>
+        <p:txBody>
+          <a:bodyPr wrap="none" rtlCol="0">
+            <a:spAutoFit/>
+          </a:bodyPr>
+          <a:lstStyle/>
+          <a:p>
+            <a:r>
+              <a:rPr lang="en-US" dirty="0"/>
+              <a:t>QR-</a:t>
+            </a:r>
+            <a:r>
+              <a:rPr lang="ru-US" dirty="0"/>
+              <a:t>сканер</a:t>
+            </a:r>
+          </a:p>
+        </p:txBody>
+      </p:sp>
+      <p:sp>
+        <p:nvSpPr>
+          <p:cNvPr id="4" name="TextBox 3">
+            <a:extLst>
+              <a:ext uri="{FF2B5EF4-FFF2-40B4-BE49-F238E27FC236}">
+                <a16:creationId xmlns:a16="http://schemas.microsoft.com/office/drawing/2014/main" id="{7975D95D-066D-A2D6-F572-AE047EE00870}"/>
+              </a:ext>
+            </a:extLst>
+          </p:cNvPr>
+          <p:cNvSpPr txBox="1"/>
+          <p:nvPr/>
+        </p:nvSpPr>
+        <p:spPr>
+          <a:xfrm>
+            <a:off x="7049823" y="6316211"/>
+            <a:ext cx="2018181" cy="369332"/>
+          </a:xfrm>
+          <a:prstGeom prst="rect">
+            <a:avLst/>
+          </a:prstGeom>
+          <a:noFill/>
+        </p:spPr>
+        <p:txBody>
+          <a:bodyPr wrap="none" rtlCol="0">
+            <a:spAutoFit/>
+          </a:bodyPr>
+          <a:lstStyle/>
+          <a:p>
+            <a:r>
+              <a:rPr lang="ru-US" dirty="0"/>
+              <a:t>Экран параметров</a:t>
+            </a:r>
+          </a:p>
+        </p:txBody>
+      </p:sp>
+      <p:sp>
+        <p:nvSpPr>
+          <p:cNvPr id="7" name="Номер слайда 6">
+            <a:extLst>
+              <a:ext uri="{FF2B5EF4-FFF2-40B4-BE49-F238E27FC236}">
+                <a16:creationId xmlns:a16="http://schemas.microsoft.com/office/drawing/2014/main" id="{69E5C8F6-D852-38B4-F6AE-7C034B332DCB}"/>
+              </a:ext>
+            </a:extLst>
+          </p:cNvPr>
+          <p:cNvSpPr>
+            <a:spLocks noGrp="1"/>
+          </p:cNvSpPr>
+          <p:nvPr>
+            <p:ph type="sldNum" sz="quarter" idx="12"/>
+          </p:nvPr>
+        </p:nvSpPr>
+        <p:spPr/>
+        <p:txBody>
+          <a:bodyPr/>
+          <a:lstStyle/>
+          <a:p>
+            <a:fld id="{AFAF6365-899A-754A-8142-24B17376DE51}" type="slidenum">
+              <a:rPr lang="ru-US" smtClean="0"/>
+              <a:t>14</a:t>
+            </a:fld>
+            <a:r>
+              <a:rPr lang="ru-US" dirty="0"/>
+              <a:t>/15</a:t>
+            </a:r>
+          </a:p>
+        </p:txBody>
+      </p:sp>
+    </p:spTree>
+    <p:extLst>
+      <p:ext uri="{BB962C8B-B14F-4D97-AF65-F5344CB8AC3E}">
+        <p14:creationId xmlns:p14="http://schemas.microsoft.com/office/powerpoint/2010/main" val="1763053011"/>
+      </p:ext>
+    </p:extLst>
+  </p:cSld>
+  <p:clrMapOvr>
+    <a:masterClrMapping/>
+  </p:clrMapOvr>
+</p:sld>
+</file>
+
+<file path=ppt/slides/slide15.xml><?xml version="1.0" encoding="utf-8"?>
+<p:sld xmlns:a="http://schemas.openxmlformats.org/drawingml/2006/main" xmlns:r="http://schemas.openxmlformats.org/officeDocument/2006/relationships" xmlns:p="http://schemas.openxmlformats.org/presentationml/2006/main">
+  <p:cSld>
+    <p:spTree>
+      <p:nvGrpSpPr>
+        <p:cNvPr id="1" name=""/>
+        <p:cNvGrpSpPr/>
+        <p:nvPr/>
+      </p:nvGrpSpPr>
+      <p:grpSpPr>
+        <a:xfrm>
+          <a:off x="0" y="0"/>
+          <a:ext cx="0" cy="0"/>
+          <a:chOff x="0" y="0"/>
+          <a:chExt cx="0" cy="0"/>
+        </a:xfrm>
+      </p:grpSpPr>
+      <p:sp>
+        <p:nvSpPr>
+          <p:cNvPr id="6" name="Заголовок 1">
+            <a:extLst>
+              <a:ext uri="{FF2B5EF4-FFF2-40B4-BE49-F238E27FC236}">
+                <a16:creationId xmlns:a16="http://schemas.microsoft.com/office/drawing/2014/main" id="{E9080F67-2668-135B-BBB0-62F3761AACF5}"/>
+              </a:ext>
+            </a:extLst>
+          </p:cNvPr>
+          <p:cNvSpPr txBox="1">
+            <a:spLocks/>
+          </p:cNvSpPr>
+          <p:nvPr/>
+        </p:nvSpPr>
+        <p:spPr bwMode="black">
+          <a:xfrm>
+            <a:off x="2231135" y="355092"/>
+            <a:ext cx="7729728" cy="1188720"/>
+          </a:xfrm>
+          <a:prstGeom prst="rect">
+            <a:avLst/>
+          </a:prstGeom>
+          <a:solidFill>
+            <a:srgbClr val="FFFFFF"/>
+          </a:solidFill>
+          <a:ln w="31750" cap="sq">
+            <a:solidFill>
+              <a:srgbClr val="404040"/>
+            </a:solidFill>
+            <a:miter lim="800000"/>
+          </a:ln>
+        </p:spPr>
+        <p:txBody>
+          <a:bodyPr vert="horz" lIns="182880" tIns="182880" rIns="182880" bIns="182880" rtlCol="0" anchor="ctr">
+            <a:normAutofit/>
+          </a:bodyPr>
+          <a:lstStyle>
+            <a:lvl1pPr algn="ctr" defTabSz="914400" rtl="0" eaLnBrk="1" latinLnBrk="0" hangingPunct="1">
+              <a:lnSpc>
+                <a:spcPct val="90000"/>
+              </a:lnSpc>
+              <a:spcBef>
+                <a:spcPct val="0"/>
+              </a:spcBef>
+              <a:buNone/>
+              <a:defRPr sz="2800" kern="1200" cap="all" spc="200" baseline="0">
+                <a:solidFill>
+                  <a:srgbClr val="262626"/>
+                </a:solidFill>
+                <a:latin typeface="+mj-lt"/>
+                <a:ea typeface="+mj-ea"/>
+                <a:cs typeface="+mj-cs"/>
+              </a:defRPr>
+            </a:lvl1pPr>
+          </a:lstStyle>
+          <a:p>
+            <a:r>
+              <a:rPr lang="ru-US" dirty="0"/>
+              <a:t>Заключение</a:t>
+            </a:r>
+          </a:p>
+        </p:txBody>
+      </p:sp>
+      <p:sp>
+        <p:nvSpPr>
+          <p:cNvPr id="7" name="Объект 2">
+            <a:extLst>
+              <a:ext uri="{FF2B5EF4-FFF2-40B4-BE49-F238E27FC236}">
+                <a16:creationId xmlns:a16="http://schemas.microsoft.com/office/drawing/2014/main" id="{F0941C11-2C47-A294-359A-8373486B5CED}"/>
+              </a:ext>
+            </a:extLst>
+          </p:cNvPr>
+          <p:cNvSpPr>
+            <a:spLocks noGrp="1"/>
+          </p:cNvSpPr>
+          <p:nvPr>
+            <p:ph idx="1"/>
+          </p:nvPr>
+        </p:nvSpPr>
+        <p:spPr>
+          <a:xfrm>
+            <a:off x="2231136" y="1797216"/>
+            <a:ext cx="7729728" cy="4497257"/>
+          </a:xfrm>
+        </p:spPr>
+        <p:txBody>
+          <a:bodyPr>
+            <a:normAutofit/>
+          </a:bodyPr>
+          <a:lstStyle/>
+          <a:p>
+            <a:r>
+              <a:rPr lang="ru-RU" sz="2800" dirty="0">
+                <a:latin typeface="Times New Roman" panose="02020603050405020304" pitchFamily="18" charset="0"/>
+                <a:cs typeface="Times New Roman" panose="02020603050405020304" pitchFamily="18" charset="0"/>
+              </a:rPr>
+              <a:t>Разработана база данных.</a:t>
+            </a:r>
+          </a:p>
+          <a:p>
+            <a:r>
+              <a:rPr lang="ru-RU" sz="2800" dirty="0">
+                <a:latin typeface="Times New Roman" panose="02020603050405020304" pitchFamily="18" charset="0"/>
+                <a:cs typeface="Times New Roman" panose="02020603050405020304" pitchFamily="18" charset="0"/>
+              </a:rPr>
+              <a:t>Разработана серверная часть.</a:t>
+            </a:r>
+          </a:p>
+          <a:p>
+            <a:r>
+              <a:rPr lang="ru-RU" sz="2800" dirty="0">
+                <a:latin typeface="Times New Roman" panose="02020603050405020304" pitchFamily="18" charset="0"/>
+                <a:cs typeface="Times New Roman" panose="02020603050405020304" pitchFamily="18" charset="0"/>
+              </a:rPr>
+              <a:t>Разработано мобильное приложение.</a:t>
+            </a:r>
+          </a:p>
+          <a:p>
+            <a:r>
+              <a:rPr lang="ru-RU" sz="2800" dirty="0">
+                <a:latin typeface="Times New Roman" panose="02020603050405020304" pitchFamily="18" charset="0"/>
+                <a:cs typeface="Times New Roman" panose="02020603050405020304" pitchFamily="18" charset="0"/>
+              </a:rPr>
+              <a:t>Создано безопасное общение между клиентом и сервером.</a:t>
+            </a:r>
+          </a:p>
+          <a:p>
+            <a:r>
+              <a:rPr lang="ru-RU" sz="2800" dirty="0">
+                <a:latin typeface="Times New Roman" panose="02020603050405020304" pitchFamily="18" charset="0"/>
+                <a:cs typeface="Times New Roman" panose="02020603050405020304" pitchFamily="18" charset="0"/>
+              </a:rPr>
+              <a:t>Протестировано взаимодействие между клиентом и сервером.</a:t>
+            </a:r>
+          </a:p>
+          <a:p>
+            <a:r>
+              <a:rPr lang="ru-RU" sz="2800" dirty="0">
+                <a:latin typeface="Times New Roman" panose="02020603050405020304" pitchFamily="18" charset="0"/>
+                <a:cs typeface="Times New Roman" panose="02020603050405020304" pitchFamily="18" charset="0"/>
+              </a:rPr>
+              <a:t>Создана контейнерная инфраструктура.</a:t>
+            </a:r>
+          </a:p>
+        </p:txBody>
+      </p:sp>
+      <p:sp>
+        <p:nvSpPr>
+          <p:cNvPr id="4" name="Номер слайда 3">
+            <a:extLst>
+              <a:ext uri="{FF2B5EF4-FFF2-40B4-BE49-F238E27FC236}">
+                <a16:creationId xmlns:a16="http://schemas.microsoft.com/office/drawing/2014/main" id="{86A8057C-6037-AF5D-F6C8-C29E4BDF7117}"/>
+              </a:ext>
+            </a:extLst>
+          </p:cNvPr>
+          <p:cNvSpPr>
+            <a:spLocks noGrp="1"/>
+          </p:cNvSpPr>
+          <p:nvPr>
+            <p:ph type="sldNum" sz="quarter" idx="12"/>
+          </p:nvPr>
+        </p:nvSpPr>
+        <p:spPr/>
+        <p:txBody>
+          <a:bodyPr/>
+          <a:lstStyle/>
+          <a:p>
+            <a:fld id="{AFAF6365-899A-754A-8142-24B17376DE51}" type="slidenum">
+              <a:rPr lang="ru-US" smtClean="0"/>
+              <a:t>15</a:t>
+            </a:fld>
+            <a:r>
+              <a:rPr lang="ru-US" dirty="0"/>
+              <a:t>/15</a:t>
             </a:r>
           </a:p>
         </p:txBody>
@@ -3938,7 +8487,12 @@
             <p:ph type="title"/>
           </p:nvPr>
         </p:nvSpPr>
-        <p:spPr/>
+        <p:spPr>
+          <a:xfrm>
+            <a:off x="2231134" y="361507"/>
+            <a:ext cx="7729728" cy="1188720"/>
+          </a:xfrm>
+        </p:spPr>
         <p:txBody>
           <a:bodyPr/>
           <a:lstStyle/>
@@ -3948,7 +8502,7 @@
                 <a:latin typeface="Times New Roman" panose="02020603050405020304" pitchFamily="18" charset="0"/>
                 <a:cs typeface="Times New Roman" panose="02020603050405020304" pitchFamily="18" charset="0"/>
               </a:rPr>
-              <a:t>Цели</a:t>
+              <a:t>Цели и задачи</a:t>
             </a:r>
             <a:endParaRPr lang="ru-US" dirty="0"/>
           </a:p>
@@ -3970,40 +8524,76 @@
             <p:ph idx="1"/>
           </p:nvPr>
         </p:nvSpPr>
-        <p:spPr/>
-        <p:txBody>
-          <a:bodyPr/>
-          <a:lstStyle/>
-          <a:p>
-            <a:r>
-              <a:rPr lang="ru-RU" dirty="0">
+        <p:spPr>
+          <a:xfrm>
+            <a:off x="1821710" y="1836743"/>
+            <a:ext cx="8548577" cy="4776708"/>
+          </a:xfrm>
+        </p:spPr>
+        <p:txBody>
+          <a:bodyPr>
+            <a:normAutofit/>
+          </a:bodyPr>
+          <a:lstStyle/>
+          <a:p>
+            <a:r>
+              <a:rPr lang="ru-RU" sz="2800" dirty="0">
                 <a:latin typeface="Times New Roman" panose="02020603050405020304" pitchFamily="18" charset="0"/>
                 <a:cs typeface="Times New Roman" panose="02020603050405020304" pitchFamily="18" charset="0"/>
               </a:rPr>
-              <a:t>Целью данной выпускной квалификационной работы (ВКР) является разработка – мобильного приложения для автоматизации учёта метрологического оборудования в лаборатории</a:t>
-            </a:r>
-          </a:p>
-          <a:p>
-            <a:pPr algn="l"/>
-            <a:r>
-              <a:rPr lang="ru-RU" dirty="0">
+              <a:t>Разработка клиент-серверного мобильного приложения для нормоконтроля и хранения информации о метрологическом оборудовании для испытательной лаборатории ООО «Фаворит».</a:t>
+            </a:r>
+          </a:p>
+          <a:p>
+            <a:r>
+              <a:rPr lang="ru-RU" sz="2800" dirty="0">
                 <a:latin typeface="Times New Roman" panose="02020603050405020304" pitchFamily="18" charset="0"/>
                 <a:cs typeface="Times New Roman" panose="02020603050405020304" pitchFamily="18" charset="0"/>
               </a:rPr>
-              <a:t>Программное средство разрабатывается по заказу ООО «Фаворит»</a:t>
-            </a:r>
-          </a:p>
-          <a:p>
-            <a:r>
-              <a:rPr lang="ru-RU" dirty="0">
+              <a:t>Программное средство разработано по заказу ООО «Фаворит».</a:t>
+            </a:r>
+          </a:p>
+          <a:p>
+            <a:r>
+              <a:rPr lang="ru-RU" sz="2800" dirty="0">
                 <a:latin typeface="Times New Roman" panose="02020603050405020304" pitchFamily="18" charset="0"/>
                 <a:cs typeface="Times New Roman" panose="02020603050405020304" pitchFamily="18" charset="0"/>
               </a:rPr>
-              <a:t>Программное средство разрабатывается под руководством Соколова А.С. – технического руководителя.</a:t>
-            </a:r>
-          </a:p>
-          <a:p>
-            <a:endParaRPr lang="ru-US" dirty="0"/>
+              <a:t>Программное средство разработано под руководством Соколова А.С. – технического руководителя.</a:t>
+            </a:r>
+            <a:endParaRPr lang="ru-US" sz="2800" dirty="0"/>
+          </a:p>
+        </p:txBody>
+      </p:sp>
+      <p:sp>
+        <p:nvSpPr>
+          <p:cNvPr id="6" name="Номер слайда 5">
+            <a:extLst>
+              <a:ext uri="{FF2B5EF4-FFF2-40B4-BE49-F238E27FC236}">
+                <a16:creationId xmlns:a16="http://schemas.microsoft.com/office/drawing/2014/main" id="{83F5667C-F4F2-98F2-3370-A7BFB08D867A}"/>
+              </a:ext>
+            </a:extLst>
+          </p:cNvPr>
+          <p:cNvSpPr>
+            <a:spLocks noGrp="1"/>
+          </p:cNvSpPr>
+          <p:nvPr>
+            <p:ph type="sldNum" sz="quarter" idx="12"/>
+          </p:nvPr>
+        </p:nvSpPr>
+        <p:spPr/>
+        <p:txBody>
+          <a:bodyPr/>
+          <a:lstStyle/>
+          <a:p>
+            <a:fld id="{AFAF6365-899A-754A-8142-24B17376DE51}" type="slidenum">
+              <a:rPr lang="ru-US" smtClean="0"/>
+              <a:t>2</a:t>
+            </a:fld>
+            <a:r>
+              <a:rPr lang="ru-US" dirty="0"/>
+              <a:t>/15</a:t>
+            </a:r>
           </a:p>
         </p:txBody>
       </p:sp>
@@ -4042,7 +8632,7 @@
           <p:cNvPr id="2" name="Заголовок 1">
             <a:extLst>
               <a:ext uri="{FF2B5EF4-FFF2-40B4-BE49-F238E27FC236}">
-                <a16:creationId xmlns:a16="http://schemas.microsoft.com/office/drawing/2014/main" id="{6C314195-54BE-6E41-A92F-4C3584A3EF21}"/>
+                <a16:creationId xmlns:a16="http://schemas.microsoft.com/office/drawing/2014/main" id="{37B15E2A-86D2-8758-D0E2-1F4735EB9713}"/>
               </a:ext>
             </a:extLst>
           </p:cNvPr>
@@ -4053,7 +8643,12 @@
             <p:ph type="title"/>
           </p:nvPr>
         </p:nvSpPr>
-        <p:spPr/>
+        <p:spPr>
+          <a:xfrm>
+            <a:off x="2231136" y="358635"/>
+            <a:ext cx="7729728" cy="1188720"/>
+          </a:xfrm>
+        </p:spPr>
         <p:txBody>
           <a:bodyPr/>
           <a:lstStyle/>
@@ -4063,7 +8658,7 @@
                 <a:latin typeface="Times New Roman" panose="02020603050405020304" pitchFamily="18" charset="0"/>
                 <a:cs typeface="Times New Roman" panose="02020603050405020304" pitchFamily="18" charset="0"/>
               </a:rPr>
-              <a:t>Необходимые цели</a:t>
+              <a:t>Актуальность</a:t>
             </a:r>
           </a:p>
         </p:txBody>
@@ -4073,7 +8668,7 @@
           <p:cNvPr id="3" name="Объект 2">
             <a:extLst>
               <a:ext uri="{FF2B5EF4-FFF2-40B4-BE49-F238E27FC236}">
-                <a16:creationId xmlns:a16="http://schemas.microsoft.com/office/drawing/2014/main" id="{D74E2696-BE27-A307-AB84-B619CD5329FE}"/>
+                <a16:creationId xmlns:a16="http://schemas.microsoft.com/office/drawing/2014/main" id="{C3418611-72E9-FC42-6A23-055514198E96}"/>
               </a:ext>
             </a:extLst>
           </p:cNvPr>
@@ -4084,87 +8679,69 @@
             <p:ph idx="1"/>
           </p:nvPr>
         </p:nvSpPr>
+        <p:spPr>
+          <a:xfrm>
+            <a:off x="2231136" y="1797216"/>
+            <a:ext cx="7729728" cy="3101983"/>
+          </a:xfrm>
+        </p:spPr>
+        <p:txBody>
+          <a:bodyPr>
+            <a:normAutofit/>
+          </a:bodyPr>
+          <a:lstStyle/>
+          <a:p>
+            <a:r>
+              <a:rPr lang="ru-RU" sz="2800" dirty="0"/>
+              <a:t>Приложение обеспечивает оптимизацию процессов, повышение эффективности и качества контроля за оборудованием, а также предлагает удобный поиск и интеграцию </a:t>
+            </a:r>
+            <a:r>
+              <a:rPr lang="en-US" sz="2800" dirty="0"/>
+              <a:t>QR</a:t>
+            </a:r>
+            <a:r>
+              <a:rPr lang="ru-RU" sz="2800" dirty="0"/>
+              <a:t>-кодов для упрощения доступа и управления данными.</a:t>
+            </a:r>
+          </a:p>
+        </p:txBody>
+      </p:sp>
+      <p:sp>
+        <p:nvSpPr>
+          <p:cNvPr id="6" name="Номер слайда 5">
+            <a:extLst>
+              <a:ext uri="{FF2B5EF4-FFF2-40B4-BE49-F238E27FC236}">
+                <a16:creationId xmlns:a16="http://schemas.microsoft.com/office/drawing/2014/main" id="{DA1C9DE1-D7A8-B19B-817B-893A56338E24}"/>
+              </a:ext>
+            </a:extLst>
+          </p:cNvPr>
+          <p:cNvSpPr>
+            <a:spLocks noGrp="1"/>
+          </p:cNvSpPr>
+          <p:nvPr>
+            <p:ph type="sldNum" sz="quarter" idx="12"/>
+          </p:nvPr>
+        </p:nvSpPr>
         <p:spPr/>
         <p:txBody>
           <a:bodyPr/>
           <a:lstStyle/>
           <a:p>
-            <a:r>
-              <a:rPr lang="ru-RU" b="0" i="0" dirty="0">
-                <a:effectLst/>
-                <a:latin typeface="Times New Roman" panose="02020603050405020304" pitchFamily="18" charset="0"/>
-                <a:cs typeface="Times New Roman" panose="02020603050405020304" pitchFamily="18" charset="0"/>
-              </a:rPr>
-              <a:t>Проектирование и разработка базы данных для хранения и управления данными.</a:t>
-            </a:r>
-            <a:endParaRPr lang="en-US" b="0" i="0" dirty="0">
-              <a:effectLst/>
-              <a:latin typeface="Times New Roman" panose="02020603050405020304" pitchFamily="18" charset="0"/>
-              <a:cs typeface="Times New Roman" panose="02020603050405020304" pitchFamily="18" charset="0"/>
-            </a:endParaRPr>
-          </a:p>
-          <a:p>
-            <a:r>
-              <a:rPr lang="ru-RU" b="0" i="0" dirty="0">
-                <a:effectLst/>
-                <a:latin typeface="Times New Roman" panose="02020603050405020304" pitchFamily="18" charset="0"/>
-                <a:cs typeface="Times New Roman" panose="02020603050405020304" pitchFamily="18" charset="0"/>
-              </a:rPr>
-              <a:t>Разработка мобильного приложения</a:t>
-            </a:r>
-          </a:p>
-          <a:p>
-            <a:r>
-              <a:rPr lang="ru-US" dirty="0">
-                <a:latin typeface="Times New Roman" panose="02020603050405020304" pitchFamily="18" charset="0"/>
-                <a:cs typeface="Times New Roman" panose="02020603050405020304" pitchFamily="18" charset="0"/>
-              </a:rPr>
-              <a:t>Реализация серверной части</a:t>
-            </a:r>
-            <a:endParaRPr lang="ru-RU" b="0" i="0" dirty="0">
-              <a:effectLst/>
-              <a:latin typeface="Times New Roman" panose="02020603050405020304" pitchFamily="18" charset="0"/>
-              <a:cs typeface="Times New Roman" panose="02020603050405020304" pitchFamily="18" charset="0"/>
-            </a:endParaRPr>
-          </a:p>
-          <a:p>
-            <a:r>
-              <a:rPr lang="ru-RU" b="0" i="0" dirty="0">
-                <a:effectLst/>
-                <a:latin typeface="Times New Roman" panose="02020603050405020304" pitchFamily="18" charset="0"/>
-                <a:cs typeface="Times New Roman" panose="02020603050405020304" pitchFamily="18" charset="0"/>
-              </a:rPr>
-              <a:t>Создание </a:t>
-            </a:r>
-            <a:r>
-              <a:rPr lang="en-US" b="0" i="0" dirty="0">
-                <a:effectLst/>
-                <a:latin typeface="Times New Roman" panose="02020603050405020304" pitchFamily="18" charset="0"/>
-                <a:cs typeface="Times New Roman" panose="02020603050405020304" pitchFamily="18" charset="0"/>
-              </a:rPr>
-              <a:t>API </a:t>
-            </a:r>
-            <a:r>
-              <a:rPr lang="ru-RU" b="0" i="0" dirty="0">
-                <a:effectLst/>
-                <a:latin typeface="Times New Roman" panose="02020603050405020304" pitchFamily="18" charset="0"/>
-                <a:cs typeface="Times New Roman" panose="02020603050405020304" pitchFamily="18" charset="0"/>
-              </a:rPr>
-              <a:t>для взаимодействия мобильного приложения с сервером.</a:t>
-            </a:r>
-          </a:p>
-          <a:p>
-            <a:endParaRPr lang="ru-US" dirty="0">
-              <a:latin typeface="Times New Roman" panose="02020603050405020304" pitchFamily="18" charset="0"/>
-              <a:cs typeface="Times New Roman" panose="02020603050405020304" pitchFamily="18" charset="0"/>
-            </a:endParaRPr>
+            <a:fld id="{AFAF6365-899A-754A-8142-24B17376DE51}" type="slidenum">
+              <a:rPr lang="ru-US" smtClean="0"/>
+              <a:t>3</a:t>
+            </a:fld>
+            <a:r>
+              <a:rPr lang="ru-US" dirty="0"/>
+              <a:t>/15</a:t>
+            </a:r>
           </a:p>
         </p:txBody>
       </p:sp>
     </p:spTree>
     <p:extLst>
       <p:ext uri="{BB962C8B-B14F-4D97-AF65-F5344CB8AC3E}">
-        <p14:creationId xmlns:p14="http://schemas.microsoft.com/office/powerpoint/2010/main" val="1475966634"/>
+        <p14:creationId xmlns:p14="http://schemas.microsoft.com/office/powerpoint/2010/main" val="985045164"/>
       </p:ext>
     </p:extLst>
   </p:cSld>
@@ -4196,7 +8773,7 @@
           <p:cNvPr id="2" name="Заголовок 1">
             <a:extLst>
               <a:ext uri="{FF2B5EF4-FFF2-40B4-BE49-F238E27FC236}">
-                <a16:creationId xmlns:a16="http://schemas.microsoft.com/office/drawing/2014/main" id="{DBE76DA4-8F78-0EBA-E7C6-85572378409F}"/>
+                <a16:creationId xmlns:a16="http://schemas.microsoft.com/office/drawing/2014/main" id="{F761D87F-765C-26D6-CD4F-4A7DAF249B3A}"/>
               </a:ext>
             </a:extLst>
           </p:cNvPr>
@@ -4207,89 +8784,124 @@
             <p:ph type="title"/>
           </p:nvPr>
         </p:nvSpPr>
+        <p:spPr>
+          <a:xfrm>
+            <a:off x="2213632" y="357594"/>
+            <a:ext cx="7729728" cy="1188720"/>
+          </a:xfrm>
+        </p:spPr>
+        <p:txBody>
+          <a:bodyPr/>
+          <a:lstStyle/>
+          <a:p>
+            <a:r>
+              <a:rPr lang="ru-US" dirty="0"/>
+              <a:t>Аналог</a:t>
+            </a:r>
+          </a:p>
+        </p:txBody>
+      </p:sp>
+      <p:pic>
+        <p:nvPicPr>
+          <p:cNvPr id="5" name="Объект 4">
+            <a:extLst>
+              <a:ext uri="{FF2B5EF4-FFF2-40B4-BE49-F238E27FC236}">
+                <a16:creationId xmlns:a16="http://schemas.microsoft.com/office/drawing/2014/main" id="{B1E53BE2-ACD1-1867-0B13-480582518611}"/>
+              </a:ext>
+            </a:extLst>
+          </p:cNvPr>
+          <p:cNvPicPr>
+            <a:picLocks noGrp="1" noChangeAspect="1"/>
+          </p:cNvPicPr>
+          <p:nvPr>
+            <p:ph idx="1"/>
+          </p:nvPr>
+        </p:nvPicPr>
+        <p:blipFill>
+          <a:blip r:embed="rId2"/>
+          <a:stretch>
+            <a:fillRect/>
+          </a:stretch>
+        </p:blipFill>
+        <p:spPr>
+          <a:xfrm>
+            <a:off x="1741446" y="1791077"/>
+            <a:ext cx="8674100" cy="4279900"/>
+          </a:xfrm>
+        </p:spPr>
+      </p:pic>
+      <p:sp>
+        <p:nvSpPr>
+          <p:cNvPr id="7" name="TextBox 6">
+            <a:extLst>
+              <a:ext uri="{FF2B5EF4-FFF2-40B4-BE49-F238E27FC236}">
+                <a16:creationId xmlns:a16="http://schemas.microsoft.com/office/drawing/2014/main" id="{3D7F72CB-6472-2CC4-1B4C-8A01B9FDFBA8}"/>
+              </a:ext>
+            </a:extLst>
+          </p:cNvPr>
+          <p:cNvSpPr txBox="1"/>
+          <p:nvPr/>
+        </p:nvSpPr>
+        <p:spPr>
+          <a:xfrm>
+            <a:off x="5612599" y="6304252"/>
+            <a:ext cx="931795" cy="369332"/>
+          </a:xfrm>
+          <a:prstGeom prst="rect">
+            <a:avLst/>
+          </a:prstGeom>
+          <a:noFill/>
+        </p:spPr>
+        <p:txBody>
+          <a:bodyPr wrap="none" rtlCol="0">
+            <a:spAutoFit/>
+          </a:bodyPr>
+          <a:lstStyle/>
+          <a:p>
+            <a:pPr algn="ctr"/>
+            <a:r>
+              <a:rPr lang="ru-US" dirty="0"/>
+              <a:t>АСОМИ</a:t>
+            </a:r>
+          </a:p>
+        </p:txBody>
+      </p:sp>
+      <p:sp>
+        <p:nvSpPr>
+          <p:cNvPr id="6" name="Номер слайда 5">
+            <a:extLst>
+              <a:ext uri="{FF2B5EF4-FFF2-40B4-BE49-F238E27FC236}">
+                <a16:creationId xmlns:a16="http://schemas.microsoft.com/office/drawing/2014/main" id="{8D9236B6-4125-659B-CACA-32B48EFF6AFF}"/>
+              </a:ext>
+            </a:extLst>
+          </p:cNvPr>
+          <p:cNvSpPr>
+            <a:spLocks noGrp="1"/>
+          </p:cNvSpPr>
+          <p:nvPr>
+            <p:ph type="sldNum" sz="quarter" idx="12"/>
+          </p:nvPr>
+        </p:nvSpPr>
         <p:spPr/>
         <p:txBody>
           <a:bodyPr/>
           <a:lstStyle/>
           <a:p>
-            <a:r>
-              <a:rPr lang="ru-US" dirty="0">
-                <a:latin typeface="Times New Roman" panose="02020603050405020304" pitchFamily="18" charset="0"/>
-                <a:cs typeface="Times New Roman" panose="02020603050405020304" pitchFamily="18" charset="0"/>
-              </a:rPr>
-              <a:t>Дополнительный цели</a:t>
-            </a:r>
-          </a:p>
-        </p:txBody>
-      </p:sp>
-      <p:sp>
-        <p:nvSpPr>
-          <p:cNvPr id="3" name="Объект 2">
-            <a:extLst>
-              <a:ext uri="{FF2B5EF4-FFF2-40B4-BE49-F238E27FC236}">
-                <a16:creationId xmlns:a16="http://schemas.microsoft.com/office/drawing/2014/main" id="{D3E68A9E-C384-02C5-CD24-4925C0F10D52}"/>
-              </a:ext>
-            </a:extLst>
-          </p:cNvPr>
-          <p:cNvSpPr>
-            <a:spLocks noGrp="1"/>
-          </p:cNvSpPr>
-          <p:nvPr>
-            <p:ph idx="1"/>
-          </p:nvPr>
-        </p:nvSpPr>
-        <p:spPr/>
-        <p:txBody>
-          <a:bodyPr/>
-          <a:lstStyle/>
-          <a:p>
-            <a:r>
-              <a:rPr lang="ru-RU" b="0" i="0" dirty="0">
-                <a:effectLst/>
-                <a:latin typeface="Times New Roman" panose="02020603050405020304" pitchFamily="18" charset="0"/>
-                <a:cs typeface="Times New Roman" panose="02020603050405020304" pitchFamily="18" charset="0"/>
-              </a:rPr>
-              <a:t>Внедрение контейнеризации с использованием </a:t>
-            </a:r>
-            <a:r>
-              <a:rPr lang="en-US" b="0" i="0" dirty="0">
-                <a:effectLst/>
-                <a:latin typeface="Times New Roman" panose="02020603050405020304" pitchFamily="18" charset="0"/>
-                <a:cs typeface="Times New Roman" panose="02020603050405020304" pitchFamily="18" charset="0"/>
-              </a:rPr>
-              <a:t>Docker </a:t>
-            </a:r>
-            <a:r>
-              <a:rPr lang="ru-RU" b="0" i="0" dirty="0">
-                <a:effectLst/>
-                <a:latin typeface="Times New Roman" panose="02020603050405020304" pitchFamily="18" charset="0"/>
-                <a:cs typeface="Times New Roman" panose="02020603050405020304" pitchFamily="18" charset="0"/>
-              </a:rPr>
-              <a:t>для обеспечения эффективного разворачивания и масштабирования бэкенд-системы.</a:t>
-            </a:r>
-            <a:endParaRPr lang="en-US" b="0" i="0" dirty="0">
-              <a:effectLst/>
-              <a:latin typeface="Times New Roman" panose="02020603050405020304" pitchFamily="18" charset="0"/>
-              <a:cs typeface="Times New Roman" panose="02020603050405020304" pitchFamily="18" charset="0"/>
-            </a:endParaRPr>
-          </a:p>
-          <a:p>
-            <a:r>
-              <a:rPr lang="ru-RU" b="0" i="0" dirty="0">
-                <a:effectLst/>
-                <a:latin typeface="Times New Roman" panose="02020603050405020304" pitchFamily="18" charset="0"/>
-                <a:cs typeface="Times New Roman" panose="02020603050405020304" pitchFamily="18" charset="0"/>
-              </a:rPr>
-              <a:t>Внедрение мер по защите конфиденциальной информации.</a:t>
-            </a:r>
-            <a:endParaRPr lang="ru-US" dirty="0"/>
+            <a:fld id="{AFAF6365-899A-754A-8142-24B17376DE51}" type="slidenum">
+              <a:rPr lang="ru-US" smtClean="0"/>
+              <a:t>4</a:t>
+            </a:fld>
+            <a:r>
+              <a:rPr lang="ru-US" dirty="0"/>
+              <a:t>/15</a:t>
+            </a:r>
           </a:p>
         </p:txBody>
       </p:sp>
     </p:spTree>
     <p:extLst>
       <p:ext uri="{BB962C8B-B14F-4D97-AF65-F5344CB8AC3E}">
-        <p14:creationId xmlns:p14="http://schemas.microsoft.com/office/powerpoint/2010/main" val="295997062"/>
+        <p14:creationId xmlns:p14="http://schemas.microsoft.com/office/powerpoint/2010/main" val="1309250536"/>
       </p:ext>
     </p:extLst>
   </p:cSld>
@@ -4321,7 +8933,7 @@
           <p:cNvPr id="2" name="Заголовок 1">
             <a:extLst>
               <a:ext uri="{FF2B5EF4-FFF2-40B4-BE49-F238E27FC236}">
-                <a16:creationId xmlns:a16="http://schemas.microsoft.com/office/drawing/2014/main" id="{37B15E2A-86D2-8758-D0E2-1F4735EB9713}"/>
+                <a16:creationId xmlns:a16="http://schemas.microsoft.com/office/drawing/2014/main" id="{94953515-4C1E-B752-87DD-4FBCD4139341}"/>
               </a:ext>
             </a:extLst>
           </p:cNvPr>
@@ -4332,66 +8944,84 @@
             <p:ph type="title"/>
           </p:nvPr>
         </p:nvSpPr>
-        <p:spPr/>
-        <p:txBody>
-          <a:bodyPr/>
-          <a:lstStyle/>
-          <a:p>
-            <a:r>
-              <a:rPr lang="ru-US" dirty="0">
+        <p:spPr>
+          <a:xfrm>
+            <a:off x="2231136" y="365125"/>
+            <a:ext cx="7729728" cy="1188720"/>
+          </a:xfrm>
+        </p:spPr>
+        <p:txBody>
+          <a:bodyPr/>
+          <a:lstStyle/>
+          <a:p>
+            <a:r>
+              <a:rPr lang="ru-RU" dirty="0">
                 <a:latin typeface="Times New Roman" panose="02020603050405020304" pitchFamily="18" charset="0"/>
                 <a:cs typeface="Times New Roman" panose="02020603050405020304" pitchFamily="18" charset="0"/>
               </a:rPr>
-              <a:t>Актуальность</a:t>
-            </a:r>
-          </a:p>
-        </p:txBody>
-      </p:sp>
-      <p:sp>
-        <p:nvSpPr>
-          <p:cNvPr id="3" name="Объект 2">
-            <a:extLst>
-              <a:ext uri="{FF2B5EF4-FFF2-40B4-BE49-F238E27FC236}">
-                <a16:creationId xmlns:a16="http://schemas.microsoft.com/office/drawing/2014/main" id="{C3418611-72E9-FC42-6A23-055514198E96}"/>
-              </a:ext>
-            </a:extLst>
-          </p:cNvPr>
-          <p:cNvSpPr>
-            <a:spLocks noGrp="1"/>
-          </p:cNvSpPr>
+              <a:t>Диаграмма вариантов</a:t>
+            </a:r>
+            <a:endParaRPr lang="ru-US" dirty="0"/>
+          </a:p>
+        </p:txBody>
+      </p:sp>
+      <p:pic>
+        <p:nvPicPr>
+          <p:cNvPr id="13" name="Объект 12">
+            <a:extLst>
+              <a:ext uri="{FF2B5EF4-FFF2-40B4-BE49-F238E27FC236}">
+                <a16:creationId xmlns:a16="http://schemas.microsoft.com/office/drawing/2014/main" id="{F7A0902D-4BEF-9FC7-46DD-C1CB752C5760}"/>
+              </a:ext>
+            </a:extLst>
+          </p:cNvPr>
+          <p:cNvPicPr>
+            <a:picLocks noGrp="1" noChangeAspect="1"/>
+          </p:cNvPicPr>
           <p:nvPr>
             <p:ph idx="1"/>
           </p:nvPr>
+        </p:nvPicPr>
+        <p:blipFill>
+          <a:blip r:embed="rId2"/>
+          <a:stretch>
+            <a:fillRect/>
+          </a:stretch>
+        </p:blipFill>
+        <p:spPr>
+          <a:xfrm>
+            <a:off x="2317134" y="1747105"/>
+            <a:ext cx="7557732" cy="4745770"/>
+          </a:xfrm>
+        </p:spPr>
+      </p:pic>
+      <p:sp>
+        <p:nvSpPr>
+          <p:cNvPr id="5" name="Номер слайда 4">
+            <a:extLst>
+              <a:ext uri="{FF2B5EF4-FFF2-40B4-BE49-F238E27FC236}">
+                <a16:creationId xmlns:a16="http://schemas.microsoft.com/office/drawing/2014/main" id="{AC1CE2FC-2561-C1DE-5411-4603C3EBDA19}"/>
+              </a:ext>
+            </a:extLst>
+          </p:cNvPr>
+          <p:cNvSpPr>
+            <a:spLocks noGrp="1"/>
+          </p:cNvSpPr>
+          <p:nvPr>
+            <p:ph type="sldNum" sz="quarter" idx="12"/>
+          </p:nvPr>
         </p:nvSpPr>
         <p:spPr/>
         <p:txBody>
           <a:bodyPr/>
           <a:lstStyle/>
           <a:p>
-            <a:pPr algn="l"/>
-            <a:r>
-              <a:rPr lang="ru-RU" b="0" i="0" dirty="0">
-                <a:effectLst/>
-                <a:latin typeface="Times New Roman" panose="02020603050405020304" pitchFamily="18" charset="0"/>
-                <a:cs typeface="Times New Roman" panose="02020603050405020304" pitchFamily="18" charset="0"/>
-              </a:rPr>
-              <a:t>Приложение обеспечивает оптимизацию процессов, повышение эффективности и качества контроля за оборудованием. Приложение обеспечивает автоматизацию учета, графиков поверок, уведомлений о предстоящих проверках </a:t>
-            </a:r>
-            <a:r>
-              <a:rPr lang="ru-RU" b="0" i="0">
-                <a:effectLst/>
-                <a:latin typeface="Times New Roman" panose="02020603050405020304" pitchFamily="18" charset="0"/>
-                <a:cs typeface="Times New Roman" panose="02020603050405020304" pitchFamily="18" charset="0"/>
-              </a:rPr>
-              <a:t>и аттестаций, </a:t>
-            </a:r>
-            <a:r>
-              <a:rPr lang="ru-RU" b="0" i="0" dirty="0">
-                <a:effectLst/>
-                <a:latin typeface="Times New Roman" panose="02020603050405020304" pitchFamily="18" charset="0"/>
-                <a:cs typeface="Times New Roman" panose="02020603050405020304" pitchFamily="18" charset="0"/>
-              </a:rPr>
-              <a:t>что снижает риски ошибок, упущений сроков и повышает прозрачность деятельности лаборатории.</a:t>
+            <a:fld id="{AFAF6365-899A-754A-8142-24B17376DE51}" type="slidenum">
+              <a:rPr lang="ru-US" smtClean="0"/>
+              <a:t>5</a:t>
+            </a:fld>
+            <a:r>
+              <a:rPr lang="ru-US" dirty="0"/>
+              <a:t>/15</a:t>
             </a:r>
           </a:p>
         </p:txBody>
@@ -4399,7 +9029,7 @@
     </p:spTree>
     <p:extLst>
       <p:ext uri="{BB962C8B-B14F-4D97-AF65-F5344CB8AC3E}">
-        <p14:creationId xmlns:p14="http://schemas.microsoft.com/office/powerpoint/2010/main" val="985045164"/>
+        <p14:creationId xmlns:p14="http://schemas.microsoft.com/office/powerpoint/2010/main" val="230328997"/>
       </p:ext>
     </p:extLst>
   </p:cSld>
@@ -4431,7 +9061,7 @@
           <p:cNvPr id="2" name="Заголовок 1">
             <a:extLst>
               <a:ext uri="{FF2B5EF4-FFF2-40B4-BE49-F238E27FC236}">
-                <a16:creationId xmlns:a16="http://schemas.microsoft.com/office/drawing/2014/main" id="{F761D87F-765C-26D6-CD4F-4A7DAF249B3A}"/>
+                <a16:creationId xmlns:a16="http://schemas.microsoft.com/office/drawing/2014/main" id="{1E395597-5B5D-DE68-6A39-ED0993DBDE1B}"/>
               </a:ext>
             </a:extLst>
           </p:cNvPr>
@@ -4442,151 +9072,249 @@
             <p:ph type="title"/>
           </p:nvPr>
         </p:nvSpPr>
-        <p:spPr/>
-        <p:txBody>
-          <a:bodyPr/>
-          <a:lstStyle/>
-          <a:p>
-            <a:r>
-              <a:rPr lang="ru-US" dirty="0"/>
-              <a:t>Аналог</a:t>
-            </a:r>
+        <p:spPr>
+          <a:xfrm>
+            <a:off x="2231136" y="359559"/>
+            <a:ext cx="7729728" cy="1188720"/>
+          </a:xfrm>
+        </p:spPr>
+        <p:txBody>
+          <a:bodyPr/>
+          <a:lstStyle/>
+          <a:p>
+            <a:r>
+              <a:rPr lang="ru-RU" dirty="0">
+                <a:latin typeface="Times New Roman" panose="02020603050405020304" pitchFamily="18" charset="0"/>
+                <a:cs typeface="Times New Roman" panose="02020603050405020304" pitchFamily="18" charset="0"/>
+              </a:rPr>
+              <a:t>Средства разработки</a:t>
+            </a:r>
+            <a:endParaRPr lang="ru-US" dirty="0"/>
           </a:p>
         </p:txBody>
       </p:sp>
       <p:pic>
         <p:nvPicPr>
-          <p:cNvPr id="5" name="Объект 4">
-            <a:extLst>
-              <a:ext uri="{FF2B5EF4-FFF2-40B4-BE49-F238E27FC236}">
-                <a16:creationId xmlns:a16="http://schemas.microsoft.com/office/drawing/2014/main" id="{B1E53BE2-ACD1-1867-0B13-480582518611}"/>
+          <p:cNvPr id="8" name="Рисунок 7">
+            <a:extLst>
+              <a:ext uri="{FF2B5EF4-FFF2-40B4-BE49-F238E27FC236}">
+                <a16:creationId xmlns:a16="http://schemas.microsoft.com/office/drawing/2014/main" id="{C1F3E568-F059-6970-FEF8-056F37B45EBB}"/>
               </a:ext>
             </a:extLst>
           </p:cNvPr>
           <p:cNvPicPr>
-            <a:picLocks noGrp="1" noChangeAspect="1"/>
+            <a:picLocks noChangeAspect="1"/>
           </p:cNvPicPr>
-          <p:nvPr>
-            <p:ph idx="1"/>
-          </p:nvPr>
+          <p:nvPr/>
         </p:nvPicPr>
         <p:blipFill>
-          <a:blip r:embed="rId2"/>
+          <a:blip r:embed="rId2">
+            <a:extLst>
+              <a:ext uri="{BEBA8EAE-BF5A-486C-A8C5-ECC9F3942E4B}">
+                <a14:imgProps xmlns:a14="http://schemas.microsoft.com/office/drawing/2010/main">
+                  <a14:imgLayer r:embed="rId3">
+                    <a14:imgEffect>
+                      <a14:backgroundRemoval t="7617" b="91400" l="8506" r="90000">
+                        <a14:foregroundMark x1="36092" y1="22482" x2="36092" y2="22482"/>
+                        <a14:foregroundMark x1="32414" y1="30835" x2="32414" y2="30835"/>
+                        <a14:foregroundMark x1="32414" y1="30835" x2="59540" y2="37715"/>
+                        <a14:foregroundMark x1="59540" y1="37715" x2="28046" y2="33784"/>
+                        <a14:foregroundMark x1="28046" y1="33784" x2="40115" y2="74201"/>
+                        <a14:foregroundMark x1="40115" y1="74201" x2="68506" y2="65356"/>
+                        <a14:foregroundMark x1="68506" y1="65356" x2="60000" y2="29730"/>
+                        <a14:foregroundMark x1="60000" y1="29730" x2="32989" y2="37592"/>
+                        <a14:foregroundMark x1="32989" y1="37592" x2="34023" y2="70025"/>
+                        <a14:foregroundMark x1="34023" y1="70025" x2="63678" y2="71253"/>
+                        <a14:foregroundMark x1="63678" y1="71253" x2="71149" y2="37224"/>
+                        <a14:foregroundMark x1="71149" y1="37224" x2="45977" y2="17568"/>
+                        <a14:foregroundMark x1="45977" y1="17568" x2="19655" y2="26536"/>
+                        <a14:foregroundMark x1="19655" y1="26536" x2="17471" y2="33170"/>
+                        <a14:foregroundMark x1="23218" y1="16339" x2="12184" y2="43366"/>
+                        <a14:foregroundMark x1="12184" y1="43366" x2="12184" y2="72236"/>
+                        <a14:foregroundMark x1="12184" y1="72236" x2="35402" y2="89066"/>
+                        <a14:foregroundMark x1="35402" y1="89066" x2="63448" y2="88084"/>
+                        <a14:foregroundMark x1="63448" y1="88084" x2="81264" y2="65479"/>
+                        <a14:foregroundMark x1="81264" y1="65479" x2="80805" y2="37346"/>
+                        <a14:foregroundMark x1="80805" y1="37346" x2="67816" y2="11057"/>
+                        <a14:foregroundMark x1="67816" y1="11057" x2="39425" y2="7617"/>
+                        <a14:foregroundMark x1="39425" y1="7617" x2="14138" y2="12654"/>
+                        <a14:foregroundMark x1="14138" y1="12654" x2="8506" y2="31450"/>
+                        <a14:foregroundMark x1="50000" y1="45823" x2="46897" y2="19902"/>
+                        <a14:foregroundMark x1="44023" y1="53931" x2="55057" y2="52211"/>
+                        <a14:foregroundMark x1="68966" y1="91523" x2="23448" y2="91523"/>
+                        <a14:foregroundMark x1="22299" y1="7740" x2="48621" y2="7617"/>
+                        <a14:foregroundMark x1="48621" y1="7617" x2="72644" y2="7740"/>
+                      </a14:backgroundRemoval>
+                    </a14:imgEffect>
+                  </a14:imgLayer>
+                </a14:imgProps>
+              </a:ext>
+            </a:extLst>
+          </a:blip>
           <a:stretch>
             <a:fillRect/>
           </a:stretch>
         </p:blipFill>
         <p:spPr>
           <a:xfrm>
-            <a:off x="1758950" y="1690688"/>
-            <a:ext cx="8674100" cy="4279900"/>
-          </a:xfrm>
-        </p:spPr>
-      </p:pic>
-      <p:sp>
-        <p:nvSpPr>
-          <p:cNvPr id="7" name="TextBox 6">
-            <a:extLst>
-              <a:ext uri="{FF2B5EF4-FFF2-40B4-BE49-F238E27FC236}">
-                <a16:creationId xmlns:a16="http://schemas.microsoft.com/office/drawing/2014/main" id="{3D7F72CB-6472-2CC4-1B4C-8A01B9FDFBA8}"/>
-              </a:ext>
-            </a:extLst>
-          </p:cNvPr>
-          <p:cNvSpPr txBox="1"/>
-          <p:nvPr/>
-        </p:nvSpPr>
-        <p:spPr>
-          <a:xfrm>
-            <a:off x="5612599" y="6315740"/>
-            <a:ext cx="931795" cy="369332"/>
+            <a:off x="6036529" y="2569345"/>
+            <a:ext cx="1860322" cy="1740578"/>
           </a:xfrm>
           <a:prstGeom prst="rect">
             <a:avLst/>
           </a:prstGeom>
-          <a:noFill/>
-        </p:spPr>
-        <p:txBody>
-          <a:bodyPr wrap="none" rtlCol="0">
-            <a:spAutoFit/>
-          </a:bodyPr>
-          <a:lstStyle/>
-          <a:p>
-            <a:pPr algn="ctr"/>
-            <a:r>
-              <a:rPr lang="ru-US" dirty="0"/>
-              <a:t>АСОМИ</a:t>
-            </a:r>
-          </a:p>
-        </p:txBody>
-      </p:sp>
-    </p:spTree>
-    <p:extLst>
-      <p:ext uri="{BB962C8B-B14F-4D97-AF65-F5344CB8AC3E}">
-        <p14:creationId xmlns:p14="http://schemas.microsoft.com/office/powerpoint/2010/main" val="1309250536"/>
-      </p:ext>
-    </p:extLst>
-  </p:cSld>
-  <p:clrMapOvr>
-    <a:masterClrMapping/>
-  </p:clrMapOvr>
-</p:sld>
-</file>
-
-<file path=ppt/slides/slide7.xml><?xml version="1.0" encoding="utf-8"?>
-<p:sld xmlns:a="http://schemas.openxmlformats.org/drawingml/2006/main" xmlns:r="http://schemas.openxmlformats.org/officeDocument/2006/relationships" xmlns:p="http://schemas.openxmlformats.org/presentationml/2006/main">
-  <p:cSld>
-    <p:spTree>
-      <p:nvGrpSpPr>
-        <p:cNvPr id="1" name=""/>
-        <p:cNvGrpSpPr/>
-        <p:nvPr/>
-      </p:nvGrpSpPr>
-      <p:grpSpPr>
-        <a:xfrm>
-          <a:off x="0" y="0"/>
-          <a:ext cx="0" cy="0"/>
-          <a:chOff x="0" y="0"/>
-          <a:chExt cx="0" cy="0"/>
-        </a:xfrm>
-      </p:grpSpPr>
-      <p:sp>
-        <p:nvSpPr>
-          <p:cNvPr id="2" name="Заголовок 1">
-            <a:extLst>
-              <a:ext uri="{FF2B5EF4-FFF2-40B4-BE49-F238E27FC236}">
-                <a16:creationId xmlns:a16="http://schemas.microsoft.com/office/drawing/2014/main" id="{1E395597-5B5D-DE68-6A39-ED0993DBDE1B}"/>
-              </a:ext>
-            </a:extLst>
-          </p:cNvPr>
-          <p:cNvSpPr>
-            <a:spLocks noGrp="1"/>
-          </p:cNvSpPr>
-          <p:nvPr>
-            <p:ph type="title"/>
-          </p:nvPr>
-        </p:nvSpPr>
-        <p:spPr/>
-        <p:txBody>
-          <a:bodyPr/>
-          <a:lstStyle/>
-          <a:p>
-            <a:r>
-              <a:rPr lang="ru-RU" dirty="0">
-                <a:latin typeface="Times New Roman" panose="02020603050405020304" pitchFamily="18" charset="0"/>
-                <a:cs typeface="Times New Roman" panose="02020603050405020304" pitchFamily="18" charset="0"/>
-              </a:rPr>
-              <a:t>Средства разработки</a:t>
-            </a:r>
-            <a:endParaRPr lang="ru-US" dirty="0"/>
-          </a:p>
-        </p:txBody>
-      </p:sp>
-      <p:sp>
-        <p:nvSpPr>
-          <p:cNvPr id="4" name="TextBox 1">
-            <a:extLst>
-              <a:ext uri="{FF2B5EF4-FFF2-40B4-BE49-F238E27FC236}">
-                <a16:creationId xmlns:a16="http://schemas.microsoft.com/office/drawing/2014/main" id="{99C51350-A6C3-C26E-B4EE-0849A1A97BCE}"/>
+        </p:spPr>
+      </p:pic>
+      <p:pic>
+        <p:nvPicPr>
+          <p:cNvPr id="10" name="Рисунок 9">
+            <a:extLst>
+              <a:ext uri="{FF2B5EF4-FFF2-40B4-BE49-F238E27FC236}">
+                <a16:creationId xmlns:a16="http://schemas.microsoft.com/office/drawing/2014/main" id="{51B4D716-A149-E315-A0EA-9213842DE510}"/>
+              </a:ext>
+            </a:extLst>
+          </p:cNvPr>
+          <p:cNvPicPr>
+            <a:picLocks noChangeAspect="1"/>
+          </p:cNvPicPr>
+          <p:nvPr/>
+        </p:nvPicPr>
+        <p:blipFill>
+          <a:blip r:embed="rId4" cstate="print">
+            <a:extLst>
+              <a:ext uri="{28A0092B-C50C-407E-A947-70E740481C1C}">
+                <a14:useLocalDpi xmlns:a14="http://schemas.microsoft.com/office/drawing/2010/main" val="0"/>
+              </a:ext>
+            </a:extLst>
+          </a:blip>
+          <a:stretch>
+            <a:fillRect/>
+          </a:stretch>
+        </p:blipFill>
+        <p:spPr>
+          <a:xfrm>
+            <a:off x="343231" y="2753750"/>
+            <a:ext cx="1371769" cy="1371769"/>
+          </a:xfrm>
+          <a:prstGeom prst="rect">
+            <a:avLst/>
+          </a:prstGeom>
+        </p:spPr>
+      </p:pic>
+      <p:pic>
+        <p:nvPicPr>
+          <p:cNvPr id="17" name="Рисунок 16">
+            <a:extLst>
+              <a:ext uri="{FF2B5EF4-FFF2-40B4-BE49-F238E27FC236}">
+                <a16:creationId xmlns:a16="http://schemas.microsoft.com/office/drawing/2014/main" id="{C813947A-54F6-F124-2383-9F77447F04AB}"/>
+              </a:ext>
+            </a:extLst>
+          </p:cNvPr>
+          <p:cNvPicPr>
+            <a:picLocks noChangeAspect="1"/>
+          </p:cNvPicPr>
+          <p:nvPr/>
+        </p:nvPicPr>
+        <p:blipFill>
+          <a:blip r:embed="rId5" cstate="print">
+            <a:extLst>
+              <a:ext uri="{28A0092B-C50C-407E-A947-70E740481C1C}">
+                <a14:useLocalDpi xmlns:a14="http://schemas.microsoft.com/office/drawing/2010/main" val="0"/>
+              </a:ext>
+            </a:extLst>
+          </a:blip>
+          <a:stretch>
+            <a:fillRect/>
+          </a:stretch>
+        </p:blipFill>
+        <p:spPr>
+          <a:xfrm>
+            <a:off x="2269718" y="2689077"/>
+            <a:ext cx="1370646" cy="1501114"/>
+          </a:xfrm>
+          <a:prstGeom prst="rect">
+            <a:avLst/>
+          </a:prstGeom>
+        </p:spPr>
+      </p:pic>
+      <p:pic>
+        <p:nvPicPr>
+          <p:cNvPr id="18" name="Рисунок 17">
+            <a:extLst>
+              <a:ext uri="{FF2B5EF4-FFF2-40B4-BE49-F238E27FC236}">
+                <a16:creationId xmlns:a16="http://schemas.microsoft.com/office/drawing/2014/main" id="{EB157D86-24F1-25F7-BD3C-A14AD01224FA}"/>
+              </a:ext>
+            </a:extLst>
+          </p:cNvPr>
+          <p:cNvPicPr>
+            <a:picLocks noChangeAspect="1"/>
+          </p:cNvPicPr>
+          <p:nvPr/>
+        </p:nvPicPr>
+        <p:blipFill>
+          <a:blip r:embed="rId6" cstate="print">
+            <a:extLst>
+              <a:ext uri="{28A0092B-C50C-407E-A947-70E740481C1C}">
+                <a14:useLocalDpi xmlns:a14="http://schemas.microsoft.com/office/drawing/2010/main" val="0"/>
+              </a:ext>
+            </a:extLst>
+          </a:blip>
+          <a:stretch>
+            <a:fillRect/>
+          </a:stretch>
+        </p:blipFill>
+        <p:spPr>
+          <a:xfrm>
+            <a:off x="4247294" y="2783142"/>
+            <a:ext cx="1312985" cy="1312985"/>
+          </a:xfrm>
+          <a:prstGeom prst="rect">
+            <a:avLst/>
+          </a:prstGeom>
+        </p:spPr>
+      </p:pic>
+      <p:pic>
+        <p:nvPicPr>
+          <p:cNvPr id="20" name="Рисунок 19">
+            <a:extLst>
+              <a:ext uri="{FF2B5EF4-FFF2-40B4-BE49-F238E27FC236}">
+                <a16:creationId xmlns:a16="http://schemas.microsoft.com/office/drawing/2014/main" id="{A51EF9E9-809A-7A89-0639-4F23DFC432E3}"/>
+              </a:ext>
+            </a:extLst>
+          </p:cNvPr>
+          <p:cNvPicPr>
+            <a:picLocks noChangeAspect="1"/>
+          </p:cNvPicPr>
+          <p:nvPr/>
+        </p:nvPicPr>
+        <p:blipFill>
+          <a:blip r:embed="rId7" cstate="print">
+            <a:extLst>
+              <a:ext uri="{28A0092B-C50C-407E-A947-70E740481C1C}">
+                <a14:useLocalDpi xmlns:a14="http://schemas.microsoft.com/office/drawing/2010/main" val="0"/>
+              </a:ext>
+            </a:extLst>
+          </a:blip>
+          <a:stretch>
+            <a:fillRect/>
+          </a:stretch>
+        </p:blipFill>
+        <p:spPr>
+          <a:xfrm>
+            <a:off x="10254077" y="2861753"/>
+            <a:ext cx="1600406" cy="1155762"/>
+          </a:xfrm>
+          <a:prstGeom prst="rect">
+            <a:avLst/>
+          </a:prstGeom>
+        </p:spPr>
+      </p:pic>
+      <p:sp>
+        <p:nvSpPr>
+          <p:cNvPr id="21" name="TextBox 6">
+            <a:extLst>
+              <a:ext uri="{FF2B5EF4-FFF2-40B4-BE49-F238E27FC236}">
+                <a16:creationId xmlns:a16="http://schemas.microsoft.com/office/drawing/2014/main" id="{1FD3BEB9-7E82-08B1-76D8-923E19AF21F4}"/>
               </a:ext>
             </a:extLst>
           </p:cNvPr>
@@ -4595,8 +9323,8 @@
         </p:nvSpPr>
         <p:spPr>
           <a:xfrm>
-            <a:off x="3565344" y="2974071"/>
-            <a:ext cx="851515" cy="369332"/>
+            <a:off x="287899" y="4212608"/>
+            <a:ext cx="1482433" cy="584775"/>
           </a:xfrm>
           <a:prstGeom prst="rect">
             <a:avLst/>
@@ -4616,7 +9344,7 @@
           <a:fontRef idx="major"/>
         </p:style>
         <p:txBody>
-          <a:bodyPr wrap="none" rtlCol="0">
+          <a:bodyPr wrap="square" rtlCol="0">
             <a:spAutoFit/>
           </a:bodyPr>
           <a:lstStyle>
@@ -4685,22 +9413,28 @@
             </a:lvl9pPr>
           </a:lstStyle>
           <a:p>
-            <a:r>
-              <a:rPr lang="en-US" dirty="0">
-                <a:latin typeface="Times New Roman" panose="02020603050405020304" pitchFamily="18" charset="0"/>
-                <a:cs typeface="Times New Roman" panose="02020603050405020304" pitchFamily="18" charset="0"/>
-              </a:rPr>
-              <a:t>SQLite</a:t>
-            </a:r>
-          </a:p>
-        </p:txBody>
-      </p:sp>
-      <p:sp>
-        <p:nvSpPr>
-          <p:cNvPr id="5" name="TextBox 2">
-            <a:extLst>
-              <a:ext uri="{FF2B5EF4-FFF2-40B4-BE49-F238E27FC236}">
-                <a16:creationId xmlns:a16="http://schemas.microsoft.com/office/drawing/2014/main" id="{3F19CC4D-A054-9B89-20EA-56C2F7D9CEB1}"/>
+            <a:pPr algn="ctr"/>
+            <a:r>
+              <a:rPr lang="en-US" sz="1600" dirty="0"/>
+              <a:t>PyCharm PE</a:t>
+            </a:r>
+          </a:p>
+          <a:p>
+            <a:pPr algn="ctr"/>
+            <a:r>
+              <a:rPr lang="en-US" sz="1600" dirty="0"/>
+              <a:t>2024.1.1</a:t>
+            </a:r>
+            <a:endParaRPr lang="ru-RU" sz="1600" dirty="0"/>
+          </a:p>
+        </p:txBody>
+      </p:sp>
+      <p:sp>
+        <p:nvSpPr>
+          <p:cNvPr id="22" name="TextBox 7">
+            <a:extLst>
+              <a:ext uri="{FF2B5EF4-FFF2-40B4-BE49-F238E27FC236}">
+                <a16:creationId xmlns:a16="http://schemas.microsoft.com/office/drawing/2014/main" id="{5C6BB3A5-D2D2-2888-9C40-5FC4ADA8CE80}"/>
               </a:ext>
             </a:extLst>
           </p:cNvPr>
@@ -4709,8 +9443,8 @@
         </p:nvSpPr>
         <p:spPr>
           <a:xfrm>
-            <a:off x="3565344" y="3312366"/>
-            <a:ext cx="774571" cy="369332"/>
+            <a:off x="2316486" y="4212608"/>
+            <a:ext cx="1277111" cy="584775"/>
           </a:xfrm>
           <a:prstGeom prst="rect">
             <a:avLst/>
@@ -4730,7 +9464,7 @@
           <a:fontRef idx="major"/>
         </p:style>
         <p:txBody>
-          <a:bodyPr wrap="none" rtlCol="0">
+          <a:bodyPr wrap="square" rtlCol="0">
             <a:spAutoFit/>
           </a:bodyPr>
           <a:lstStyle>
@@ -4799,82 +9533,28 @@
             </a:lvl9pPr>
           </a:lstStyle>
           <a:p>
-            <a:r>
-              <a:rPr lang="ru-US" dirty="0">
-                <a:latin typeface="Times New Roman" panose="02020603050405020304" pitchFamily="18" charset="0"/>
-                <a:cs typeface="Times New Roman" panose="02020603050405020304" pitchFamily="18" charset="0"/>
-              </a:rPr>
-              <a:t>3.44.2</a:t>
-            </a:r>
-          </a:p>
-        </p:txBody>
-      </p:sp>
-      <p:pic>
-        <p:nvPicPr>
-          <p:cNvPr id="6" name="Рисунок 5">
-            <a:extLst>
-              <a:ext uri="{FF2B5EF4-FFF2-40B4-BE49-F238E27FC236}">
-                <a16:creationId xmlns:a16="http://schemas.microsoft.com/office/drawing/2014/main" id="{A4F258BF-B14B-11AB-4827-BF966AE8AD27}"/>
-              </a:ext>
-            </a:extLst>
-          </p:cNvPr>
-          <p:cNvPicPr>
-            <a:picLocks noChangeAspect="1"/>
-          </p:cNvPicPr>
-          <p:nvPr/>
-        </p:nvPicPr>
-        <p:blipFill>
-          <a:blip r:embed="rId2"/>
-          <a:stretch>
-            <a:fillRect/>
-          </a:stretch>
-        </p:blipFill>
-        <p:spPr>
-          <a:xfrm>
-            <a:off x="2878666" y="1907538"/>
-            <a:ext cx="2147929" cy="1016910"/>
-          </a:xfrm>
-          <a:prstGeom prst="rect">
-            <a:avLst/>
-          </a:prstGeom>
-        </p:spPr>
-      </p:pic>
-      <p:pic>
-        <p:nvPicPr>
-          <p:cNvPr id="7" name="Рисунок 6">
-            <a:extLst>
-              <a:ext uri="{FF2B5EF4-FFF2-40B4-BE49-F238E27FC236}">
-                <a16:creationId xmlns:a16="http://schemas.microsoft.com/office/drawing/2014/main" id="{BECD60D3-C1B5-BEA4-C44E-CAF2DA325845}"/>
-              </a:ext>
-            </a:extLst>
-          </p:cNvPr>
-          <p:cNvPicPr>
-            <a:picLocks noChangeAspect="1"/>
-          </p:cNvPicPr>
-          <p:nvPr/>
-        </p:nvPicPr>
-        <p:blipFill>
-          <a:blip r:embed="rId3"/>
-          <a:stretch>
-            <a:fillRect/>
-          </a:stretch>
-        </p:blipFill>
-        <p:spPr>
-          <a:xfrm>
-            <a:off x="6096000" y="1573718"/>
-            <a:ext cx="2562446" cy="1923314"/>
-          </a:xfrm>
-          <a:prstGeom prst="rect">
-            <a:avLst/>
-          </a:prstGeom>
-        </p:spPr>
-      </p:pic>
-      <p:sp>
-        <p:nvSpPr>
-          <p:cNvPr id="9" name="TextBox 1">
-            <a:extLst>
-              <a:ext uri="{FF2B5EF4-FFF2-40B4-BE49-F238E27FC236}">
-                <a16:creationId xmlns:a16="http://schemas.microsoft.com/office/drawing/2014/main" id="{B98FBBD0-A4B0-4E34-BA8E-54A934E00D69}"/>
+            <a:pPr algn="ctr"/>
+            <a:r>
+              <a:rPr lang="en-US" sz="1600" dirty="0"/>
+              <a:t>Python </a:t>
+            </a:r>
+          </a:p>
+          <a:p>
+            <a:pPr algn="ctr"/>
+            <a:r>
+              <a:rPr lang="en-US" sz="1600" dirty="0"/>
+              <a:t>3.9</a:t>
+            </a:r>
+            <a:endParaRPr lang="ru-RU" sz="1600" dirty="0"/>
+          </a:p>
+        </p:txBody>
+      </p:sp>
+      <p:sp>
+        <p:nvSpPr>
+          <p:cNvPr id="23" name="TextBox 8">
+            <a:extLst>
+              <a:ext uri="{FF2B5EF4-FFF2-40B4-BE49-F238E27FC236}">
+                <a16:creationId xmlns:a16="http://schemas.microsoft.com/office/drawing/2014/main" id="{1A8BF5E4-9B25-076E-810B-994399B60769}"/>
               </a:ext>
             </a:extLst>
           </p:cNvPr>
@@ -4883,8 +9563,8 @@
         </p:nvSpPr>
         <p:spPr>
           <a:xfrm>
-            <a:off x="7018083" y="2971026"/>
-            <a:ext cx="774571" cy="369332"/>
+            <a:off x="4521034" y="4212608"/>
+            <a:ext cx="765504" cy="584775"/>
           </a:xfrm>
           <a:prstGeom prst="rect">
             <a:avLst/>
@@ -4904,7 +9584,7 @@
           <a:fontRef idx="major"/>
         </p:style>
         <p:txBody>
-          <a:bodyPr wrap="none" rtlCol="0">
+          <a:bodyPr wrap="square" rtlCol="0">
             <a:spAutoFit/>
           </a:bodyPr>
           <a:lstStyle>
@@ -4973,52 +9653,28 @@
             </a:lvl9pPr>
           </a:lstStyle>
           <a:p>
-            <a:r>
-              <a:rPr lang="en-US" dirty="0">
-                <a:latin typeface="Times New Roman" panose="02020603050405020304" pitchFamily="18" charset="0"/>
-                <a:cs typeface="Times New Roman" panose="02020603050405020304" pitchFamily="18" charset="0"/>
-              </a:rPr>
+            <a:pPr algn="ctr"/>
+            <a:r>
+              <a:rPr lang="en-US" sz="1600" dirty="0"/>
               <a:t>Kotlin</a:t>
             </a:r>
           </a:p>
-        </p:txBody>
-      </p:sp>
-      <p:pic>
-        <p:nvPicPr>
-          <p:cNvPr id="10" name="Рисунок 9">
-            <a:extLst>
-              <a:ext uri="{FF2B5EF4-FFF2-40B4-BE49-F238E27FC236}">
-                <a16:creationId xmlns:a16="http://schemas.microsoft.com/office/drawing/2014/main" id="{E379A169-2ED0-8A09-AE2C-14E06FFB00D5}"/>
-              </a:ext>
-            </a:extLst>
-          </p:cNvPr>
-          <p:cNvPicPr>
-            <a:picLocks noChangeAspect="1"/>
-          </p:cNvPicPr>
-          <p:nvPr/>
-        </p:nvPicPr>
-        <p:blipFill>
-          <a:blip r:embed="rId4"/>
-          <a:stretch>
-            <a:fillRect/>
-          </a:stretch>
-        </p:blipFill>
-        <p:spPr>
-          <a:xfrm>
-            <a:off x="2256311" y="3908883"/>
-            <a:ext cx="3143723" cy="1571862"/>
-          </a:xfrm>
-          <a:prstGeom prst="rect">
-            <a:avLst/>
-          </a:prstGeom>
-        </p:spPr>
-      </p:pic>
-      <p:sp>
-        <p:nvSpPr>
-          <p:cNvPr id="11" name="TextBox 1">
-            <a:extLst>
-              <a:ext uri="{FF2B5EF4-FFF2-40B4-BE49-F238E27FC236}">
-                <a16:creationId xmlns:a16="http://schemas.microsoft.com/office/drawing/2014/main" id="{87A5F132-EE83-847B-E214-BDF171D50FB3}"/>
+          <a:p>
+            <a:pPr algn="ctr"/>
+            <a:r>
+              <a:rPr lang="en-US" sz="1600" dirty="0"/>
+              <a:t>2.0.0</a:t>
+            </a:r>
+            <a:endParaRPr lang="ru-RU" sz="1600" dirty="0"/>
+          </a:p>
+        </p:txBody>
+      </p:sp>
+      <p:sp>
+        <p:nvSpPr>
+          <p:cNvPr id="24" name="TextBox 9">
+            <a:extLst>
+              <a:ext uri="{FF2B5EF4-FFF2-40B4-BE49-F238E27FC236}">
+                <a16:creationId xmlns:a16="http://schemas.microsoft.com/office/drawing/2014/main" id="{306EEF63-0405-81FB-523A-187902D24633}"/>
               </a:ext>
             </a:extLst>
           </p:cNvPr>
@@ -5027,8 +9683,8 @@
         </p:nvSpPr>
         <p:spPr>
           <a:xfrm>
-            <a:off x="3351120" y="5505415"/>
-            <a:ext cx="954107" cy="646331"/>
+            <a:off x="6156048" y="4212608"/>
+            <a:ext cx="1621285" cy="584775"/>
           </a:xfrm>
           <a:prstGeom prst="rect">
             <a:avLst/>
@@ -5048,7 +9704,7 @@
           <a:fontRef idx="major"/>
         </p:style>
         <p:txBody>
-          <a:bodyPr wrap="none" rtlCol="0">
+          <a:bodyPr wrap="square" rtlCol="0">
             <a:spAutoFit/>
           </a:bodyPr>
           <a:lstStyle>
@@ -5119,31 +9775,26 @@
           <a:p>
             <a:pPr algn="ctr"/>
             <a:r>
-              <a:rPr lang="en-US" dirty="0">
-                <a:latin typeface="Times New Roman" panose="02020603050405020304" pitchFamily="18" charset="0"/>
-                <a:cs typeface="Times New Roman" panose="02020603050405020304" pitchFamily="18" charset="0"/>
-              </a:rPr>
-              <a:t>Android</a:t>
+              <a:rPr lang="en-US" sz="1600" dirty="0"/>
+              <a:t>Android studio</a:t>
             </a:r>
           </a:p>
           <a:p>
             <a:pPr algn="ctr"/>
             <a:r>
-              <a:rPr lang="en-US" dirty="0">
-                <a:latin typeface="Times New Roman" panose="02020603050405020304" pitchFamily="18" charset="0"/>
-                <a:cs typeface="Times New Roman" panose="02020603050405020304" pitchFamily="18" charset="0"/>
-              </a:rPr>
-              <a:t>Studio</a:t>
-            </a:r>
-          </a:p>
-        </p:txBody>
-      </p:sp>
-      <p:sp>
-        <p:nvSpPr>
-          <p:cNvPr id="12" name="TextBox 2">
-            <a:extLst>
-              <a:ext uri="{FF2B5EF4-FFF2-40B4-BE49-F238E27FC236}">
-                <a16:creationId xmlns:a16="http://schemas.microsoft.com/office/drawing/2014/main" id="{65A276C8-37E7-DE11-488A-6A997487271E}"/>
+              <a:rPr lang="en-US" sz="1600" dirty="0"/>
+              <a:t>2023.3.1</a:t>
+            </a:r>
+            <a:endParaRPr lang="ru-RU" sz="1600" dirty="0"/>
+          </a:p>
+        </p:txBody>
+      </p:sp>
+      <p:sp>
+        <p:nvSpPr>
+          <p:cNvPr id="25" name="TextBox 10">
+            <a:extLst>
+              <a:ext uri="{FF2B5EF4-FFF2-40B4-BE49-F238E27FC236}">
+                <a16:creationId xmlns:a16="http://schemas.microsoft.com/office/drawing/2014/main" id="{A6724407-75E5-3E86-E8F2-EF600D8BA420}"/>
               </a:ext>
             </a:extLst>
           </p:cNvPr>
@@ -5152,8 +9803,8 @@
         </p:nvSpPr>
         <p:spPr>
           <a:xfrm>
-            <a:off x="3187613" y="6132636"/>
-            <a:ext cx="1281120" cy="369332"/>
+            <a:off x="10590039" y="4212608"/>
+            <a:ext cx="928482" cy="584775"/>
           </a:xfrm>
           <a:prstGeom prst="rect">
             <a:avLst/>
@@ -5173,7 +9824,7 @@
           <a:fontRef idx="major"/>
         </p:style>
         <p:txBody>
-          <a:bodyPr wrap="none" rtlCol="0">
+          <a:bodyPr wrap="square" rtlCol="0">
             <a:spAutoFit/>
           </a:bodyPr>
           <a:lstStyle>
@@ -5242,26 +9893,28 @@
             </a:lvl9pPr>
           </a:lstStyle>
           <a:p>
-            <a:r>
-              <a:rPr lang="en-US" dirty="0">
-                <a:latin typeface="Times New Roman" panose="02020603050405020304" pitchFamily="18" charset="0"/>
-                <a:cs typeface="Times New Roman" panose="02020603050405020304" pitchFamily="18" charset="0"/>
-              </a:rPr>
-              <a:t>2023.1.1.28</a:t>
-            </a:r>
-            <a:endParaRPr lang="ru-US" dirty="0">
-              <a:latin typeface="Times New Roman" panose="02020603050405020304" pitchFamily="18" charset="0"/>
-              <a:cs typeface="Times New Roman" panose="02020603050405020304" pitchFamily="18" charset="0"/>
-            </a:endParaRPr>
-          </a:p>
-        </p:txBody>
-      </p:sp>
-      <p:sp>
-        <p:nvSpPr>
-          <p:cNvPr id="13" name="TextBox 2">
-            <a:extLst>
-              <a:ext uri="{FF2B5EF4-FFF2-40B4-BE49-F238E27FC236}">
-                <a16:creationId xmlns:a16="http://schemas.microsoft.com/office/drawing/2014/main" id="{3211322A-C747-B83F-192F-18915F76EC1C}"/>
+            <a:pPr algn="ctr"/>
+            <a:r>
+              <a:rPr lang="en-US" sz="1600" dirty="0"/>
+              <a:t>Docker</a:t>
+            </a:r>
+          </a:p>
+          <a:p>
+            <a:pPr algn="ctr"/>
+            <a:r>
+              <a:rPr lang="en-US" sz="1600" dirty="0"/>
+              <a:t>25.0.3</a:t>
+            </a:r>
+            <a:endParaRPr lang="ru-RU" sz="1200" dirty="0"/>
+          </a:p>
+        </p:txBody>
+      </p:sp>
+      <p:sp>
+        <p:nvSpPr>
+          <p:cNvPr id="26" name="TextBox 11">
+            <a:extLst>
+              <a:ext uri="{FF2B5EF4-FFF2-40B4-BE49-F238E27FC236}">
+                <a16:creationId xmlns:a16="http://schemas.microsoft.com/office/drawing/2014/main" id="{A3B48FF5-0AA2-2EB8-3F8B-4477C4E875DA}"/>
               </a:ext>
             </a:extLst>
           </p:cNvPr>
@@ -5270,8 +9923,8 @@
         </p:nvSpPr>
         <p:spPr>
           <a:xfrm>
-            <a:off x="7018083" y="3365797"/>
-            <a:ext cx="761747" cy="369332"/>
+            <a:off x="8421929" y="4212608"/>
+            <a:ext cx="1326704" cy="584775"/>
           </a:xfrm>
           <a:prstGeom prst="rect">
             <a:avLst/>
@@ -5291,7 +9944,7 @@
           <a:fontRef idx="major"/>
         </p:style>
         <p:txBody>
-          <a:bodyPr wrap="none" rtlCol="0">
+          <a:bodyPr wrap="square" rtlCol="0">
             <a:spAutoFit/>
           </a:bodyPr>
           <a:lstStyle>
@@ -5360,26 +10013,28 @@
             </a:lvl9pPr>
           </a:lstStyle>
           <a:p>
-            <a:r>
-              <a:rPr lang="en-US" dirty="0">
-                <a:latin typeface="Times New Roman" panose="02020603050405020304" pitchFamily="18" charset="0"/>
-                <a:cs typeface="Times New Roman" panose="02020603050405020304" pitchFamily="18" charset="0"/>
-              </a:rPr>
-              <a:t>1.7.20</a:t>
-            </a:r>
-            <a:endParaRPr lang="ru-US" dirty="0">
-              <a:latin typeface="Times New Roman" panose="02020603050405020304" pitchFamily="18" charset="0"/>
-              <a:cs typeface="Times New Roman" panose="02020603050405020304" pitchFamily="18" charset="0"/>
-            </a:endParaRPr>
+            <a:pPr algn="ctr"/>
+            <a:r>
+              <a:rPr lang="en-US" sz="1600" dirty="0"/>
+              <a:t>PostgreSQL</a:t>
+            </a:r>
+          </a:p>
+          <a:p>
+            <a:pPr algn="ctr"/>
+            <a:r>
+              <a:rPr lang="en-US" sz="1600" dirty="0"/>
+              <a:t>14.11</a:t>
+            </a:r>
+            <a:endParaRPr lang="ru-RU" sz="1200" dirty="0"/>
           </a:p>
         </p:txBody>
       </p:sp>
       <p:pic>
         <p:nvPicPr>
-          <p:cNvPr id="14" name="Объект 3">
-            <a:extLst>
-              <a:ext uri="{FF2B5EF4-FFF2-40B4-BE49-F238E27FC236}">
-                <a16:creationId xmlns:a16="http://schemas.microsoft.com/office/drawing/2014/main" id="{12AD7D65-57C5-629A-91E6-015641ECDD3D}"/>
+          <p:cNvPr id="27" name="Рисунок 26">
+            <a:extLst>
+              <a:ext uri="{FF2B5EF4-FFF2-40B4-BE49-F238E27FC236}">
+                <a16:creationId xmlns:a16="http://schemas.microsoft.com/office/drawing/2014/main" id="{2011904F-4384-5ECF-E8B8-520EF5D6879A}"/>
               </a:ext>
             </a:extLst>
           </p:cNvPr>
@@ -5389,7 +10044,7 @@
           <p:nvPr/>
         </p:nvPicPr>
         <p:blipFill>
-          <a:blip r:embed="rId5">
+          <a:blip r:embed="rId8" cstate="print">
             <a:extLst>
               <a:ext uri="{28A0092B-C50C-407E-A947-70E740481C1C}">
                 <a14:useLocalDpi xmlns:a14="http://schemas.microsoft.com/office/drawing/2010/main" val="0"/>
@@ -5402,8 +10057,8 @@
         </p:blipFill>
         <p:spPr>
           <a:xfrm>
-            <a:off x="6181061" y="3986495"/>
-            <a:ext cx="2562445" cy="1395618"/>
+            <a:off x="8399840" y="2733150"/>
+            <a:ext cx="1370883" cy="1412969"/>
           </a:xfrm>
           <a:prstGeom prst="rect">
             <a:avLst/>
@@ -5412,241 +10067,33 @@
       </p:pic>
       <p:sp>
         <p:nvSpPr>
-          <p:cNvPr id="15" name="TextBox 2">
-            <a:extLst>
-              <a:ext uri="{FF2B5EF4-FFF2-40B4-BE49-F238E27FC236}">
-                <a16:creationId xmlns:a16="http://schemas.microsoft.com/office/drawing/2014/main" id="{D0F21467-973B-BA64-39F3-CFD762F100FC}"/>
-              </a:ext>
-            </a:extLst>
-          </p:cNvPr>
-          <p:cNvSpPr txBox="1"/>
-          <p:nvPr/>
-        </p:nvSpPr>
-        <p:spPr>
-          <a:xfrm>
-            <a:off x="7306851" y="5881216"/>
-            <a:ext cx="593432" cy="369332"/>
-          </a:xfrm>
-          <a:prstGeom prst="rect">
-            <a:avLst/>
-          </a:prstGeom>
-          <a:noFill/>
-        </p:spPr>
-        <p:style>
-          <a:lnRef idx="0">
-            <a:scrgbClr r="0" g="0" b="0"/>
-          </a:lnRef>
-          <a:fillRef idx="0">
-            <a:scrgbClr r="0" g="0" b="0"/>
-          </a:fillRef>
-          <a:effectRef idx="0">
-            <a:scrgbClr r="0" g="0" b="0"/>
-          </a:effectRef>
-          <a:fontRef idx="major"/>
-        </p:style>
-        <p:txBody>
-          <a:bodyPr wrap="none" rtlCol="0">
-            <a:spAutoFit/>
-          </a:bodyPr>
-          <a:lstStyle>
-            <a:lvl1pPr>
-              <a:defRPr>
-                <a:latin typeface="+mj-lt"/>
-                <a:ea typeface="+mj-ea"/>
-                <a:cs typeface="+mj-cs"/>
-              </a:defRPr>
-            </a:lvl1pPr>
-            <a:lvl2pPr>
-              <a:defRPr>
-                <a:latin typeface="+mj-lt"/>
-                <a:ea typeface="+mj-ea"/>
-                <a:cs typeface="+mj-cs"/>
-              </a:defRPr>
-            </a:lvl2pPr>
-            <a:lvl3pPr>
-              <a:defRPr>
-                <a:latin typeface="+mj-lt"/>
-                <a:ea typeface="+mj-ea"/>
-                <a:cs typeface="+mj-cs"/>
-              </a:defRPr>
-            </a:lvl3pPr>
-            <a:lvl4pPr>
-              <a:defRPr>
-                <a:latin typeface="+mj-lt"/>
-                <a:ea typeface="+mj-ea"/>
-                <a:cs typeface="+mj-cs"/>
-              </a:defRPr>
-            </a:lvl4pPr>
-            <a:lvl5pPr>
-              <a:defRPr>
-                <a:latin typeface="+mj-lt"/>
-                <a:ea typeface="+mj-ea"/>
-                <a:cs typeface="+mj-cs"/>
-              </a:defRPr>
-            </a:lvl5pPr>
-            <a:lvl6pPr>
-              <a:defRPr>
-                <a:latin typeface="+mj-lt"/>
-                <a:ea typeface="+mj-ea"/>
-                <a:cs typeface="+mj-cs"/>
-              </a:defRPr>
-            </a:lvl6pPr>
-            <a:lvl7pPr>
-              <a:defRPr>
-                <a:latin typeface="+mj-lt"/>
-                <a:ea typeface="+mj-ea"/>
-                <a:cs typeface="+mj-cs"/>
-              </a:defRPr>
-            </a:lvl7pPr>
-            <a:lvl8pPr>
-              <a:defRPr>
-                <a:latin typeface="+mj-lt"/>
-                <a:ea typeface="+mj-ea"/>
-                <a:cs typeface="+mj-cs"/>
-              </a:defRPr>
-            </a:lvl8pPr>
-            <a:lvl9pPr>
-              <a:defRPr>
-                <a:latin typeface="+mj-lt"/>
-                <a:ea typeface="+mj-ea"/>
-                <a:cs typeface="+mj-cs"/>
-              </a:defRPr>
-            </a:lvl9pPr>
-          </a:lstStyle>
-          <a:p>
-            <a:r>
-              <a:rPr lang="ru-US" b="0" i="0" dirty="0">
-                <a:solidFill>
-                  <a:srgbClr val="444444"/>
-                </a:solidFill>
-                <a:effectLst/>
-                <a:latin typeface="Times New Roman" panose="02020603050405020304" pitchFamily="18" charset="0"/>
-                <a:cs typeface="Times New Roman" panose="02020603050405020304" pitchFamily="18" charset="0"/>
-              </a:rPr>
-              <a:t>3.12</a:t>
-            </a:r>
-            <a:endParaRPr lang="ru-US" dirty="0">
-              <a:latin typeface="Times New Roman" panose="02020603050405020304" pitchFamily="18" charset="0"/>
-              <a:cs typeface="Times New Roman" panose="02020603050405020304" pitchFamily="18" charset="0"/>
-            </a:endParaRPr>
-          </a:p>
-        </p:txBody>
-      </p:sp>
-      <p:sp>
-        <p:nvSpPr>
-          <p:cNvPr id="16" name="TextBox 3">
-            <a:extLst>
-              <a:ext uri="{FF2B5EF4-FFF2-40B4-BE49-F238E27FC236}">
-                <a16:creationId xmlns:a16="http://schemas.microsoft.com/office/drawing/2014/main" id="{6B7AE135-A40E-CB89-D19D-A8A7B22B47DD}"/>
-              </a:ext>
-            </a:extLst>
-          </p:cNvPr>
-          <p:cNvSpPr txBox="1"/>
-          <p:nvPr/>
-        </p:nvSpPr>
-        <p:spPr>
-          <a:xfrm>
-            <a:off x="7177361" y="5505415"/>
-            <a:ext cx="852413" cy="369332"/>
-          </a:xfrm>
-          <a:prstGeom prst="rect">
-            <a:avLst/>
-          </a:prstGeom>
-          <a:noFill/>
-        </p:spPr>
-        <p:style>
-          <a:lnRef idx="0">
-            <a:scrgbClr r="0" g="0" b="0"/>
-          </a:lnRef>
-          <a:fillRef idx="0">
-            <a:scrgbClr r="0" g="0" b="0"/>
-          </a:fillRef>
-          <a:effectRef idx="0">
-            <a:scrgbClr r="0" g="0" b="0"/>
-          </a:effectRef>
-          <a:fontRef idx="major"/>
-        </p:style>
-        <p:txBody>
-          <a:bodyPr wrap="none" rtlCol="0">
-            <a:spAutoFit/>
-          </a:bodyPr>
-          <a:lstStyle>
-            <a:lvl1pPr>
-              <a:defRPr>
-                <a:latin typeface="+mj-lt"/>
-                <a:ea typeface="+mj-ea"/>
-                <a:cs typeface="+mj-cs"/>
-              </a:defRPr>
-            </a:lvl1pPr>
-            <a:lvl2pPr>
-              <a:defRPr>
-                <a:latin typeface="+mj-lt"/>
-                <a:ea typeface="+mj-ea"/>
-                <a:cs typeface="+mj-cs"/>
-              </a:defRPr>
-            </a:lvl2pPr>
-            <a:lvl3pPr>
-              <a:defRPr>
-                <a:latin typeface="+mj-lt"/>
-                <a:ea typeface="+mj-ea"/>
-                <a:cs typeface="+mj-cs"/>
-              </a:defRPr>
-            </a:lvl3pPr>
-            <a:lvl4pPr>
-              <a:defRPr>
-                <a:latin typeface="+mj-lt"/>
-                <a:ea typeface="+mj-ea"/>
-                <a:cs typeface="+mj-cs"/>
-              </a:defRPr>
-            </a:lvl4pPr>
-            <a:lvl5pPr>
-              <a:defRPr>
-                <a:latin typeface="+mj-lt"/>
-                <a:ea typeface="+mj-ea"/>
-                <a:cs typeface="+mj-cs"/>
-              </a:defRPr>
-            </a:lvl5pPr>
-            <a:lvl6pPr>
-              <a:defRPr>
-                <a:latin typeface="+mj-lt"/>
-                <a:ea typeface="+mj-ea"/>
-                <a:cs typeface="+mj-cs"/>
-              </a:defRPr>
-            </a:lvl6pPr>
-            <a:lvl7pPr>
-              <a:defRPr>
-                <a:latin typeface="+mj-lt"/>
-                <a:ea typeface="+mj-ea"/>
-                <a:cs typeface="+mj-cs"/>
-              </a:defRPr>
-            </a:lvl7pPr>
-            <a:lvl8pPr>
-              <a:defRPr>
-                <a:latin typeface="+mj-lt"/>
-                <a:ea typeface="+mj-ea"/>
-                <a:cs typeface="+mj-cs"/>
-              </a:defRPr>
-            </a:lvl8pPr>
-            <a:lvl9pPr>
-              <a:defRPr>
-                <a:latin typeface="+mj-lt"/>
-                <a:ea typeface="+mj-ea"/>
-                <a:cs typeface="+mj-cs"/>
-              </a:defRPr>
-            </a:lvl9pPr>
-          </a:lstStyle>
-          <a:p>
-            <a:r>
-              <a:rPr lang="en-US" dirty="0">
-                <a:latin typeface="Times New Roman" panose="02020603050405020304" pitchFamily="18" charset="0"/>
-                <a:cs typeface="Times New Roman" panose="02020603050405020304" pitchFamily="18" charset="0"/>
-              </a:rPr>
-              <a:t>Python</a:t>
-            </a:r>
-            <a:endParaRPr lang="ru-US" dirty="0">
-              <a:latin typeface="Times New Roman" panose="02020603050405020304" pitchFamily="18" charset="0"/>
-              <a:cs typeface="Times New Roman" panose="02020603050405020304" pitchFamily="18" charset="0"/>
-            </a:endParaRPr>
+          <p:cNvPr id="5" name="Номер слайда 4">
+            <a:extLst>
+              <a:ext uri="{FF2B5EF4-FFF2-40B4-BE49-F238E27FC236}">
+                <a16:creationId xmlns:a16="http://schemas.microsoft.com/office/drawing/2014/main" id="{DECB8180-644F-2CFC-26E6-BA03A2C010CD}"/>
+              </a:ext>
+            </a:extLst>
+          </p:cNvPr>
+          <p:cNvSpPr>
+            <a:spLocks noGrp="1"/>
+          </p:cNvSpPr>
+          <p:nvPr>
+            <p:ph type="sldNum" sz="quarter" idx="12"/>
+          </p:nvPr>
+        </p:nvSpPr>
+        <p:spPr/>
+        <p:txBody>
+          <a:bodyPr/>
+          <a:lstStyle/>
+          <a:p>
+            <a:fld id="{AFAF6365-899A-754A-8142-24B17376DE51}" type="slidenum">
+              <a:rPr lang="ru-US" smtClean="0"/>
+              <a:t>6</a:t>
+            </a:fld>
+            <a:r>
+              <a:rPr lang="ru-US" dirty="0"/>
+              <a:t>/15</a:t>
+            </a:r>
           </a:p>
         </p:txBody>
       </p:sp>
@@ -5654,6 +10101,134 @@
     <p:extLst>
       <p:ext uri="{BB962C8B-B14F-4D97-AF65-F5344CB8AC3E}">
         <p14:creationId xmlns:p14="http://schemas.microsoft.com/office/powerpoint/2010/main" val="387120705"/>
+      </p:ext>
+    </p:extLst>
+  </p:cSld>
+  <p:clrMapOvr>
+    <a:masterClrMapping/>
+  </p:clrMapOvr>
+</p:sld>
+</file>
+
+<file path=ppt/slides/slide7.xml><?xml version="1.0" encoding="utf-8"?>
+<p:sld xmlns:a="http://schemas.openxmlformats.org/drawingml/2006/main" xmlns:r="http://schemas.openxmlformats.org/officeDocument/2006/relationships" xmlns:p="http://schemas.openxmlformats.org/presentationml/2006/main">
+  <p:cSld>
+    <p:spTree>
+      <p:nvGrpSpPr>
+        <p:cNvPr id="1" name=""/>
+        <p:cNvGrpSpPr/>
+        <p:nvPr/>
+      </p:nvGrpSpPr>
+      <p:grpSpPr>
+        <a:xfrm>
+          <a:off x="0" y="0"/>
+          <a:ext cx="0" cy="0"/>
+          <a:chOff x="0" y="0"/>
+          <a:chExt cx="0" cy="0"/>
+        </a:xfrm>
+      </p:grpSpPr>
+      <p:sp>
+        <p:nvSpPr>
+          <p:cNvPr id="2" name="Заголовок 1">
+            <a:extLst>
+              <a:ext uri="{FF2B5EF4-FFF2-40B4-BE49-F238E27FC236}">
+                <a16:creationId xmlns:a16="http://schemas.microsoft.com/office/drawing/2014/main" id="{014CD51D-0F3E-CB12-83DB-23894C6EB7C0}"/>
+              </a:ext>
+            </a:extLst>
+          </p:cNvPr>
+          <p:cNvSpPr>
+            <a:spLocks noGrp="1"/>
+          </p:cNvSpPr>
+          <p:nvPr>
+            <p:ph type="title"/>
+          </p:nvPr>
+        </p:nvSpPr>
+        <p:spPr>
+          <a:xfrm>
+            <a:off x="2231136" y="369269"/>
+            <a:ext cx="7729728" cy="1188720"/>
+          </a:xfrm>
+        </p:spPr>
+        <p:txBody>
+          <a:bodyPr/>
+          <a:lstStyle/>
+          <a:p>
+            <a:r>
+              <a:rPr lang="ru-RU" dirty="0">
+                <a:latin typeface="Times New Roman" panose="02020603050405020304" pitchFamily="18" charset="0"/>
+                <a:cs typeface="Times New Roman" panose="02020603050405020304" pitchFamily="18" charset="0"/>
+              </a:rPr>
+              <a:t>Взаимодействие пользователей с мобильным приложением</a:t>
+            </a:r>
+            <a:endParaRPr lang="ru-US" dirty="0"/>
+          </a:p>
+        </p:txBody>
+      </p:sp>
+      <p:pic>
+        <p:nvPicPr>
+          <p:cNvPr id="5" name="Объект 4">
+            <a:extLst>
+              <a:ext uri="{FF2B5EF4-FFF2-40B4-BE49-F238E27FC236}">
+                <a16:creationId xmlns:a16="http://schemas.microsoft.com/office/drawing/2014/main" id="{E752B3C4-9813-4FBA-20E2-10860AA1511F}"/>
+              </a:ext>
+            </a:extLst>
+          </p:cNvPr>
+          <p:cNvPicPr>
+            <a:picLocks noGrp="1" noChangeAspect="1"/>
+          </p:cNvPicPr>
+          <p:nvPr>
+            <p:ph idx="1"/>
+          </p:nvPr>
+        </p:nvPicPr>
+        <p:blipFill>
+          <a:blip r:embed="rId2"/>
+          <a:stretch>
+            <a:fillRect/>
+          </a:stretch>
+        </p:blipFill>
+        <p:spPr>
+          <a:xfrm>
+            <a:off x="3054213" y="2084165"/>
+            <a:ext cx="6414671" cy="3848803"/>
+          </a:xfrm>
+        </p:spPr>
+      </p:pic>
+      <p:sp>
+        <p:nvSpPr>
+          <p:cNvPr id="6" name="Номер слайда 5">
+            <a:extLst>
+              <a:ext uri="{FF2B5EF4-FFF2-40B4-BE49-F238E27FC236}">
+                <a16:creationId xmlns:a16="http://schemas.microsoft.com/office/drawing/2014/main" id="{91219263-EB8A-CDB3-133A-38E20C3DFEE0}"/>
+              </a:ext>
+            </a:extLst>
+          </p:cNvPr>
+          <p:cNvSpPr>
+            <a:spLocks noGrp="1"/>
+          </p:cNvSpPr>
+          <p:nvPr>
+            <p:ph type="sldNum" sz="quarter" idx="12"/>
+          </p:nvPr>
+        </p:nvSpPr>
+        <p:spPr/>
+        <p:txBody>
+          <a:bodyPr/>
+          <a:lstStyle/>
+          <a:p>
+            <a:fld id="{AFAF6365-899A-754A-8142-24B17376DE51}" type="slidenum">
+              <a:rPr lang="ru-US" smtClean="0"/>
+              <a:t>7</a:t>
+            </a:fld>
+            <a:r>
+              <a:rPr lang="ru-US" dirty="0"/>
+              <a:t>/15</a:t>
+            </a:r>
+          </a:p>
+        </p:txBody>
+      </p:sp>
+    </p:spTree>
+    <p:extLst>
+      <p:ext uri="{BB962C8B-B14F-4D97-AF65-F5344CB8AC3E}">
+        <p14:creationId xmlns:p14="http://schemas.microsoft.com/office/powerpoint/2010/main" val="1905870733"/>
       </p:ext>
     </p:extLst>
   </p:cSld>
@@ -5685,7 +10260,7 @@
           <p:cNvPr id="2" name="Заголовок 1">
             <a:extLst>
               <a:ext uri="{FF2B5EF4-FFF2-40B4-BE49-F238E27FC236}">
-                <a16:creationId xmlns:a16="http://schemas.microsoft.com/office/drawing/2014/main" id="{94953515-4C1E-B752-87DD-4FBCD4139341}"/>
+                <a16:creationId xmlns:a16="http://schemas.microsoft.com/office/drawing/2014/main" id="{014CD51D-0F3E-CB12-83DB-23894C6EB7C0}"/>
               </a:ext>
             </a:extLst>
           </p:cNvPr>
@@ -5696,24 +10271,33 @@
             <p:ph type="title"/>
           </p:nvPr>
         </p:nvSpPr>
-        <p:spPr/>
-        <p:txBody>
-          <a:bodyPr/>
-          <a:lstStyle/>
-          <a:p>
-            <a:r>
-              <a:rPr lang="ru-US" dirty="0"/>
-              <a:t>Функциональные возможности</a:t>
-            </a:r>
+        <p:spPr>
+          <a:xfrm>
+            <a:off x="2231136" y="369269"/>
+            <a:ext cx="7729728" cy="1188720"/>
+          </a:xfrm>
+        </p:spPr>
+        <p:txBody>
+          <a:bodyPr/>
+          <a:lstStyle/>
+          <a:p>
+            <a:r>
+              <a:rPr lang="ru-RU" dirty="0">
+                <a:latin typeface="Times New Roman" panose="02020603050405020304" pitchFamily="18" charset="0"/>
+                <a:cs typeface="Times New Roman" panose="02020603050405020304" pitchFamily="18" charset="0"/>
+              </a:rPr>
+              <a:t>Взаимодействие пользователей с мобильным приложением 2</a:t>
+            </a:r>
+            <a:endParaRPr lang="ru-US" dirty="0"/>
           </a:p>
         </p:txBody>
       </p:sp>
       <p:pic>
         <p:nvPicPr>
-          <p:cNvPr id="9" name="Объект 8">
-            <a:extLst>
-              <a:ext uri="{FF2B5EF4-FFF2-40B4-BE49-F238E27FC236}">
-                <a16:creationId xmlns:a16="http://schemas.microsoft.com/office/drawing/2014/main" id="{FE5E7C56-A540-15F5-F19E-AA8CA15567E1}"/>
+          <p:cNvPr id="7" name="Объект 6">
+            <a:extLst>
+              <a:ext uri="{FF2B5EF4-FFF2-40B4-BE49-F238E27FC236}">
+                <a16:creationId xmlns:a16="http://schemas.microsoft.com/office/drawing/2014/main" id="{5E4EAE00-FC87-3989-ABC6-E98B19EAF41D}"/>
               </a:ext>
             </a:extLst>
           </p:cNvPr>
@@ -5732,15 +10316,47 @@
         </p:blipFill>
         <p:spPr>
           <a:xfrm>
-            <a:off x="2955852" y="1559363"/>
-            <a:ext cx="5636439" cy="4933512"/>
+            <a:off x="2961758" y="1966765"/>
+            <a:ext cx="6268484" cy="4141677"/>
           </a:xfrm>
         </p:spPr>
       </p:pic>
+      <p:sp>
+        <p:nvSpPr>
+          <p:cNvPr id="5" name="Номер слайда 4">
+            <a:extLst>
+              <a:ext uri="{FF2B5EF4-FFF2-40B4-BE49-F238E27FC236}">
+                <a16:creationId xmlns:a16="http://schemas.microsoft.com/office/drawing/2014/main" id="{F46E37E9-4008-A9DA-D213-987855E3F34F}"/>
+              </a:ext>
+            </a:extLst>
+          </p:cNvPr>
+          <p:cNvSpPr>
+            <a:spLocks noGrp="1"/>
+          </p:cNvSpPr>
+          <p:nvPr>
+            <p:ph type="sldNum" sz="quarter" idx="12"/>
+          </p:nvPr>
+        </p:nvSpPr>
+        <p:spPr/>
+        <p:txBody>
+          <a:bodyPr/>
+          <a:lstStyle/>
+          <a:p>
+            <a:fld id="{AFAF6365-899A-754A-8142-24B17376DE51}" type="slidenum">
+              <a:rPr lang="ru-US" smtClean="0"/>
+              <a:t>8</a:t>
+            </a:fld>
+            <a:r>
+              <a:rPr lang="ru-US" dirty="0"/>
+              <a:t>/15</a:t>
+            </a:r>
+          </a:p>
+        </p:txBody>
+      </p:sp>
     </p:spTree>
     <p:extLst>
       <p:ext uri="{BB962C8B-B14F-4D97-AF65-F5344CB8AC3E}">
-        <p14:creationId xmlns:p14="http://schemas.microsoft.com/office/powerpoint/2010/main" val="230328997"/>
+        <p14:creationId xmlns:p14="http://schemas.microsoft.com/office/powerpoint/2010/main" val="485439806"/>
       </p:ext>
     </p:extLst>
   </p:cSld>
@@ -5772,7 +10388,7 @@
           <p:cNvPr id="2" name="Заголовок 1">
             <a:extLst>
               <a:ext uri="{FF2B5EF4-FFF2-40B4-BE49-F238E27FC236}">
-                <a16:creationId xmlns:a16="http://schemas.microsoft.com/office/drawing/2014/main" id="{D90371FA-B1EB-79C8-5C0A-00924B304B01}"/>
+                <a16:creationId xmlns:a16="http://schemas.microsoft.com/office/drawing/2014/main" id="{F26864B6-3D97-0F10-878C-54D124B66B6F}"/>
               </a:ext>
             </a:extLst>
           </p:cNvPr>
@@ -5783,51 +10399,142 @@
             <p:ph type="title"/>
           </p:nvPr>
         </p:nvSpPr>
-        <p:spPr/>
+        <p:spPr>
+          <a:xfrm>
+            <a:off x="2040422" y="365602"/>
+            <a:ext cx="7729728" cy="1188720"/>
+          </a:xfrm>
+        </p:spPr>
         <p:txBody>
           <a:bodyPr/>
           <a:lstStyle/>
           <a:p>
             <a:r>
               <a:rPr lang="ru-US" dirty="0"/>
-              <a:t>База данных</a:t>
+              <a:t>Диаграмма последовательностей</a:t>
             </a:r>
           </a:p>
         </p:txBody>
       </p:sp>
       <p:pic>
         <p:nvPicPr>
-          <p:cNvPr id="5" name="Объект 4">
-            <a:extLst>
-              <a:ext uri="{FF2B5EF4-FFF2-40B4-BE49-F238E27FC236}">
-                <a16:creationId xmlns:a16="http://schemas.microsoft.com/office/drawing/2014/main" id="{585A8335-63C7-E2ED-771A-578D2BF146CC}"/>
+          <p:cNvPr id="2054" name="Picture 6">
+            <a:extLst>
+              <a:ext uri="{FF2B5EF4-FFF2-40B4-BE49-F238E27FC236}">
+                <a16:creationId xmlns:a16="http://schemas.microsoft.com/office/drawing/2014/main" id="{75C10641-D530-9BF4-811B-27DA90F1C68D}"/>
               </a:ext>
             </a:extLst>
           </p:cNvPr>
           <p:cNvPicPr>
-            <a:picLocks noGrp="1" noChangeAspect="1"/>
+            <a:picLocks noGrp="1" noChangeAspect="1" noChangeArrowheads="1"/>
           </p:cNvPicPr>
           <p:nvPr>
             <p:ph idx="1"/>
           </p:nvPr>
         </p:nvPicPr>
-        <p:blipFill>
-          <a:blip r:embed="rId2"/>
-          <a:stretch>
-            <a:fillRect/>
-          </a:stretch>
+        <p:blipFill rotWithShape="1">
+          <a:blip r:embed="rId2">
+            <a:extLst>
+              <a:ext uri="{28A0092B-C50C-407E-A947-70E740481C1C}">
+                <a14:useLocalDpi xmlns:a14="http://schemas.microsoft.com/office/drawing/2010/main" val="0"/>
+              </a:ext>
+            </a:extLst>
+          </a:blip>
+          <a:srcRect b="8271"/>
+          <a:stretch/>
         </p:blipFill>
+        <p:spPr bwMode="auto">
+          <a:xfrm>
+            <a:off x="1284341" y="1631553"/>
+            <a:ext cx="9231260" cy="4513749"/>
+          </a:xfrm>
+          <a:prstGeom prst="rect">
+            <a:avLst/>
+          </a:prstGeom>
+          <a:noFill/>
+          <a:extLst>
+            <a:ext uri="{909E8E84-426E-40DD-AFC4-6F175D3DCCD1}">
+              <a14:hiddenFill xmlns:a14="http://schemas.microsoft.com/office/drawing/2010/main">
+                <a:solidFill>
+                  <a:srgbClr val="FFFFFF"/>
+                </a:solidFill>
+              </a14:hiddenFill>
+            </a:ext>
+          </a:extLst>
+        </p:spPr>
+      </p:pic>
+      <p:sp>
+        <p:nvSpPr>
+          <p:cNvPr id="3" name="TextBox 2">
+            <a:extLst>
+              <a:ext uri="{FF2B5EF4-FFF2-40B4-BE49-F238E27FC236}">
+                <a16:creationId xmlns:a16="http://schemas.microsoft.com/office/drawing/2014/main" id="{0EA26296-8589-4C9A-FC71-FB12EF46A6FF}"/>
+              </a:ext>
+            </a:extLst>
+          </p:cNvPr>
+          <p:cNvSpPr txBox="1"/>
+          <p:nvPr/>
+        </p:nvSpPr>
         <p:spPr>
           <a:xfrm>
-            <a:off x="3561908" y="1511049"/>
-            <a:ext cx="4612081" cy="4981826"/>
-          </a:xfrm>
-        </p:spPr>
-      </p:pic>
+            <a:off x="4448444" y="6307732"/>
+            <a:ext cx="2913683" cy="369332"/>
+          </a:xfrm>
+          <a:prstGeom prst="rect">
+            <a:avLst/>
+          </a:prstGeom>
+          <a:noFill/>
+        </p:spPr>
+        <p:txBody>
+          <a:bodyPr wrap="none" rtlCol="0">
+            <a:spAutoFit/>
+          </a:bodyPr>
+          <a:lstStyle/>
+          <a:p>
+            <a:r>
+              <a:rPr lang="ru-RU" dirty="0"/>
+              <a:t>Добавления оборудования</a:t>
+            </a:r>
+            <a:endParaRPr lang="ru-US" dirty="0"/>
+          </a:p>
+        </p:txBody>
+      </p:sp>
+      <p:sp>
+        <p:nvSpPr>
+          <p:cNvPr id="6" name="Номер слайда 5">
+            <a:extLst>
+              <a:ext uri="{FF2B5EF4-FFF2-40B4-BE49-F238E27FC236}">
+                <a16:creationId xmlns:a16="http://schemas.microsoft.com/office/drawing/2014/main" id="{0F6B0E1A-29BD-E2E6-E4B1-24C60149C1B3}"/>
+              </a:ext>
+            </a:extLst>
+          </p:cNvPr>
+          <p:cNvSpPr>
+            <a:spLocks noGrp="1"/>
+          </p:cNvSpPr>
+          <p:nvPr>
+            <p:ph type="sldNum" sz="quarter" idx="12"/>
+          </p:nvPr>
+        </p:nvSpPr>
+        <p:spPr/>
+        <p:txBody>
+          <a:bodyPr/>
+          <a:lstStyle/>
+          <a:p>
+            <a:fld id="{AFAF6365-899A-754A-8142-24B17376DE51}" type="slidenum">
+              <a:rPr lang="ru-US" smtClean="0"/>
+              <a:t>9</a:t>
+            </a:fld>
+            <a:r>
+              <a:rPr lang="ru-US" dirty="0"/>
+              <a:t>/15</a:t>
+            </a:r>
+          </a:p>
+        </p:txBody>
+      </p:sp>
     </p:spTree>
     <p:extLst>
       <p:ext uri="{BB962C8B-B14F-4D97-AF65-F5344CB8AC3E}">
-        <p14:creationId xmlns:p14="http://schemas.microsoft.com/office/powerpoint/2010/main" val="1824271337"/>
+        <p14:creationId xmlns:p14="http://schemas.microsoft.com/office/powerpoint/2010/main" val="1667575543"/>
       </p:ext>
     </p:extLst>
   </p:cSld>
@@ -6130,4 +10837,559 @@
     </a:ext>
   </a:extLst>
 </a:theme>
+</file>
+
+<file path=ppt/theme/theme2.xml><?xml version="1.0" encoding="utf-8"?>
+<a:theme xmlns:a="http://schemas.openxmlformats.org/drawingml/2006/main" name="Посылка">
+  <a:themeElements>
+    <a:clrScheme name="Посылка">
+      <a:dk1>
+        <a:srgbClr val="000000"/>
+      </a:dk1>
+      <a:lt1>
+        <a:srgbClr val="FFFFFF"/>
+      </a:lt1>
+      <a:dk2>
+        <a:srgbClr val="4A5356"/>
+      </a:dk2>
+      <a:lt2>
+        <a:srgbClr val="E8E3CE"/>
+      </a:lt2>
+      <a:accent1>
+        <a:srgbClr val="F6A21D"/>
+      </a:accent1>
+      <a:accent2>
+        <a:srgbClr val="9BAFB5"/>
+      </a:accent2>
+      <a:accent3>
+        <a:srgbClr val="C96731"/>
+      </a:accent3>
+      <a:accent4>
+        <a:srgbClr val="9CA383"/>
+      </a:accent4>
+      <a:accent5>
+        <a:srgbClr val="87795D"/>
+      </a:accent5>
+      <a:accent6>
+        <a:srgbClr val="A0988C"/>
+      </a:accent6>
+      <a:hlink>
+        <a:srgbClr val="00B0F0"/>
+      </a:hlink>
+      <a:folHlink>
+        <a:srgbClr val="738F97"/>
+      </a:folHlink>
+    </a:clrScheme>
+    <a:fontScheme name="Посылка">
+      <a:majorFont>
+        <a:latin typeface="Gill Sans MT" panose="020B0502020104020203"/>
+        <a:ea typeface=""/>
+        <a:cs typeface=""/>
+        <a:font script="Grek" typeface="Corbel"/>
+        <a:font script="Cyrl" typeface="Corbel"/>
+        <a:font script="Jpan" typeface="HGｺﾞｼｯｸE"/>
+        <a:font script="Hang" typeface="휴먼매직체"/>
+        <a:font script="Hans" typeface="华文中宋"/>
+        <a:font script="Hant" typeface="微軟正黑體"/>
+        <a:font script="Arab" typeface="Majalla UI"/>
+        <a:font script="Hebr" typeface="Arial"/>
+        <a:font script="Thai" typeface="Cordia New"/>
+        <a:font script="Ethi" typeface="Nyala"/>
+        <a:font script="Beng" typeface="Vrinda"/>
+        <a:font script="Gujr" typeface="Shruti"/>
+        <a:font script="Khmr" typeface="DaunPenh"/>
+        <a:font script="Knda" typeface="Tunga"/>
+        <a:font script="Guru" typeface="Raavi"/>
+        <a:font script="Cans" typeface="Euphemia"/>
+        <a:font script="Cher" typeface="Plantagenet Cherokee"/>
+        <a:font script="Yiii" typeface="Microsoft Yi Baiti"/>
+        <a:font script="Tibt" typeface="Microsoft Himalaya"/>
+        <a:font script="Thaa" typeface="MV Boli"/>
+        <a:font script="Deva" typeface="Mangal"/>
+        <a:font script="Telu" typeface="Gautami"/>
+        <a:font script="Taml" typeface="Latha"/>
+        <a:font script="Syrc" typeface="Estrangelo Edessa"/>
+        <a:font script="Orya" typeface="Kalinga"/>
+        <a:font script="Mlym" typeface="Kartika"/>
+        <a:font script="Laoo" typeface="DokChampa"/>
+        <a:font script="Sinh" typeface="Iskoola Pota"/>
+        <a:font script="Mong" typeface="Mongolian Baiti"/>
+        <a:font script="Viet" typeface="Tahoma"/>
+        <a:font script="Uigh" typeface="Microsoft Uighur"/>
+        <a:font script="Geor" typeface="Sylfaen"/>
+      </a:majorFont>
+      <a:minorFont>
+        <a:latin typeface="Gill Sans MT" panose="020B0502020104020203"/>
+        <a:ea typeface=""/>
+        <a:cs typeface=""/>
+        <a:font script="Grek" typeface="Corbel"/>
+        <a:font script="Cyrl" typeface="Corbel"/>
+        <a:font script="Jpan" typeface="HGｺﾞｼｯｸE"/>
+        <a:font script="Hang" typeface="휴먼매직체"/>
+        <a:font script="Hans" typeface="华文中宋"/>
+        <a:font script="Hant" typeface="微軟正黑體"/>
+        <a:font script="Arab" typeface="Majalla UI"/>
+        <a:font script="Hebr" typeface="Arial"/>
+        <a:font script="Thai" typeface="Cordia New"/>
+        <a:font script="Ethi" typeface="Nyala"/>
+        <a:font script="Beng" typeface="Vrinda"/>
+        <a:font script="Gujr" typeface="Shruti"/>
+        <a:font script="Khmr" typeface="DaunPenh"/>
+        <a:font script="Knda" typeface="Tunga"/>
+        <a:font script="Guru" typeface="Raavi"/>
+        <a:font script="Cans" typeface="Euphemia"/>
+        <a:font script="Cher" typeface="Plantagenet Cherokee"/>
+        <a:font script="Yiii" typeface="Microsoft Yi Baiti"/>
+        <a:font script="Tibt" typeface="Microsoft Himalaya"/>
+        <a:font script="Thaa" typeface="MV Boli"/>
+        <a:font script="Deva" typeface="Mangal"/>
+        <a:font script="Telu" typeface="Gautami"/>
+        <a:font script="Taml" typeface="Latha"/>
+        <a:font script="Syrc" typeface="Estrangelo Edessa"/>
+        <a:font script="Orya" typeface="Kalinga"/>
+        <a:font script="Mlym" typeface="Kartika"/>
+        <a:font script="Laoo" typeface="DokChampa"/>
+        <a:font script="Sinh" typeface="Iskoola Pota"/>
+        <a:font script="Mong" typeface="Mongolian Baiti"/>
+        <a:font script="Viet" typeface="Tahoma"/>
+        <a:font script="Uigh" typeface="Microsoft Uighur"/>
+        <a:font script="Geor" typeface="Sylfaen"/>
+      </a:minorFont>
+    </a:fontScheme>
+    <a:fmtScheme name="Посылка">
+      <a:fillStyleLst>
+        <a:solidFill>
+          <a:schemeClr val="phClr"/>
+        </a:solidFill>
+        <a:gradFill rotWithShape="1">
+          <a:gsLst>
+            <a:gs pos="0">
+              <a:schemeClr val="phClr">
+                <a:tint val="80000"/>
+                <a:satMod val="107000"/>
+                <a:lumMod val="103000"/>
+              </a:schemeClr>
+            </a:gs>
+            <a:gs pos="100000">
+              <a:schemeClr val="phClr">
+                <a:tint val="82000"/>
+                <a:satMod val="109000"/>
+                <a:lumMod val="103000"/>
+              </a:schemeClr>
+            </a:gs>
+          </a:gsLst>
+          <a:lin ang="5400000" scaled="0"/>
+        </a:gradFill>
+        <a:gradFill rotWithShape="1">
+          <a:gsLst>
+            <a:gs pos="0">
+              <a:schemeClr val="phClr">
+                <a:tint val="97000"/>
+                <a:satMod val="100000"/>
+                <a:lumMod val="102000"/>
+              </a:schemeClr>
+            </a:gs>
+            <a:gs pos="50000">
+              <a:schemeClr val="phClr">
+                <a:shade val="100000"/>
+                <a:satMod val="103000"/>
+                <a:lumMod val="100000"/>
+              </a:schemeClr>
+            </a:gs>
+            <a:gs pos="100000">
+              <a:schemeClr val="phClr">
+                <a:shade val="93000"/>
+                <a:satMod val="110000"/>
+                <a:lumMod val="99000"/>
+              </a:schemeClr>
+            </a:gs>
+          </a:gsLst>
+          <a:lin ang="5400000" scaled="0"/>
+        </a:gradFill>
+      </a:fillStyleLst>
+      <a:lnStyleLst>
+        <a:ln w="6350" cap="flat" cmpd="sng" algn="ctr">
+          <a:solidFill>
+            <a:schemeClr val="phClr"/>
+          </a:solidFill>
+          <a:prstDash val="solid"/>
+        </a:ln>
+        <a:ln w="12700" cap="flat" cmpd="sng" algn="ctr">
+          <a:solidFill>
+            <a:schemeClr val="phClr"/>
+          </a:solidFill>
+          <a:prstDash val="solid"/>
+        </a:ln>
+        <a:ln w="31750" cap="flat" cmpd="sng" algn="ctr">
+          <a:solidFill>
+            <a:schemeClr val="phClr"/>
+          </a:solidFill>
+          <a:prstDash val="solid"/>
+        </a:ln>
+      </a:lnStyleLst>
+      <a:effectStyleLst>
+        <a:effectStyle>
+          <a:effectLst/>
+        </a:effectStyle>
+        <a:effectStyle>
+          <a:effectLst/>
+        </a:effectStyle>
+        <a:effectStyle>
+          <a:effectLst>
+            <a:outerShdw blurRad="55880" dist="15240" dir="5400000" algn="ctr" rotWithShape="0">
+              <a:srgbClr val="000000">
+                <a:alpha val="45000"/>
+              </a:srgbClr>
+            </a:outerShdw>
+          </a:effectLst>
+          <a:scene3d>
+            <a:camera prst="orthographicFront">
+              <a:rot lat="0" lon="0" rev="0"/>
+            </a:camera>
+            <a:lightRig rig="brightRoom" dir="tl"/>
+          </a:scene3d>
+          <a:sp3d prstMaterial="dkEdge">
+            <a:bevelT w="0" h="0"/>
+          </a:sp3d>
+        </a:effectStyle>
+      </a:effectStyleLst>
+      <a:bgFillStyleLst>
+        <a:solidFill>
+          <a:schemeClr val="phClr"/>
+        </a:solidFill>
+        <a:solidFill>
+          <a:schemeClr val="phClr">
+            <a:tint val="95000"/>
+            <a:satMod val="170000"/>
+          </a:schemeClr>
+        </a:solidFill>
+        <a:gradFill rotWithShape="1">
+          <a:gsLst>
+            <a:gs pos="0">
+              <a:schemeClr val="phClr">
+                <a:tint val="97000"/>
+                <a:shade val="100000"/>
+                <a:satMod val="185000"/>
+                <a:lumMod val="120000"/>
+              </a:schemeClr>
+            </a:gs>
+            <a:gs pos="100000">
+              <a:schemeClr val="phClr">
+                <a:tint val="96000"/>
+                <a:shade val="95000"/>
+                <a:satMod val="215000"/>
+                <a:lumMod val="80000"/>
+              </a:schemeClr>
+            </a:gs>
+          </a:gsLst>
+          <a:path path="circle">
+            <a:fillToRect l="50000" t="55000" r="125000" b="100000"/>
+          </a:path>
+        </a:gradFill>
+      </a:bgFillStyleLst>
+    </a:fmtScheme>
+  </a:themeElements>
+  <a:objectDefaults/>
+  <a:extraClrSchemeLst/>
+  <a:extLst>
+    <a:ext uri="{05A4C25C-085E-4340-85A3-A5531E510DB2}">
+      <thm15:themeFamily xmlns:thm15="http://schemas.microsoft.com/office/thememl/2012/main" name="Parcel" id="{8BEC4385-4EB9-4D53-BFB5-0EA123736B6D}" vid="{4DB32801-28C0-48B0-8C1D-A9A58613615A}"/>
+    </a:ext>
+  </a:extLst>
+</a:theme>
+</file>
+
+<file path=ppt/theme/theme3.xml><?xml version="1.0" encoding="utf-8"?>
+<a:theme xmlns:a="http://schemas.openxmlformats.org/drawingml/2006/main" name="Тема Office">
+  <a:themeElements>
+    <a:clrScheme name="Стандартная">
+      <a:dk1>
+        <a:sysClr val="windowText" lastClr="000000"/>
+      </a:dk1>
+      <a:lt1>
+        <a:sysClr val="window" lastClr="FFFFFF"/>
+      </a:lt1>
+      <a:dk2>
+        <a:srgbClr val="44546A"/>
+      </a:dk2>
+      <a:lt2>
+        <a:srgbClr val="E7E6E6"/>
+      </a:lt2>
+      <a:accent1>
+        <a:srgbClr val="4472C4"/>
+      </a:accent1>
+      <a:accent2>
+        <a:srgbClr val="ED7D31"/>
+      </a:accent2>
+      <a:accent3>
+        <a:srgbClr val="A5A5A5"/>
+      </a:accent3>
+      <a:accent4>
+        <a:srgbClr val="FFC000"/>
+      </a:accent4>
+      <a:accent5>
+        <a:srgbClr val="5B9BD5"/>
+      </a:accent5>
+      <a:accent6>
+        <a:srgbClr val="70AD47"/>
+      </a:accent6>
+      <a:hlink>
+        <a:srgbClr val="0563C1"/>
+      </a:hlink>
+      <a:folHlink>
+        <a:srgbClr val="954F72"/>
+      </a:folHlink>
+    </a:clrScheme>
+    <a:fontScheme name="Стандартная">
+      <a:majorFont>
+        <a:latin typeface="Calibri Light" panose="020F0302020204030204"/>
+        <a:ea typeface=""/>
+        <a:cs typeface=""/>
+        <a:font script="Jpan" typeface="游ゴシック Light"/>
+        <a:font script="Hang" typeface="맑은 고딕"/>
+        <a:font script="Hans" typeface="等线 Light"/>
+        <a:font script="Hant" typeface="新細明體"/>
+        <a:font script="Arab" typeface="Times New Roman"/>
+        <a:font script="Hebr" typeface="Times New Roman"/>
+        <a:font script="Thai" typeface="Angsana New"/>
+        <a:font script="Ethi" typeface="Nyala"/>
+        <a:font script="Beng" typeface="Vrinda"/>
+        <a:font script="Gujr" typeface="Shruti"/>
+        <a:font script="Khmr" typeface="MoolBoran"/>
+        <a:font script="Knda" typeface="Tunga"/>
+        <a:font script="Guru" typeface="Raavi"/>
+        <a:font script="Cans" typeface="Euphemia"/>
+        <a:font script="Cher" typeface="Plantagenet Cherokee"/>
+        <a:font script="Yiii" typeface="Microsoft Yi Baiti"/>
+        <a:font script="Tibt" typeface="Microsoft Himalaya"/>
+        <a:font script="Thaa" typeface="MV Boli"/>
+        <a:font script="Deva" typeface="Mangal"/>
+        <a:font script="Telu" typeface="Gautami"/>
+        <a:font script="Taml" typeface="Latha"/>
+        <a:font script="Syrc" typeface="Estrangelo Edessa"/>
+        <a:font script="Orya" typeface="Kalinga"/>
+        <a:font script="Mlym" typeface="Kartika"/>
+        <a:font script="Laoo" typeface="DokChampa"/>
+        <a:font script="Sinh" typeface="Iskoola Pota"/>
+        <a:font script="Mong" typeface="Mongolian Baiti"/>
+        <a:font script="Viet" typeface="Times New Roman"/>
+        <a:font script="Uigh" typeface="Microsoft Uighur"/>
+        <a:font script="Geor" typeface="Sylfaen"/>
+        <a:font script="Armn" typeface="Arial"/>
+        <a:font script="Bugi" typeface="Leelawadee UI"/>
+        <a:font script="Bopo" typeface="Microsoft JhengHei"/>
+        <a:font script="Java" typeface="Javanese Text"/>
+        <a:font script="Lisu" typeface="Segoe UI"/>
+        <a:font script="Mymr" typeface="Myanmar Text"/>
+        <a:font script="Nkoo" typeface="Ebrima"/>
+        <a:font script="Olck" typeface="Nirmala UI"/>
+        <a:font script="Osma" typeface="Ebrima"/>
+        <a:font script="Phag" typeface="Phagspa"/>
+        <a:font script="Syrn" typeface="Estrangelo Edessa"/>
+        <a:font script="Syrj" typeface="Estrangelo Edessa"/>
+        <a:font script="Syre" typeface="Estrangelo Edessa"/>
+        <a:font script="Sora" typeface="Nirmala UI"/>
+        <a:font script="Tale" typeface="Microsoft Tai Le"/>
+        <a:font script="Talu" typeface="Microsoft New Tai Lue"/>
+        <a:font script="Tfng" typeface="Ebrima"/>
+      </a:majorFont>
+      <a:minorFont>
+        <a:latin typeface="Calibri" panose="020F0502020204030204"/>
+        <a:ea typeface=""/>
+        <a:cs typeface=""/>
+        <a:font script="Jpan" typeface="游ゴシック"/>
+        <a:font script="Hang" typeface="맑은 고딕"/>
+        <a:font script="Hans" typeface="等线"/>
+        <a:font script="Hant" typeface="新細明體"/>
+        <a:font script="Arab" typeface="Arial"/>
+        <a:font script="Hebr" typeface="Arial"/>
+        <a:font script="Thai" typeface="Cordia New"/>
+        <a:font script="Ethi" typeface="Nyala"/>
+        <a:font script="Beng" typeface="Vrinda"/>
+        <a:font script="Gujr" typeface="Shruti"/>
+        <a:font script="Khmr" typeface="DaunPenh"/>
+        <a:font script="Knda" typeface="Tunga"/>
+        <a:font script="Guru" typeface="Raavi"/>
+        <a:font script="Cans" typeface="Euphemia"/>
+        <a:font script="Cher" typeface="Plantagenet Cherokee"/>
+        <a:font script="Yiii" typeface="Microsoft Yi Baiti"/>
+        <a:font script="Tibt" typeface="Microsoft Himalaya"/>
+        <a:font script="Thaa" typeface="MV Boli"/>
+        <a:font script="Deva" typeface="Mangal"/>
+        <a:font script="Telu" typeface="Gautami"/>
+        <a:font script="Taml" typeface="Latha"/>
+        <a:font script="Syrc" typeface="Estrangelo Edessa"/>
+        <a:font script="Orya" typeface="Kalinga"/>
+        <a:font script="Mlym" typeface="Kartika"/>
+        <a:font script="Laoo" typeface="DokChampa"/>
+        <a:font script="Sinh" typeface="Iskoola Pota"/>
+        <a:font script="Mong" typeface="Mongolian Baiti"/>
+        <a:font script="Viet" typeface="Arial"/>
+        <a:font script="Uigh" typeface="Microsoft Uighur"/>
+        <a:font script="Geor" typeface="Sylfaen"/>
+        <a:font script="Armn" typeface="Arial"/>
+        <a:font script="Bugi" typeface="Leelawadee UI"/>
+        <a:font script="Bopo" typeface="Microsoft JhengHei"/>
+        <a:font script="Java" typeface="Javanese Text"/>
+        <a:font script="Lisu" typeface="Segoe UI"/>
+        <a:font script="Mymr" typeface="Myanmar Text"/>
+        <a:font script="Nkoo" typeface="Ebrima"/>
+        <a:font script="Olck" typeface="Nirmala UI"/>
+        <a:font script="Osma" typeface="Ebrima"/>
+        <a:font script="Phag" typeface="Phagspa"/>
+        <a:font script="Syrn" typeface="Estrangelo Edessa"/>
+        <a:font script="Syrj" typeface="Estrangelo Edessa"/>
+        <a:font script="Syre" typeface="Estrangelo Edessa"/>
+        <a:font script="Sora" typeface="Nirmala UI"/>
+        <a:font script="Tale" typeface="Microsoft Tai Le"/>
+        <a:font script="Talu" typeface="Microsoft New Tai Lue"/>
+        <a:font script="Tfng" typeface="Ebrima"/>
+      </a:minorFont>
+    </a:fontScheme>
+    <a:fmtScheme name="Стандартная">
+      <a:fillStyleLst>
+        <a:solidFill>
+          <a:schemeClr val="phClr"/>
+        </a:solidFill>
+        <a:gradFill rotWithShape="1">
+          <a:gsLst>
+            <a:gs pos="0">
+              <a:schemeClr val="phClr">
+                <a:lumMod val="110000"/>
+                <a:satMod val="105000"/>
+                <a:tint val="67000"/>
+              </a:schemeClr>
+            </a:gs>
+            <a:gs pos="50000">
+              <a:schemeClr val="phClr">
+                <a:lumMod val="105000"/>
+                <a:satMod val="103000"/>
+                <a:tint val="73000"/>
+              </a:schemeClr>
+            </a:gs>
+            <a:gs pos="100000">
+              <a:schemeClr val="phClr">
+                <a:lumMod val="105000"/>
+                <a:satMod val="109000"/>
+                <a:tint val="81000"/>
+              </a:schemeClr>
+            </a:gs>
+          </a:gsLst>
+          <a:lin ang="5400000" scaled="0"/>
+        </a:gradFill>
+        <a:gradFill rotWithShape="1">
+          <a:gsLst>
+            <a:gs pos="0">
+              <a:schemeClr val="phClr">
+                <a:satMod val="103000"/>
+                <a:lumMod val="102000"/>
+                <a:tint val="94000"/>
+              </a:schemeClr>
+            </a:gs>
+            <a:gs pos="50000">
+              <a:schemeClr val="phClr">
+                <a:satMod val="110000"/>
+                <a:lumMod val="100000"/>
+                <a:shade val="100000"/>
+              </a:schemeClr>
+            </a:gs>
+            <a:gs pos="100000">
+              <a:schemeClr val="phClr">
+                <a:lumMod val="99000"/>
+                <a:satMod val="120000"/>
+                <a:shade val="78000"/>
+              </a:schemeClr>
+            </a:gs>
+          </a:gsLst>
+          <a:lin ang="5400000" scaled="0"/>
+        </a:gradFill>
+      </a:fillStyleLst>
+      <a:lnStyleLst>
+        <a:ln w="6350" cap="flat" cmpd="sng" algn="ctr">
+          <a:solidFill>
+            <a:schemeClr val="phClr"/>
+          </a:solidFill>
+          <a:prstDash val="solid"/>
+          <a:miter lim="800000"/>
+        </a:ln>
+        <a:ln w="12700" cap="flat" cmpd="sng" algn="ctr">
+          <a:solidFill>
+            <a:schemeClr val="phClr"/>
+          </a:solidFill>
+          <a:prstDash val="solid"/>
+          <a:miter lim="800000"/>
+        </a:ln>
+        <a:ln w="19050" cap="flat" cmpd="sng" algn="ctr">
+          <a:solidFill>
+            <a:schemeClr val="phClr"/>
+          </a:solidFill>
+          <a:prstDash val="solid"/>
+          <a:miter lim="800000"/>
+        </a:ln>
+      </a:lnStyleLst>
+      <a:effectStyleLst>
+        <a:effectStyle>
+          <a:effectLst/>
+        </a:effectStyle>
+        <a:effectStyle>
+          <a:effectLst/>
+        </a:effectStyle>
+        <a:effectStyle>
+          <a:effectLst>
+            <a:outerShdw blurRad="57150" dist="19050" dir="5400000" algn="ctr" rotWithShape="0">
+              <a:srgbClr val="000000">
+                <a:alpha val="63000"/>
+              </a:srgbClr>
+            </a:outerShdw>
+          </a:effectLst>
+        </a:effectStyle>
+      </a:effectStyleLst>
+      <a:bgFillStyleLst>
+        <a:solidFill>
+          <a:schemeClr val="phClr"/>
+        </a:solidFill>
+        <a:solidFill>
+          <a:schemeClr val="phClr">
+            <a:tint val="95000"/>
+            <a:satMod val="170000"/>
+          </a:schemeClr>
+        </a:solidFill>
+        <a:gradFill rotWithShape="1">
+          <a:gsLst>
+            <a:gs pos="0">
+              <a:schemeClr val="phClr">
+                <a:tint val="93000"/>
+                <a:satMod val="150000"/>
+                <a:shade val="98000"/>
+                <a:lumMod val="102000"/>
+              </a:schemeClr>
+            </a:gs>
+            <a:gs pos="50000">
+              <a:schemeClr val="phClr">
+                <a:tint val="98000"/>
+                <a:satMod val="130000"/>
+                <a:shade val="90000"/>
+                <a:lumMod val="103000"/>
+              </a:schemeClr>
+            </a:gs>
+            <a:gs pos="100000">
+              <a:schemeClr val="phClr">
+                <a:shade val="63000"/>
+                <a:satMod val="120000"/>
+              </a:schemeClr>
+            </a:gs>
+          </a:gsLst>
+          <a:lin ang="5400000" scaled="0"/>
+        </a:gradFill>
+      </a:bgFillStyleLst>
+    </a:fmtScheme>
+  </a:themeElements>
+  <a:objectDefaults/>
+  <a:extraClrSchemeLst/>
+  <a:extLst>
+    <a:ext uri="{05A4C25C-085E-4340-85A3-A5531E510DB2}">
+      <thm15:themeFamily xmlns:thm15="http://schemas.microsoft.com/office/thememl/2012/main" name="Office Theme" id="{62F939B6-93AF-4DB8-9C6B-D6C7DFDC589F}" vid="{4A3C46E8-61CC-4603-A589-7422A47A8E4A}"/>
+    </a:ext>
+  </a:extLst>
+</a:theme>
 </file>